--- a/Program.pptx
+++ b/Program.pptx
@@ -244,7 +244,7 @@
           <a:p>
             <a:fld id="{8D70C389-B10F-4122-8102-69D194FED55B}" type="datetimeFigureOut">
               <a:rPr lang="en-US" smtClean="0"/>
-              <a:t>5/19/2024</a:t>
+              <a:t>5/20/2024</a:t>
             </a:fld>
             <a:endParaRPr lang="en-US"/>
           </a:p>
@@ -414,7 +414,7 @@
           <a:p>
             <a:fld id="{8D70C389-B10F-4122-8102-69D194FED55B}" type="datetimeFigureOut">
               <a:rPr lang="en-US" smtClean="0"/>
-              <a:t>5/19/2024</a:t>
+              <a:t>5/20/2024</a:t>
             </a:fld>
             <a:endParaRPr lang="en-US"/>
           </a:p>
@@ -594,7 +594,7 @@
           <a:p>
             <a:fld id="{8D70C389-B10F-4122-8102-69D194FED55B}" type="datetimeFigureOut">
               <a:rPr lang="en-US" smtClean="0"/>
-              <a:t>5/19/2024</a:t>
+              <a:t>5/20/2024</a:t>
             </a:fld>
             <a:endParaRPr lang="en-US"/>
           </a:p>
@@ -764,7 +764,7 @@
           <a:p>
             <a:fld id="{8D70C389-B10F-4122-8102-69D194FED55B}" type="datetimeFigureOut">
               <a:rPr lang="en-US" smtClean="0"/>
-              <a:t>5/19/2024</a:t>
+              <a:t>5/20/2024</a:t>
             </a:fld>
             <a:endParaRPr lang="en-US"/>
           </a:p>
@@ -1008,7 +1008,7 @@
           <a:p>
             <a:fld id="{8D70C389-B10F-4122-8102-69D194FED55B}" type="datetimeFigureOut">
               <a:rPr lang="en-US" smtClean="0"/>
-              <a:t>5/19/2024</a:t>
+              <a:t>5/20/2024</a:t>
             </a:fld>
             <a:endParaRPr lang="en-US"/>
           </a:p>
@@ -1240,7 +1240,7 @@
           <a:p>
             <a:fld id="{8D70C389-B10F-4122-8102-69D194FED55B}" type="datetimeFigureOut">
               <a:rPr lang="en-US" smtClean="0"/>
-              <a:t>5/19/2024</a:t>
+              <a:t>5/20/2024</a:t>
             </a:fld>
             <a:endParaRPr lang="en-US"/>
           </a:p>
@@ -1607,7 +1607,7 @@
           <a:p>
             <a:fld id="{8D70C389-B10F-4122-8102-69D194FED55B}" type="datetimeFigureOut">
               <a:rPr lang="en-US" smtClean="0"/>
-              <a:t>5/19/2024</a:t>
+              <a:t>5/20/2024</a:t>
             </a:fld>
             <a:endParaRPr lang="en-US"/>
           </a:p>
@@ -1725,7 +1725,7 @@
           <a:p>
             <a:fld id="{8D70C389-B10F-4122-8102-69D194FED55B}" type="datetimeFigureOut">
               <a:rPr lang="en-US" smtClean="0"/>
-              <a:t>5/19/2024</a:t>
+              <a:t>5/20/2024</a:t>
             </a:fld>
             <a:endParaRPr lang="en-US"/>
           </a:p>
@@ -1820,7 +1820,7 @@
           <a:p>
             <a:fld id="{8D70C389-B10F-4122-8102-69D194FED55B}" type="datetimeFigureOut">
               <a:rPr lang="en-US" smtClean="0"/>
-              <a:t>5/19/2024</a:t>
+              <a:t>5/20/2024</a:t>
             </a:fld>
             <a:endParaRPr lang="en-US"/>
           </a:p>
@@ -2097,7 +2097,7 @@
           <a:p>
             <a:fld id="{8D70C389-B10F-4122-8102-69D194FED55B}" type="datetimeFigureOut">
               <a:rPr lang="en-US" smtClean="0"/>
-              <a:t>5/19/2024</a:t>
+              <a:t>5/20/2024</a:t>
             </a:fld>
             <a:endParaRPr lang="en-US"/>
           </a:p>
@@ -2354,7 +2354,7 @@
           <a:p>
             <a:fld id="{8D70C389-B10F-4122-8102-69D194FED55B}" type="datetimeFigureOut">
               <a:rPr lang="en-US" smtClean="0"/>
-              <a:t>5/19/2024</a:t>
+              <a:t>5/20/2024</a:t>
             </a:fld>
             <a:endParaRPr lang="en-US"/>
           </a:p>
@@ -2567,7 +2567,7 @@
           <a:p>
             <a:fld id="{8D70C389-B10F-4122-8102-69D194FED55B}" type="datetimeFigureOut">
               <a:rPr lang="en-US" smtClean="0"/>
-              <a:t>5/19/2024</a:t>
+              <a:t>5/20/2024</a:t>
             </a:fld>
             <a:endParaRPr lang="en-US"/>
           </a:p>
@@ -2994,8 +2994,8 @@
         </p:nvSpPr>
         <p:spPr>
           <a:xfrm rot="21010892">
-            <a:off x="4974067" y="398504"/>
-            <a:ext cx="3150651" cy="900246"/>
+            <a:off x="4967622" y="404263"/>
+            <a:ext cx="4030661" cy="738664"/>
           </a:xfrm>
           <a:prstGeom prst="rect">
             <a:avLst/>
@@ -3286,12 +3286,198 @@
           </a:p>
         </p:txBody>
       </p:sp>
+      <p:sp>
+        <p:nvSpPr>
+          <p:cNvPr id="4" name="TextBox 3">
+            <a:extLst>
+              <a:ext uri="{FF2B5EF4-FFF2-40B4-BE49-F238E27FC236}">
+                <a16:creationId xmlns:a16="http://schemas.microsoft.com/office/drawing/2014/main" id="{9A3CA178-BB23-CF5F-2705-2C8213C273DF}"/>
+              </a:ext>
+            </a:extLst>
+          </p:cNvPr>
+          <p:cNvSpPr txBox="1"/>
+          <p:nvPr/>
+        </p:nvSpPr>
+        <p:spPr>
+          <a:xfrm>
+            <a:off x="7248541" y="4995577"/>
+            <a:ext cx="3147587" cy="537519"/>
+          </a:xfrm>
+          <a:prstGeom prst="rect">
+            <a:avLst/>
+          </a:prstGeom>
+          <a:noFill/>
+        </p:spPr>
+        <p:txBody>
+          <a:bodyPr wrap="square" rtlCol="0">
+            <a:spAutoFit/>
+          </a:bodyPr>
+          <a:lstStyle/>
+          <a:p>
+            <a:r>
+              <a:rPr lang="ro-RO" sz="2893" dirty="0">
+                <a:solidFill>
+                  <a:srgbClr val="FFE79B"/>
+                </a:solidFill>
+                <a:effectLst>
+                  <a:outerShdw blurRad="63500" sx="102000" sy="102000" algn="ctr" rotWithShape="0">
+                    <a:prstClr val="black">
+                      <a:alpha val="30000"/>
+                    </a:prstClr>
+                  </a:outerShdw>
+                </a:effectLst>
+                <a:latin typeface="Suez One" panose="00000500000000000000" pitchFamily="2" charset="-79"/>
+                <a:cs typeface="Suez One" panose="00000500000000000000" pitchFamily="2" charset="-79"/>
+              </a:rPr>
+              <a:t>03.08.2024</a:t>
+            </a:r>
+            <a:endParaRPr lang="en-US" sz="2893" dirty="0">
+              <a:solidFill>
+                <a:srgbClr val="FFE79B"/>
+              </a:solidFill>
+              <a:effectLst>
+                <a:outerShdw blurRad="63500" sx="102000" sy="102000" algn="ctr" rotWithShape="0">
+                  <a:prstClr val="black">
+                    <a:alpha val="30000"/>
+                  </a:prstClr>
+                </a:outerShdw>
+              </a:effectLst>
+              <a:latin typeface="Suez One" panose="00000500000000000000" pitchFamily="2" charset="-79"/>
+              <a:cs typeface="Suez One" panose="00000500000000000000" pitchFamily="2" charset="-79"/>
+            </a:endParaRPr>
+          </a:p>
+        </p:txBody>
+      </p:sp>
+      <p:sp>
+        <p:nvSpPr>
+          <p:cNvPr id="5" name="TextBox 4">
+            <a:extLst>
+              <a:ext uri="{FF2B5EF4-FFF2-40B4-BE49-F238E27FC236}">
+                <a16:creationId xmlns:a16="http://schemas.microsoft.com/office/drawing/2014/main" id="{42A0CE11-CF25-C229-BC3A-9624216A6CCF}"/>
+              </a:ext>
+            </a:extLst>
+          </p:cNvPr>
+          <p:cNvSpPr txBox="1"/>
+          <p:nvPr/>
+        </p:nvSpPr>
+        <p:spPr>
+          <a:xfrm>
+            <a:off x="5069519" y="2524849"/>
+            <a:ext cx="5481258" cy="461665"/>
+          </a:xfrm>
+          <a:prstGeom prst="rect">
+            <a:avLst/>
+          </a:prstGeom>
+          <a:noFill/>
+        </p:spPr>
+        <p:txBody>
+          <a:bodyPr wrap="square" rtlCol="0">
+            <a:spAutoFit/>
+          </a:bodyPr>
+          <a:lstStyle/>
+          <a:p>
+            <a:r>
+              <a:rPr lang="ro-RO" sz="2400" b="1" dirty="0">
+                <a:solidFill>
+                  <a:srgbClr val="FFE79B"/>
+                </a:solidFill>
+                <a:effectLst>
+                  <a:outerShdw blurRad="63500" sx="102000" sy="102000" algn="ctr" rotWithShape="0">
+                    <a:prstClr val="black">
+                      <a:alpha val="30000"/>
+                    </a:prstClr>
+                  </a:outerShdw>
+                </a:effectLst>
+                <a:latin typeface="PT Serif" panose="020A0603040505020204" pitchFamily="18" charset="0"/>
+                <a:cs typeface="Times New Roman" panose="02020603050405020304" pitchFamily="18" charset="0"/>
+              </a:rPr>
+              <a:t>Programmbuch</a:t>
+            </a:r>
+            <a:endParaRPr lang="en-US" sz="2400" b="1" dirty="0">
+              <a:solidFill>
+                <a:srgbClr val="FFE79B"/>
+              </a:solidFill>
+              <a:effectLst>
+                <a:outerShdw blurRad="63500" sx="102000" sy="102000" algn="ctr" rotWithShape="0">
+                  <a:prstClr val="black">
+                    <a:alpha val="30000"/>
+                  </a:prstClr>
+                </a:outerShdw>
+              </a:effectLst>
+              <a:latin typeface="PT Serif" panose="020A0603040505020204" pitchFamily="18" charset="0"/>
+              <a:cs typeface="Times New Roman" panose="02020603050405020304" pitchFamily="18" charset="0"/>
+            </a:endParaRPr>
+          </a:p>
+        </p:txBody>
+      </p:sp>
+      <p:sp>
+        <p:nvSpPr>
+          <p:cNvPr id="12" name="TextBox 11">
+            <a:extLst>
+              <a:ext uri="{FF2B5EF4-FFF2-40B4-BE49-F238E27FC236}">
+                <a16:creationId xmlns:a16="http://schemas.microsoft.com/office/drawing/2014/main" id="{7BADC1A9-C904-5E13-73C6-2D00701B5690}"/>
+              </a:ext>
+            </a:extLst>
+          </p:cNvPr>
+          <p:cNvSpPr txBox="1"/>
+          <p:nvPr/>
+        </p:nvSpPr>
+        <p:spPr>
+          <a:xfrm>
+            <a:off x="5069519" y="2852444"/>
+            <a:ext cx="2151317" cy="339645"/>
+          </a:xfrm>
+          <a:prstGeom prst="rect">
+            <a:avLst/>
+          </a:prstGeom>
+          <a:noFill/>
+        </p:spPr>
+        <p:txBody>
+          <a:bodyPr wrap="square" rtlCol="0">
+            <a:spAutoFit/>
+          </a:bodyPr>
+          <a:lstStyle/>
+          <a:p>
+            <a:r>
+              <a:rPr lang="ro-RO" sz="1607" b="1" dirty="0">
+                <a:solidFill>
+                  <a:srgbClr val="FFE79B"/>
+                </a:solidFill>
+                <a:effectLst>
+                  <a:outerShdw blurRad="63500" sx="102000" sy="102000" algn="ctr" rotWithShape="0">
+                    <a:prstClr val="black">
+                      <a:alpha val="30000"/>
+                    </a:prstClr>
+                  </a:outerShdw>
+                </a:effectLst>
+                <a:latin typeface="PT Serif" panose="020A0603040505020204" pitchFamily="18" charset="0"/>
+                <a:cs typeface="Times New Roman" panose="02020603050405020304" pitchFamily="18" charset="0"/>
+              </a:rPr>
+              <a:t>Caiet-program</a:t>
+            </a:r>
+            <a:endParaRPr lang="en-US" sz="1607" b="1" dirty="0">
+              <a:solidFill>
+                <a:srgbClr val="FFE79B"/>
+              </a:solidFill>
+              <a:effectLst>
+                <a:outerShdw blurRad="63500" sx="102000" sy="102000" algn="ctr" rotWithShape="0">
+                  <a:prstClr val="black">
+                    <a:alpha val="30000"/>
+                  </a:prstClr>
+                </a:outerShdw>
+              </a:effectLst>
+              <a:latin typeface="PT Serif" panose="020A0603040505020204" pitchFamily="18" charset="0"/>
+              <a:cs typeface="Times New Roman" panose="02020603050405020304" pitchFamily="18" charset="0"/>
+            </a:endParaRPr>
+          </a:p>
+        </p:txBody>
+      </p:sp>
       <p:pic>
         <p:nvPicPr>
-          <p:cNvPr id="20" name="Picture 19">
+          <p:cNvPr id="14" name="Picture 13">
             <a:extLst>
               <a:ext uri="{FF2B5EF4-FFF2-40B4-BE49-F238E27FC236}">
-                <a16:creationId xmlns:a16="http://schemas.microsoft.com/office/drawing/2014/main" id="{D3360B39-7EC2-ABEA-7AD5-92D6455E0BC9}"/>
+                <a16:creationId xmlns:a16="http://schemas.microsoft.com/office/drawing/2014/main" id="{4056D17A-0D62-E5D8-EF23-4CDBCA59C713}"/>
               </a:ext>
             </a:extLst>
           </p:cNvPr>
@@ -3313,21 +3499,201 @@
           </a:stretch>
         </p:blipFill>
         <p:spPr>
-          <a:xfrm>
-            <a:off x="5121156" y="6131294"/>
-            <a:ext cx="431074" cy="431074"/>
+          <a:xfrm rot="1060458">
+            <a:off x="5608323" y="38898"/>
+            <a:ext cx="476275" cy="476275"/>
           </a:xfrm>
           <a:prstGeom prst="rect">
             <a:avLst/>
           </a:prstGeom>
         </p:spPr>
       </p:pic>
+      <p:sp>
+        <p:nvSpPr>
+          <p:cNvPr id="26" name="TextBox 25">
+            <a:extLst>
+              <a:ext uri="{FF2B5EF4-FFF2-40B4-BE49-F238E27FC236}">
+                <a16:creationId xmlns:a16="http://schemas.microsoft.com/office/drawing/2014/main" id="{9025380C-E616-3C6C-2D76-74DE85DA64C1}"/>
+              </a:ext>
+            </a:extLst>
+          </p:cNvPr>
+          <p:cNvSpPr txBox="1"/>
+          <p:nvPr/>
+        </p:nvSpPr>
+        <p:spPr>
+          <a:xfrm>
+            <a:off x="902913" y="3014470"/>
+            <a:ext cx="3305941" cy="646331"/>
+          </a:xfrm>
+          <a:prstGeom prst="rect">
+            <a:avLst/>
+          </a:prstGeom>
+          <a:noFill/>
+        </p:spPr>
+        <p:txBody>
+          <a:bodyPr wrap="square" rtlCol="0">
+            <a:spAutoFit/>
+          </a:bodyPr>
+          <a:lstStyle/>
+          <a:p>
+            <a:pPr algn="ctr"/>
+            <a:r>
+              <a:rPr lang="en-US" sz="3600" b="1" dirty="0" err="1">
+                <a:solidFill>
+                  <a:srgbClr val="FFE79B"/>
+                </a:solidFill>
+                <a:effectLst>
+                  <a:outerShdw blurRad="63500" sx="102000" sy="102000" algn="ctr" rotWithShape="0">
+                    <a:prstClr val="black">
+                      <a:alpha val="30000"/>
+                    </a:prstClr>
+                  </a:outerShdw>
+                </a:effectLst>
+                <a:latin typeface="PT Serif" panose="020A0603040505020204" pitchFamily="18" charset="0"/>
+                <a:cs typeface="Times New Roman" panose="02020603050405020304" pitchFamily="18" charset="0"/>
+              </a:rPr>
+              <a:t>Vielen</a:t>
+            </a:r>
+            <a:r>
+              <a:rPr lang="en-US" sz="3600" b="1" dirty="0">
+                <a:solidFill>
+                  <a:srgbClr val="FFE79B"/>
+                </a:solidFill>
+                <a:effectLst>
+                  <a:outerShdw blurRad="63500" sx="102000" sy="102000" algn="ctr" rotWithShape="0">
+                    <a:prstClr val="black">
+                      <a:alpha val="30000"/>
+                    </a:prstClr>
+                  </a:outerShdw>
+                </a:effectLst>
+                <a:latin typeface="PT Serif" panose="020A0603040505020204" pitchFamily="18" charset="0"/>
+                <a:cs typeface="Times New Roman" panose="02020603050405020304" pitchFamily="18" charset="0"/>
+              </a:rPr>
+              <a:t> Dan</a:t>
+            </a:r>
+            <a:r>
+              <a:rPr lang="ro-RO" sz="3600" b="1" dirty="0">
+                <a:solidFill>
+                  <a:srgbClr val="FFE79B"/>
+                </a:solidFill>
+                <a:effectLst>
+                  <a:outerShdw blurRad="63500" sx="102000" sy="102000" algn="ctr" rotWithShape="0">
+                    <a:prstClr val="black">
+                      <a:alpha val="30000"/>
+                    </a:prstClr>
+                  </a:outerShdw>
+                </a:effectLst>
+                <a:latin typeface="PT Serif" panose="020A0603040505020204" pitchFamily="18" charset="0"/>
+                <a:cs typeface="Times New Roman" panose="02020603050405020304" pitchFamily="18" charset="0"/>
+              </a:rPr>
+              <a:t>k</a:t>
+            </a:r>
+            <a:r>
+              <a:rPr lang="en-US" sz="3600" b="1" dirty="0">
+                <a:solidFill>
+                  <a:srgbClr val="FFE79B"/>
+                </a:solidFill>
+                <a:effectLst>
+                  <a:outerShdw blurRad="63500" sx="102000" sy="102000" algn="ctr" rotWithShape="0">
+                    <a:prstClr val="black">
+                      <a:alpha val="30000"/>
+                    </a:prstClr>
+                  </a:outerShdw>
+                </a:effectLst>
+                <a:latin typeface="PT Serif" panose="020A0603040505020204" pitchFamily="18" charset="0"/>
+                <a:cs typeface="Times New Roman" panose="02020603050405020304" pitchFamily="18" charset="0"/>
+              </a:rPr>
+              <a:t>!</a:t>
+            </a:r>
+          </a:p>
+        </p:txBody>
+      </p:sp>
+      <p:sp>
+        <p:nvSpPr>
+          <p:cNvPr id="27" name="TextBox 26">
+            <a:extLst>
+              <a:ext uri="{FF2B5EF4-FFF2-40B4-BE49-F238E27FC236}">
+                <a16:creationId xmlns:a16="http://schemas.microsoft.com/office/drawing/2014/main" id="{A5A68B0B-0054-F781-2B7B-BE8F14C38F02}"/>
+              </a:ext>
+            </a:extLst>
+          </p:cNvPr>
+          <p:cNvSpPr txBox="1"/>
+          <p:nvPr/>
+        </p:nvSpPr>
+        <p:spPr>
+          <a:xfrm>
+            <a:off x="-107745" y="3560350"/>
+            <a:ext cx="5481258" cy="461665"/>
+          </a:xfrm>
+          <a:prstGeom prst="rect">
+            <a:avLst/>
+          </a:prstGeom>
+          <a:noFill/>
+        </p:spPr>
+        <p:txBody>
+          <a:bodyPr wrap="square" rtlCol="0">
+            <a:spAutoFit/>
+          </a:bodyPr>
+          <a:lstStyle/>
+          <a:p>
+            <a:pPr algn="ctr"/>
+            <a:r>
+              <a:rPr lang="en-US" sz="2400" b="1" dirty="0">
+                <a:solidFill>
+                  <a:srgbClr val="FFE79B"/>
+                </a:solidFill>
+                <a:effectLst>
+                  <a:outerShdw blurRad="63500" sx="102000" sy="102000" algn="ctr" rotWithShape="0">
+                    <a:prstClr val="black">
+                      <a:alpha val="30000"/>
+                    </a:prstClr>
+                  </a:outerShdw>
+                </a:effectLst>
+                <a:latin typeface="PT Serif" panose="020A0603040505020204" pitchFamily="18" charset="0"/>
+                <a:cs typeface="Times New Roman" panose="02020603050405020304" pitchFamily="18" charset="0"/>
+              </a:rPr>
+              <a:t>V</a:t>
+            </a:r>
+            <a:r>
+              <a:rPr lang="ro-RO" sz="2400" b="1" dirty="0">
+                <a:solidFill>
+                  <a:srgbClr val="FFE79B"/>
+                </a:solidFill>
+                <a:effectLst>
+                  <a:outerShdw blurRad="63500" sx="102000" sy="102000" algn="ctr" rotWithShape="0">
+                    <a:prstClr val="black">
+                      <a:alpha val="30000"/>
+                    </a:prstClr>
+                  </a:outerShdw>
+                </a:effectLst>
+                <a:latin typeface="PT Serif" panose="020A0603040505020204" pitchFamily="18" charset="0"/>
+                <a:cs typeface="Times New Roman" panose="02020603050405020304" pitchFamily="18" charset="0"/>
+              </a:rPr>
+              <a:t>ă mulțumim!</a:t>
+            </a:r>
+            <a:endParaRPr lang="en-US" sz="2400" b="1" dirty="0">
+              <a:solidFill>
+                <a:srgbClr val="FFE79B"/>
+              </a:solidFill>
+              <a:effectLst>
+                <a:outerShdw blurRad="63500" sx="102000" sy="102000" algn="ctr" rotWithShape="0">
+                  <a:prstClr val="black">
+                    <a:alpha val="30000"/>
+                  </a:prstClr>
+                </a:outerShdw>
+              </a:effectLst>
+              <a:latin typeface="PT Serif" panose="020A0603040505020204" pitchFamily="18" charset="0"/>
+              <a:cs typeface="Times New Roman" panose="02020603050405020304" pitchFamily="18" charset="0"/>
+            </a:endParaRPr>
+          </a:p>
+        </p:txBody>
+      </p:sp>
       <p:pic>
         <p:nvPicPr>
-          <p:cNvPr id="18" name="Picture 17">
+          <p:cNvPr id="9" name="Picture 8">
             <a:extLst>
               <a:ext uri="{FF2B5EF4-FFF2-40B4-BE49-F238E27FC236}">
-                <a16:creationId xmlns:a16="http://schemas.microsoft.com/office/drawing/2014/main" id="{2E6DE1C6-BB1D-E360-A587-2CC859F542E6}"/>
+                <a16:creationId xmlns:a16="http://schemas.microsoft.com/office/drawing/2014/main" id="{4DCB1D5A-C639-67FF-317A-BB72C8FFE66B}"/>
               </a:ext>
             </a:extLst>
           </p:cNvPr>
@@ -3350,580 +3716,20 @@
         </p:blipFill>
         <p:spPr>
           <a:xfrm>
-            <a:off x="7027676" y="6020230"/>
-            <a:ext cx="431074" cy="529728"/>
+            <a:off x="4479847" y="3543396"/>
+            <a:ext cx="6873669" cy="2491850"/>
           </a:xfrm>
           <a:prstGeom prst="rect">
             <a:avLst/>
           </a:prstGeom>
         </p:spPr>
       </p:pic>
-      <p:sp>
-        <p:nvSpPr>
-          <p:cNvPr id="22" name="TextBox 21">
+      <p:pic>
+        <p:nvPicPr>
+          <p:cNvPr id="11" name="Picture 10">
             <a:extLst>
               <a:ext uri="{FF2B5EF4-FFF2-40B4-BE49-F238E27FC236}">
-                <a16:creationId xmlns:a16="http://schemas.microsoft.com/office/drawing/2014/main" id="{BC3B032A-6D24-1F6C-98B1-4FA81D958E00}"/>
-              </a:ext>
-            </a:extLst>
-          </p:cNvPr>
-          <p:cNvSpPr txBox="1"/>
-          <p:nvPr/>
-        </p:nvSpPr>
-        <p:spPr>
-          <a:xfrm>
-            <a:off x="5522838" y="6138102"/>
-            <a:ext cx="1645676" cy="438582"/>
-          </a:xfrm>
-          <a:prstGeom prst="rect">
-            <a:avLst/>
-          </a:prstGeom>
-          <a:noFill/>
-        </p:spPr>
-        <p:txBody>
-          <a:bodyPr wrap="square" rtlCol="0">
-            <a:spAutoFit/>
-          </a:bodyPr>
-          <a:lstStyle/>
-          <a:p>
-            <a:r>
-              <a:rPr lang="ro-RO" sz="750" b="1" dirty="0">
-                <a:solidFill>
-                  <a:srgbClr val="FFE79B"/>
-                </a:solidFill>
-                <a:effectLst>
-                  <a:outerShdw blurRad="63500" sx="102000" sy="102000" algn="ctr" rotWithShape="0">
-                    <a:prstClr val="black">
-                      <a:alpha val="30000"/>
-                    </a:prstClr>
-                  </a:outerShdw>
-                </a:effectLst>
-                <a:latin typeface="PT Serif" panose="020A0603040505020204" pitchFamily="18" charset="0"/>
-                <a:cs typeface="Times New Roman" panose="02020603050405020304" pitchFamily="18" charset="0"/>
-              </a:rPr>
-              <a:t>Heimatortsgemeinschaft Lovrin</a:t>
-            </a:r>
-          </a:p>
-          <a:p>
-            <a:r>
-              <a:rPr lang="ro-RO" sz="750" b="1" dirty="0">
-                <a:solidFill>
-                  <a:srgbClr val="FFE79B"/>
-                </a:solidFill>
-                <a:effectLst>
-                  <a:outerShdw blurRad="63500" sx="102000" sy="102000" algn="ctr" rotWithShape="0">
-                    <a:prstClr val="black">
-                      <a:alpha val="30000"/>
-                    </a:prstClr>
-                  </a:outerShdw>
-                </a:effectLst>
-                <a:latin typeface="PT Serif" panose="020A0603040505020204" pitchFamily="18" charset="0"/>
-                <a:cs typeface="Times New Roman" panose="02020603050405020304" pitchFamily="18" charset="0"/>
-              </a:rPr>
-              <a:t>in der Landsmannschaft</a:t>
-            </a:r>
-          </a:p>
-          <a:p>
-            <a:r>
-              <a:rPr lang="ro-RO" sz="750" b="1" dirty="0">
-                <a:solidFill>
-                  <a:srgbClr val="FFE79B"/>
-                </a:solidFill>
-                <a:effectLst>
-                  <a:outerShdw blurRad="63500" sx="102000" sy="102000" algn="ctr" rotWithShape="0">
-                    <a:prstClr val="black">
-                      <a:alpha val="30000"/>
-                    </a:prstClr>
-                  </a:outerShdw>
-                </a:effectLst>
-                <a:latin typeface="PT Serif" panose="020A0603040505020204" pitchFamily="18" charset="0"/>
-                <a:cs typeface="Times New Roman" panose="02020603050405020304" pitchFamily="18" charset="0"/>
-              </a:rPr>
-              <a:t>der Banater Schwaben</a:t>
-            </a:r>
-            <a:endParaRPr lang="en-US" sz="750" b="1" dirty="0">
-              <a:solidFill>
-                <a:srgbClr val="FFE79B"/>
-              </a:solidFill>
-              <a:effectLst>
-                <a:outerShdw blurRad="63500" sx="102000" sy="102000" algn="ctr" rotWithShape="0">
-                  <a:prstClr val="black">
-                    <a:alpha val="30000"/>
-                  </a:prstClr>
-                </a:outerShdw>
-              </a:effectLst>
-              <a:latin typeface="PT Serif" panose="020A0603040505020204" pitchFamily="18" charset="0"/>
-              <a:cs typeface="Times New Roman" panose="02020603050405020304" pitchFamily="18" charset="0"/>
-            </a:endParaRPr>
-          </a:p>
-        </p:txBody>
-      </p:sp>
-      <p:sp>
-        <p:nvSpPr>
-          <p:cNvPr id="23" name="TextBox 22">
-            <a:extLst>
-              <a:ext uri="{FF2B5EF4-FFF2-40B4-BE49-F238E27FC236}">
-                <a16:creationId xmlns:a16="http://schemas.microsoft.com/office/drawing/2014/main" id="{09D957A3-BB6F-A4A0-C746-C7548BF9A99A}"/>
-              </a:ext>
-            </a:extLst>
-          </p:cNvPr>
-          <p:cNvSpPr txBox="1"/>
-          <p:nvPr/>
-        </p:nvSpPr>
-        <p:spPr>
-          <a:xfrm>
-            <a:off x="7452169" y="6138102"/>
-            <a:ext cx="1575826" cy="438582"/>
-          </a:xfrm>
-          <a:prstGeom prst="rect">
-            <a:avLst/>
-          </a:prstGeom>
-          <a:noFill/>
-        </p:spPr>
-        <p:txBody>
-          <a:bodyPr wrap="square" rtlCol="0">
-            <a:spAutoFit/>
-          </a:bodyPr>
-          <a:lstStyle/>
-          <a:p>
-            <a:r>
-              <a:rPr lang="ro-RO" sz="750" b="1" dirty="0">
-                <a:solidFill>
-                  <a:srgbClr val="FFE79B"/>
-                </a:solidFill>
-                <a:effectLst>
-                  <a:outerShdw blurRad="63500" sx="102000" sy="102000" algn="ctr" rotWithShape="0">
-                    <a:prstClr val="black">
-                      <a:alpha val="30000"/>
-                    </a:prstClr>
-                  </a:outerShdw>
-                </a:effectLst>
-                <a:latin typeface="PT Serif" panose="020A0603040505020204" pitchFamily="18" charset="0"/>
-                <a:cs typeface="Times New Roman" panose="02020603050405020304" pitchFamily="18" charset="0"/>
-              </a:rPr>
-              <a:t>HOG Lovrin</a:t>
-            </a:r>
-          </a:p>
-          <a:p>
-            <a:r>
-              <a:rPr lang="ro-RO" sz="750" b="1" dirty="0">
-                <a:solidFill>
-                  <a:srgbClr val="FFE79B"/>
-                </a:solidFill>
-                <a:effectLst>
-                  <a:outerShdw blurRad="63500" sx="102000" sy="102000" algn="ctr" rotWithShape="0">
-                    <a:prstClr val="black">
-                      <a:alpha val="30000"/>
-                    </a:prstClr>
-                  </a:outerShdw>
-                </a:effectLst>
-                <a:latin typeface="PT Serif" panose="020A0603040505020204" pitchFamily="18" charset="0"/>
-                <a:cs typeface="Times New Roman" panose="02020603050405020304" pitchFamily="18" charset="0"/>
-              </a:rPr>
-              <a:t>Primăria Lovrin</a:t>
-            </a:r>
-          </a:p>
-          <a:p>
-            <a:r>
-              <a:rPr lang="ro-RO" sz="750" b="1" dirty="0">
-                <a:solidFill>
-                  <a:srgbClr val="FFE79B"/>
-                </a:solidFill>
-                <a:effectLst>
-                  <a:outerShdw blurRad="63500" sx="102000" sy="102000" algn="ctr" rotWithShape="0">
-                    <a:prstClr val="black">
-                      <a:alpha val="30000"/>
-                    </a:prstClr>
-                  </a:outerShdw>
-                </a:effectLst>
-                <a:latin typeface="PT Serif" panose="020A0603040505020204" pitchFamily="18" charset="0"/>
-                <a:cs typeface="Times New Roman" panose="02020603050405020304" pitchFamily="18" charset="0"/>
-              </a:rPr>
-              <a:t>Parohia Romano-Catolică Lovrin</a:t>
-            </a:r>
-            <a:endParaRPr lang="en-US" sz="750" b="1" dirty="0">
-              <a:solidFill>
-                <a:srgbClr val="FFE79B"/>
-              </a:solidFill>
-              <a:effectLst>
-                <a:outerShdw blurRad="63500" sx="102000" sy="102000" algn="ctr" rotWithShape="0">
-                  <a:prstClr val="black">
-                    <a:alpha val="30000"/>
-                  </a:prstClr>
-                </a:outerShdw>
-              </a:effectLst>
-              <a:latin typeface="PT Serif" panose="020A0603040505020204" pitchFamily="18" charset="0"/>
-              <a:cs typeface="Times New Roman" panose="02020603050405020304" pitchFamily="18" charset="0"/>
-            </a:endParaRPr>
-          </a:p>
-        </p:txBody>
-      </p:sp>
-      <p:sp>
-        <p:nvSpPr>
-          <p:cNvPr id="24" name="TextBox 23">
-            <a:extLst>
-              <a:ext uri="{FF2B5EF4-FFF2-40B4-BE49-F238E27FC236}">
-                <a16:creationId xmlns:a16="http://schemas.microsoft.com/office/drawing/2014/main" id="{233D4F82-CD46-952B-9BCD-2B62D6F5BED1}"/>
-              </a:ext>
-            </a:extLst>
-          </p:cNvPr>
-          <p:cNvSpPr txBox="1"/>
-          <p:nvPr/>
-        </p:nvSpPr>
-        <p:spPr>
-          <a:xfrm>
-            <a:off x="8994085" y="6089978"/>
-            <a:ext cx="1018658" cy="553998"/>
-          </a:xfrm>
-          <a:prstGeom prst="rect">
-            <a:avLst/>
-          </a:prstGeom>
-          <a:noFill/>
-        </p:spPr>
-        <p:txBody>
-          <a:bodyPr wrap="square" rtlCol="0">
-            <a:spAutoFit/>
-          </a:bodyPr>
-          <a:lstStyle/>
-          <a:p>
-            <a:r>
-              <a:rPr lang="ro-RO" sz="750" b="1" dirty="0">
-                <a:solidFill>
-                  <a:srgbClr val="FFE79B"/>
-                </a:solidFill>
-                <a:effectLst>
-                  <a:outerShdw blurRad="63500" sx="102000" sy="102000" algn="ctr" rotWithShape="0">
-                    <a:prstClr val="black">
-                      <a:alpha val="30000"/>
-                    </a:prstClr>
-                  </a:outerShdw>
-                </a:effectLst>
-                <a:latin typeface="PT Serif" panose="020A0603040505020204" pitchFamily="18" charset="0"/>
-                <a:ea typeface="Tahoma" panose="020B0604030504040204" pitchFamily="34" charset="0"/>
-                <a:cs typeface="Times New Roman" panose="02020603050405020304" pitchFamily="18" charset="0"/>
-              </a:rPr>
-              <a:t>Demokratisches Forum der Deutschen im Banat</a:t>
-            </a:r>
-          </a:p>
-        </p:txBody>
-      </p:sp>
-      <p:sp>
-        <p:nvSpPr>
-          <p:cNvPr id="2" name="TextBox 1">
-            <a:extLst>
-              <a:ext uri="{FF2B5EF4-FFF2-40B4-BE49-F238E27FC236}">
-                <a16:creationId xmlns:a16="http://schemas.microsoft.com/office/drawing/2014/main" id="{121E178F-7137-815E-641E-B54FDDA0A449}"/>
-              </a:ext>
-            </a:extLst>
-          </p:cNvPr>
-          <p:cNvSpPr txBox="1"/>
-          <p:nvPr/>
-        </p:nvSpPr>
-        <p:spPr>
-          <a:xfrm>
-            <a:off x="5137635" y="3584715"/>
-            <a:ext cx="5481258" cy="1741118"/>
-          </a:xfrm>
-          <a:prstGeom prst="rect">
-            <a:avLst/>
-          </a:prstGeom>
-          <a:noFill/>
-          <a:effectLst/>
-        </p:spPr>
-        <p:txBody>
-          <a:bodyPr wrap="square" rtlCol="0">
-            <a:spAutoFit/>
-          </a:bodyPr>
-          <a:lstStyle/>
-          <a:p>
-            <a:r>
-              <a:rPr lang="ro-RO" sz="10714" dirty="0">
-                <a:solidFill>
-                  <a:srgbClr val="FFE79B"/>
-                </a:solidFill>
-                <a:effectLst>
-                  <a:outerShdw blurRad="63500" sx="102000" sy="102000" algn="ctr" rotWithShape="0">
-                    <a:prstClr val="black">
-                      <a:alpha val="30000"/>
-                    </a:prstClr>
-                  </a:outerShdw>
-                </a:effectLst>
-                <a:latin typeface="Deutsch-Gotisch" pitchFamily="50" charset="0"/>
-                <a:cs typeface="Times New Roman" panose="02020603050405020304" pitchFamily="18" charset="0"/>
-              </a:rPr>
-              <a:t>Kerweih</a:t>
-            </a:r>
-            <a:endParaRPr lang="en-US" sz="10714" dirty="0">
-              <a:solidFill>
-                <a:srgbClr val="FFE79B"/>
-              </a:solidFill>
-              <a:effectLst>
-                <a:outerShdw blurRad="63500" sx="102000" sy="102000" algn="ctr" rotWithShape="0">
-                  <a:prstClr val="black">
-                    <a:alpha val="30000"/>
-                  </a:prstClr>
-                </a:outerShdw>
-              </a:effectLst>
-              <a:latin typeface="Deutsch-Gotisch" pitchFamily="50" charset="0"/>
-              <a:cs typeface="Times New Roman" panose="02020603050405020304" pitchFamily="18" charset="0"/>
-            </a:endParaRPr>
-          </a:p>
-        </p:txBody>
-      </p:sp>
-      <p:sp>
-        <p:nvSpPr>
-          <p:cNvPr id="3" name="TextBox 2">
-            <a:extLst>
-              <a:ext uri="{FF2B5EF4-FFF2-40B4-BE49-F238E27FC236}">
-                <a16:creationId xmlns:a16="http://schemas.microsoft.com/office/drawing/2014/main" id="{A147DE8D-D8E3-41A3-E1BF-0395310EA1EB}"/>
-              </a:ext>
-            </a:extLst>
-          </p:cNvPr>
-          <p:cNvSpPr txBox="1"/>
-          <p:nvPr/>
-        </p:nvSpPr>
-        <p:spPr>
-          <a:xfrm>
-            <a:off x="5925548" y="3478860"/>
-            <a:ext cx="5481258" cy="751872"/>
-          </a:xfrm>
-          <a:prstGeom prst="rect">
-            <a:avLst/>
-          </a:prstGeom>
-          <a:noFill/>
-        </p:spPr>
-        <p:txBody>
-          <a:bodyPr wrap="square" rtlCol="0">
-            <a:spAutoFit/>
-          </a:bodyPr>
-          <a:lstStyle/>
-          <a:p>
-            <a:r>
-              <a:rPr lang="ro-RO" sz="4286" dirty="0">
-                <a:solidFill>
-                  <a:srgbClr val="FFE79B"/>
-                </a:solidFill>
-                <a:effectLst>
-                  <a:outerShdw blurRad="63500" sx="102000" sy="102000" algn="ctr" rotWithShape="0">
-                    <a:prstClr val="black">
-                      <a:alpha val="30000"/>
-                    </a:prstClr>
-                  </a:outerShdw>
-                </a:effectLst>
-                <a:latin typeface="Deutsch-Gotisch" pitchFamily="50" charset="0"/>
-                <a:cs typeface="Times New Roman" panose="02020603050405020304" pitchFamily="18" charset="0"/>
-              </a:rPr>
-              <a:t>Lowriner</a:t>
-            </a:r>
-            <a:endParaRPr lang="en-US" sz="4286" dirty="0">
-              <a:solidFill>
-                <a:srgbClr val="FFE79B"/>
-              </a:solidFill>
-              <a:effectLst>
-                <a:outerShdw blurRad="63500" sx="102000" sy="102000" algn="ctr" rotWithShape="0">
-                  <a:prstClr val="black">
-                    <a:alpha val="30000"/>
-                  </a:prstClr>
-                </a:outerShdw>
-              </a:effectLst>
-              <a:latin typeface="Deutsch-Gotisch" pitchFamily="50" charset="0"/>
-              <a:cs typeface="Times New Roman" panose="02020603050405020304" pitchFamily="18" charset="0"/>
-            </a:endParaRPr>
-          </a:p>
-        </p:txBody>
-      </p:sp>
-      <p:sp>
-        <p:nvSpPr>
-          <p:cNvPr id="4" name="TextBox 3">
-            <a:extLst>
-              <a:ext uri="{FF2B5EF4-FFF2-40B4-BE49-F238E27FC236}">
-                <a16:creationId xmlns:a16="http://schemas.microsoft.com/office/drawing/2014/main" id="{9A3CA178-BB23-CF5F-2705-2C8213C273DF}"/>
-              </a:ext>
-            </a:extLst>
-          </p:cNvPr>
-          <p:cNvSpPr txBox="1"/>
-          <p:nvPr/>
-        </p:nvSpPr>
-        <p:spPr>
-          <a:xfrm>
-            <a:off x="7248541" y="4995577"/>
-            <a:ext cx="3147587" cy="537519"/>
-          </a:xfrm>
-          <a:prstGeom prst="rect">
-            <a:avLst/>
-          </a:prstGeom>
-          <a:noFill/>
-        </p:spPr>
-        <p:txBody>
-          <a:bodyPr wrap="square" rtlCol="0">
-            <a:spAutoFit/>
-          </a:bodyPr>
-          <a:lstStyle/>
-          <a:p>
-            <a:r>
-              <a:rPr lang="ro-RO" sz="2893" dirty="0">
-                <a:solidFill>
-                  <a:srgbClr val="FFE79B"/>
-                </a:solidFill>
-                <a:effectLst>
-                  <a:outerShdw blurRad="63500" sx="102000" sy="102000" algn="ctr" rotWithShape="0">
-                    <a:prstClr val="black">
-                      <a:alpha val="30000"/>
-                    </a:prstClr>
-                  </a:outerShdw>
-                </a:effectLst>
-                <a:latin typeface="Deutsch-Gotisch" pitchFamily="50" charset="0"/>
-                <a:cs typeface="Times New Roman" panose="02020603050405020304" pitchFamily="18" charset="0"/>
-              </a:rPr>
-              <a:t>03.08.2024</a:t>
-            </a:r>
-            <a:endParaRPr lang="en-US" sz="2893" dirty="0">
-              <a:solidFill>
-                <a:srgbClr val="FFE79B"/>
-              </a:solidFill>
-              <a:effectLst>
-                <a:outerShdw blurRad="63500" sx="102000" sy="102000" algn="ctr" rotWithShape="0">
-                  <a:prstClr val="black">
-                    <a:alpha val="30000"/>
-                  </a:prstClr>
-                </a:outerShdw>
-              </a:effectLst>
-              <a:latin typeface="Deutsch-Gotisch" pitchFamily="50" charset="0"/>
-              <a:cs typeface="Times New Roman" panose="02020603050405020304" pitchFamily="18" charset="0"/>
-            </a:endParaRPr>
-          </a:p>
-        </p:txBody>
-      </p:sp>
-      <p:sp>
-        <p:nvSpPr>
-          <p:cNvPr id="5" name="TextBox 4">
-            <a:extLst>
-              <a:ext uri="{FF2B5EF4-FFF2-40B4-BE49-F238E27FC236}">
-                <a16:creationId xmlns:a16="http://schemas.microsoft.com/office/drawing/2014/main" id="{42A0CE11-CF25-C229-BC3A-9624216A6CCF}"/>
-              </a:ext>
-            </a:extLst>
-          </p:cNvPr>
-          <p:cNvSpPr txBox="1"/>
-          <p:nvPr/>
-        </p:nvSpPr>
-        <p:spPr>
-          <a:xfrm>
-            <a:off x="5069519" y="2524849"/>
-            <a:ext cx="5481258" cy="461665"/>
-          </a:xfrm>
-          <a:prstGeom prst="rect">
-            <a:avLst/>
-          </a:prstGeom>
-          <a:noFill/>
-        </p:spPr>
-        <p:txBody>
-          <a:bodyPr wrap="square" rtlCol="0">
-            <a:spAutoFit/>
-          </a:bodyPr>
-          <a:lstStyle/>
-          <a:p>
-            <a:r>
-              <a:rPr lang="ro-RO" sz="2400" b="1" dirty="0">
-                <a:solidFill>
-                  <a:srgbClr val="FFE79B"/>
-                </a:solidFill>
-                <a:effectLst>
-                  <a:outerShdw blurRad="63500" sx="102000" sy="102000" algn="ctr" rotWithShape="0">
-                    <a:prstClr val="black">
-                      <a:alpha val="30000"/>
-                    </a:prstClr>
-                  </a:outerShdw>
-                </a:effectLst>
-                <a:latin typeface="PT Serif" panose="020A0603040505020204" pitchFamily="18" charset="0"/>
-                <a:cs typeface="Times New Roman" panose="02020603050405020304" pitchFamily="18" charset="0"/>
-              </a:rPr>
-              <a:t>Programmbuch</a:t>
-            </a:r>
-            <a:endParaRPr lang="en-US" sz="2400" b="1" dirty="0">
-              <a:solidFill>
-                <a:srgbClr val="FFE79B"/>
-              </a:solidFill>
-              <a:effectLst>
-                <a:outerShdw blurRad="63500" sx="102000" sy="102000" algn="ctr" rotWithShape="0">
-                  <a:prstClr val="black">
-                    <a:alpha val="30000"/>
-                  </a:prstClr>
-                </a:outerShdw>
-              </a:effectLst>
-              <a:latin typeface="PT Serif" panose="020A0603040505020204" pitchFamily="18" charset="0"/>
-              <a:cs typeface="Times New Roman" panose="02020603050405020304" pitchFamily="18" charset="0"/>
-            </a:endParaRPr>
-          </a:p>
-        </p:txBody>
-      </p:sp>
-      <p:sp>
-        <p:nvSpPr>
-          <p:cNvPr id="12" name="TextBox 11">
-            <a:extLst>
-              <a:ext uri="{FF2B5EF4-FFF2-40B4-BE49-F238E27FC236}">
-                <a16:creationId xmlns:a16="http://schemas.microsoft.com/office/drawing/2014/main" id="{7BADC1A9-C904-5E13-73C6-2D00701B5690}"/>
-              </a:ext>
-            </a:extLst>
-          </p:cNvPr>
-          <p:cNvSpPr txBox="1"/>
-          <p:nvPr/>
-        </p:nvSpPr>
-        <p:spPr>
-          <a:xfrm>
-            <a:off x="5069519" y="2852444"/>
-            <a:ext cx="2151317" cy="339645"/>
-          </a:xfrm>
-          <a:prstGeom prst="rect">
-            <a:avLst/>
-          </a:prstGeom>
-          <a:noFill/>
-        </p:spPr>
-        <p:txBody>
-          <a:bodyPr wrap="square" rtlCol="0">
-            <a:spAutoFit/>
-          </a:bodyPr>
-          <a:lstStyle/>
-          <a:p>
-            <a:r>
-              <a:rPr lang="ro-RO" sz="1607" b="1" dirty="0">
-                <a:solidFill>
-                  <a:srgbClr val="FFE79B"/>
-                </a:solidFill>
-                <a:effectLst>
-                  <a:outerShdw blurRad="63500" sx="102000" sy="102000" algn="ctr" rotWithShape="0">
-                    <a:prstClr val="black">
-                      <a:alpha val="30000"/>
-                    </a:prstClr>
-                  </a:outerShdw>
-                </a:effectLst>
-                <a:latin typeface="PT Serif" panose="020A0603040505020204" pitchFamily="18" charset="0"/>
-                <a:cs typeface="Times New Roman" panose="02020603050405020304" pitchFamily="18" charset="0"/>
-              </a:rPr>
-              <a:t>Caiet-program</a:t>
-            </a:r>
-            <a:endParaRPr lang="en-US" sz="1607" b="1" dirty="0">
-              <a:solidFill>
-                <a:srgbClr val="FFE79B"/>
-              </a:solidFill>
-              <a:effectLst>
-                <a:outerShdw blurRad="63500" sx="102000" sy="102000" algn="ctr" rotWithShape="0">
-                  <a:prstClr val="black">
-                    <a:alpha val="30000"/>
-                  </a:prstClr>
-                </a:outerShdw>
-              </a:effectLst>
-              <a:latin typeface="PT Serif" panose="020A0603040505020204" pitchFamily="18" charset="0"/>
-              <a:cs typeface="Times New Roman" panose="02020603050405020304" pitchFamily="18" charset="0"/>
-            </a:endParaRPr>
-          </a:p>
-        </p:txBody>
-      </p:sp>
-      <p:pic>
-        <p:nvPicPr>
-          <p:cNvPr id="14" name="Picture 13">
-            <a:extLst>
-              <a:ext uri="{FF2B5EF4-FFF2-40B4-BE49-F238E27FC236}">
-                <a16:creationId xmlns:a16="http://schemas.microsoft.com/office/drawing/2014/main" id="{4056D17A-0D62-E5D8-EF23-4CDBCA59C713}"/>
+                <a16:creationId xmlns:a16="http://schemas.microsoft.com/office/drawing/2014/main" id="{000912E8-3280-C404-CCF2-FFBE4817BA38}"/>
               </a:ext>
             </a:extLst>
           </p:cNvPr>
@@ -3945,195 +3751,15 @@
           </a:stretch>
         </p:blipFill>
         <p:spPr>
-          <a:xfrm rot="1060458">
-            <a:off x="5608323" y="38898"/>
-            <a:ext cx="476275" cy="476275"/>
+          <a:xfrm>
+            <a:off x="4709271" y="5895246"/>
+            <a:ext cx="5232540" cy="771233"/>
           </a:xfrm>
           <a:prstGeom prst="rect">
             <a:avLst/>
           </a:prstGeom>
         </p:spPr>
       </p:pic>
-      <p:sp>
-        <p:nvSpPr>
-          <p:cNvPr id="26" name="TextBox 25">
-            <a:extLst>
-              <a:ext uri="{FF2B5EF4-FFF2-40B4-BE49-F238E27FC236}">
-                <a16:creationId xmlns:a16="http://schemas.microsoft.com/office/drawing/2014/main" id="{9025380C-E616-3C6C-2D76-74DE85DA64C1}"/>
-              </a:ext>
-            </a:extLst>
-          </p:cNvPr>
-          <p:cNvSpPr txBox="1"/>
-          <p:nvPr/>
-        </p:nvSpPr>
-        <p:spPr>
-          <a:xfrm>
-            <a:off x="902913" y="3014470"/>
-            <a:ext cx="3305941" cy="646331"/>
-          </a:xfrm>
-          <a:prstGeom prst="rect">
-            <a:avLst/>
-          </a:prstGeom>
-          <a:noFill/>
-        </p:spPr>
-        <p:txBody>
-          <a:bodyPr wrap="square" rtlCol="0">
-            <a:spAutoFit/>
-          </a:bodyPr>
-          <a:lstStyle/>
-          <a:p>
-            <a:pPr algn="ctr"/>
-            <a:r>
-              <a:rPr lang="en-US" sz="3600" b="1" dirty="0" err="1">
-                <a:solidFill>
-                  <a:srgbClr val="FFE79B"/>
-                </a:solidFill>
-                <a:effectLst>
-                  <a:outerShdw blurRad="63500" sx="102000" sy="102000" algn="ctr" rotWithShape="0">
-                    <a:prstClr val="black">
-                      <a:alpha val="30000"/>
-                    </a:prstClr>
-                  </a:outerShdw>
-                </a:effectLst>
-                <a:latin typeface="PT Serif" panose="020A0603040505020204" pitchFamily="18" charset="0"/>
-                <a:cs typeface="Times New Roman" panose="02020603050405020304" pitchFamily="18" charset="0"/>
-              </a:rPr>
-              <a:t>Vielen</a:t>
-            </a:r>
-            <a:r>
-              <a:rPr lang="en-US" sz="3600" b="1" dirty="0">
-                <a:solidFill>
-                  <a:srgbClr val="FFE79B"/>
-                </a:solidFill>
-                <a:effectLst>
-                  <a:outerShdw blurRad="63500" sx="102000" sy="102000" algn="ctr" rotWithShape="0">
-                    <a:prstClr val="black">
-                      <a:alpha val="30000"/>
-                    </a:prstClr>
-                  </a:outerShdw>
-                </a:effectLst>
-                <a:latin typeface="PT Serif" panose="020A0603040505020204" pitchFamily="18" charset="0"/>
-                <a:cs typeface="Times New Roman" panose="02020603050405020304" pitchFamily="18" charset="0"/>
-              </a:rPr>
-              <a:t> Dan</a:t>
-            </a:r>
-            <a:r>
-              <a:rPr lang="ro-RO" sz="3600" b="1" dirty="0">
-                <a:solidFill>
-                  <a:srgbClr val="FFE79B"/>
-                </a:solidFill>
-                <a:effectLst>
-                  <a:outerShdw blurRad="63500" sx="102000" sy="102000" algn="ctr" rotWithShape="0">
-                    <a:prstClr val="black">
-                      <a:alpha val="30000"/>
-                    </a:prstClr>
-                  </a:outerShdw>
-                </a:effectLst>
-                <a:latin typeface="PT Serif" panose="020A0603040505020204" pitchFamily="18" charset="0"/>
-                <a:cs typeface="Times New Roman" panose="02020603050405020304" pitchFamily="18" charset="0"/>
-              </a:rPr>
-              <a:t>k</a:t>
-            </a:r>
-            <a:r>
-              <a:rPr lang="en-US" sz="3600" b="1" dirty="0">
-                <a:solidFill>
-                  <a:srgbClr val="FFE79B"/>
-                </a:solidFill>
-                <a:effectLst>
-                  <a:outerShdw blurRad="63500" sx="102000" sy="102000" algn="ctr" rotWithShape="0">
-                    <a:prstClr val="black">
-                      <a:alpha val="30000"/>
-                    </a:prstClr>
-                  </a:outerShdw>
-                </a:effectLst>
-                <a:latin typeface="PT Serif" panose="020A0603040505020204" pitchFamily="18" charset="0"/>
-                <a:cs typeface="Times New Roman" panose="02020603050405020304" pitchFamily="18" charset="0"/>
-              </a:rPr>
-              <a:t>!</a:t>
-            </a:r>
-          </a:p>
-        </p:txBody>
-      </p:sp>
-      <p:sp>
-        <p:nvSpPr>
-          <p:cNvPr id="27" name="TextBox 26">
-            <a:extLst>
-              <a:ext uri="{FF2B5EF4-FFF2-40B4-BE49-F238E27FC236}">
-                <a16:creationId xmlns:a16="http://schemas.microsoft.com/office/drawing/2014/main" id="{A5A68B0B-0054-F781-2B7B-BE8F14C38F02}"/>
-              </a:ext>
-            </a:extLst>
-          </p:cNvPr>
-          <p:cNvSpPr txBox="1"/>
-          <p:nvPr/>
-        </p:nvSpPr>
-        <p:spPr>
-          <a:xfrm>
-            <a:off x="-184745" y="3560350"/>
-            <a:ext cx="5481258" cy="461665"/>
-          </a:xfrm>
-          <a:prstGeom prst="rect">
-            <a:avLst/>
-          </a:prstGeom>
-          <a:noFill/>
-        </p:spPr>
-        <p:txBody>
-          <a:bodyPr wrap="square" rtlCol="0">
-            <a:spAutoFit/>
-          </a:bodyPr>
-          <a:lstStyle/>
-          <a:p>
-            <a:pPr algn="ctr"/>
-            <a:r>
-              <a:rPr lang="en-US" sz="2400" b="1" dirty="0">
-                <a:solidFill>
-                  <a:srgbClr val="FFE79B"/>
-                </a:solidFill>
-                <a:effectLst>
-                  <a:outerShdw blurRad="63500" sx="102000" sy="102000" algn="ctr" rotWithShape="0">
-                    <a:prstClr val="black">
-                      <a:alpha val="30000"/>
-                    </a:prstClr>
-                  </a:outerShdw>
-                </a:effectLst>
-                <a:latin typeface="PT Serif" panose="020A0603040505020204" pitchFamily="18" charset="0"/>
-                <a:cs typeface="Times New Roman" panose="02020603050405020304" pitchFamily="18" charset="0"/>
-              </a:rPr>
-              <a:t>V</a:t>
-            </a:r>
-            <a:r>
-              <a:rPr lang="ro-RO" sz="2400" b="1" dirty="0">
-                <a:solidFill>
-                  <a:srgbClr val="FFE79B"/>
-                </a:solidFill>
-                <a:effectLst>
-                  <a:outerShdw blurRad="63500" sx="102000" sy="102000" algn="ctr" rotWithShape="0">
-                    <a:prstClr val="black">
-                      <a:alpha val="30000"/>
-                    </a:prstClr>
-                  </a:outerShdw>
-                </a:effectLst>
-                <a:latin typeface="PT Serif" panose="020A0603040505020204" pitchFamily="18" charset="0"/>
-                <a:cs typeface="Times New Roman" panose="02020603050405020304" pitchFamily="18" charset="0"/>
-              </a:rPr>
-              <a:t>ă mulțumim!</a:t>
-            </a:r>
-            <a:endParaRPr lang="en-US" sz="2400" b="1" dirty="0">
-              <a:solidFill>
-                <a:srgbClr val="FFE79B"/>
-              </a:solidFill>
-              <a:effectLst>
-                <a:outerShdw blurRad="63500" sx="102000" sy="102000" algn="ctr" rotWithShape="0">
-                  <a:prstClr val="black">
-                    <a:alpha val="30000"/>
-                  </a:prstClr>
-                </a:outerShdw>
-              </a:effectLst>
-              <a:latin typeface="PT Serif" panose="020A0603040505020204" pitchFamily="18" charset="0"/>
-              <a:cs typeface="Times New Roman" panose="02020603050405020304" pitchFamily="18" charset="0"/>
-            </a:endParaRPr>
-          </a:p>
-        </p:txBody>
-      </p:sp>
     </p:spTree>
     <p:extLst>
       <p:ext uri="{BB962C8B-B14F-4D97-AF65-F5344CB8AC3E}">
@@ -4226,10 +3852,10 @@
       </p:sp>
       <p:pic>
         <p:nvPicPr>
-          <p:cNvPr id="20" name="Picture 19">
+          <p:cNvPr id="2" name="Picture 1">
             <a:extLst>
               <a:ext uri="{FF2B5EF4-FFF2-40B4-BE49-F238E27FC236}">
-                <a16:creationId xmlns:a16="http://schemas.microsoft.com/office/drawing/2014/main" id="{D3360B39-7EC2-ABEA-7AD5-92D6455E0BC9}"/>
+                <a16:creationId xmlns:a16="http://schemas.microsoft.com/office/drawing/2014/main" id="{CC63CCC7-3E29-D897-E8E3-9AC038B71C9F}"/>
               </a:ext>
             </a:extLst>
           </p:cNvPr>
@@ -4240,6 +3866,7 @@
         </p:nvPicPr>
         <p:blipFill>
           <a:blip r:embed="rId2">
+            <a:alphaModFix amt="11000"/>
             <a:extLst>
               <a:ext uri="{28A0092B-C50C-407E-A947-70E740481C1C}">
                 <a14:useLocalDpi xmlns:a14="http://schemas.microsoft.com/office/drawing/2010/main" val="0"/>
@@ -4251,21 +3878,2146 @@
           </a:stretch>
         </p:blipFill>
         <p:spPr>
-          <a:xfrm>
-            <a:off x="120182" y="155785"/>
-            <a:ext cx="431074" cy="431074"/>
+          <a:xfrm rot="21333637">
+            <a:off x="-559229" y="-223080"/>
+            <a:ext cx="10575827" cy="8694672"/>
           </a:xfrm>
           <a:prstGeom prst="rect">
             <a:avLst/>
           </a:prstGeom>
         </p:spPr>
       </p:pic>
+      <p:sp>
+        <p:nvSpPr>
+          <p:cNvPr id="12" name="TextBox 11">
+            <a:extLst>
+              <a:ext uri="{FF2B5EF4-FFF2-40B4-BE49-F238E27FC236}">
+                <a16:creationId xmlns:a16="http://schemas.microsoft.com/office/drawing/2014/main" id="{7BADC1A9-C904-5E13-73C6-2D00701B5690}"/>
+              </a:ext>
+            </a:extLst>
+          </p:cNvPr>
+          <p:cNvSpPr txBox="1"/>
+          <p:nvPr/>
+        </p:nvSpPr>
+        <p:spPr>
+          <a:xfrm>
+            <a:off x="5011769" y="847737"/>
+            <a:ext cx="2151317" cy="253916"/>
+          </a:xfrm>
+          <a:prstGeom prst="rect">
+            <a:avLst/>
+          </a:prstGeom>
+          <a:noFill/>
+        </p:spPr>
+        <p:txBody>
+          <a:bodyPr wrap="square" rtlCol="0">
+            <a:spAutoFit/>
+          </a:bodyPr>
+          <a:lstStyle/>
+          <a:p>
+            <a:r>
+              <a:rPr lang="en-US" sz="1050" b="1" dirty="0">
+                <a:solidFill>
+                  <a:srgbClr val="FFE79B"/>
+                </a:solidFill>
+                <a:effectLst>
+                  <a:outerShdw blurRad="63500" sx="102000" sy="102000" algn="ctr" rotWithShape="0">
+                    <a:prstClr val="black">
+                      <a:alpha val="30000"/>
+                    </a:prstClr>
+                  </a:outerShdw>
+                </a:effectLst>
+                <a:latin typeface="PT Serif" panose="020A0603040505020204" pitchFamily="18" charset="0"/>
+                <a:cs typeface="Times New Roman" panose="02020603050405020304" pitchFamily="18" charset="0"/>
+              </a:rPr>
+              <a:t>08:00-08:30</a:t>
+            </a:r>
+          </a:p>
+        </p:txBody>
+      </p:sp>
+      <p:sp>
+        <p:nvSpPr>
+          <p:cNvPr id="11" name="TextBox 10">
+            <a:extLst>
+              <a:ext uri="{FF2B5EF4-FFF2-40B4-BE49-F238E27FC236}">
+                <a16:creationId xmlns:a16="http://schemas.microsoft.com/office/drawing/2014/main" id="{4201D519-46F9-6FAD-CF40-66E9CC878F98}"/>
+              </a:ext>
+            </a:extLst>
+          </p:cNvPr>
+          <p:cNvSpPr txBox="1"/>
+          <p:nvPr/>
+        </p:nvSpPr>
+        <p:spPr>
+          <a:xfrm>
+            <a:off x="5011769" y="1033542"/>
+            <a:ext cx="5481258" cy="400110"/>
+          </a:xfrm>
+          <a:prstGeom prst="rect">
+            <a:avLst/>
+          </a:prstGeom>
+          <a:noFill/>
+        </p:spPr>
+        <p:txBody>
+          <a:bodyPr wrap="square" rtlCol="0">
+            <a:spAutoFit/>
+          </a:bodyPr>
+          <a:lstStyle/>
+          <a:p>
+            <a:r>
+              <a:rPr lang="en-US" sz="2000" b="1" dirty="0" err="1">
+                <a:solidFill>
+                  <a:srgbClr val="FFE79B"/>
+                </a:solidFill>
+                <a:effectLst>
+                  <a:outerShdw blurRad="63500" sx="102000" sy="102000" algn="ctr" rotWithShape="0">
+                    <a:prstClr val="black">
+                      <a:alpha val="30000"/>
+                    </a:prstClr>
+                  </a:outerShdw>
+                </a:effectLst>
+                <a:latin typeface="PT Serif" panose="020A0603040505020204" pitchFamily="18" charset="0"/>
+                <a:cs typeface="Times New Roman" panose="02020603050405020304" pitchFamily="18" charset="0"/>
+              </a:rPr>
+              <a:t>Primirea</a:t>
+            </a:r>
+            <a:r>
+              <a:rPr lang="en-US" sz="2000" b="1" dirty="0">
+                <a:solidFill>
+                  <a:srgbClr val="FFE79B"/>
+                </a:solidFill>
+                <a:effectLst>
+                  <a:outerShdw blurRad="63500" sx="102000" sy="102000" algn="ctr" rotWithShape="0">
+                    <a:prstClr val="black">
+                      <a:alpha val="30000"/>
+                    </a:prstClr>
+                  </a:outerShdw>
+                </a:effectLst>
+                <a:latin typeface="PT Serif" panose="020A0603040505020204" pitchFamily="18" charset="0"/>
+                <a:cs typeface="Times New Roman" panose="02020603050405020304" pitchFamily="18" charset="0"/>
+              </a:rPr>
+              <a:t> </a:t>
+            </a:r>
+            <a:r>
+              <a:rPr lang="en-US" sz="2000" b="1" dirty="0" err="1">
+                <a:solidFill>
+                  <a:srgbClr val="FFE79B"/>
+                </a:solidFill>
+                <a:effectLst>
+                  <a:outerShdw blurRad="63500" sx="102000" sy="102000" algn="ctr" rotWithShape="0">
+                    <a:prstClr val="black">
+                      <a:alpha val="30000"/>
+                    </a:prstClr>
+                  </a:outerShdw>
+                </a:effectLst>
+                <a:latin typeface="PT Serif" panose="020A0603040505020204" pitchFamily="18" charset="0"/>
+                <a:cs typeface="Times New Roman" panose="02020603050405020304" pitchFamily="18" charset="0"/>
+              </a:rPr>
+              <a:t>oaspe</a:t>
+            </a:r>
+            <a:r>
+              <a:rPr lang="ro-RO" sz="2000" b="1" dirty="0">
+                <a:solidFill>
+                  <a:srgbClr val="FFE79B"/>
+                </a:solidFill>
+                <a:effectLst>
+                  <a:outerShdw blurRad="63500" sx="102000" sy="102000" algn="ctr" rotWithShape="0">
+                    <a:prstClr val="black">
+                      <a:alpha val="30000"/>
+                    </a:prstClr>
+                  </a:outerShdw>
+                </a:effectLst>
+                <a:latin typeface="PT Serif" panose="020A0603040505020204" pitchFamily="18" charset="0"/>
+                <a:cs typeface="Times New Roman" panose="02020603050405020304" pitchFamily="18" charset="0"/>
+              </a:rPr>
+              <a:t>ților</a:t>
+            </a:r>
+            <a:endParaRPr lang="en-US" sz="2000" b="1" dirty="0">
+              <a:solidFill>
+                <a:srgbClr val="FFE79B"/>
+              </a:solidFill>
+              <a:effectLst>
+                <a:outerShdw blurRad="63500" sx="102000" sy="102000" algn="ctr" rotWithShape="0">
+                  <a:prstClr val="black">
+                    <a:alpha val="30000"/>
+                  </a:prstClr>
+                </a:outerShdw>
+              </a:effectLst>
+              <a:latin typeface="PT Serif" panose="020A0603040505020204" pitchFamily="18" charset="0"/>
+              <a:cs typeface="Times New Roman" panose="02020603050405020304" pitchFamily="18" charset="0"/>
+            </a:endParaRPr>
+          </a:p>
+        </p:txBody>
+      </p:sp>
+      <p:sp>
+        <p:nvSpPr>
+          <p:cNvPr id="13" name="TextBox 12">
+            <a:extLst>
+              <a:ext uri="{FF2B5EF4-FFF2-40B4-BE49-F238E27FC236}">
+                <a16:creationId xmlns:a16="http://schemas.microsoft.com/office/drawing/2014/main" id="{BA7C96EB-491D-79BD-591C-90B9443C7EE4}"/>
+              </a:ext>
+            </a:extLst>
+          </p:cNvPr>
+          <p:cNvSpPr txBox="1"/>
+          <p:nvPr/>
+        </p:nvSpPr>
+        <p:spPr>
+          <a:xfrm>
+            <a:off x="5011769" y="1507380"/>
+            <a:ext cx="2151317" cy="253916"/>
+          </a:xfrm>
+          <a:prstGeom prst="rect">
+            <a:avLst/>
+          </a:prstGeom>
+          <a:noFill/>
+        </p:spPr>
+        <p:txBody>
+          <a:bodyPr wrap="square" rtlCol="0">
+            <a:spAutoFit/>
+          </a:bodyPr>
+          <a:lstStyle/>
+          <a:p>
+            <a:r>
+              <a:rPr lang="ro-RO" sz="1050" b="1" dirty="0">
+                <a:solidFill>
+                  <a:srgbClr val="FFE79B"/>
+                </a:solidFill>
+                <a:effectLst>
+                  <a:outerShdw blurRad="63500" sx="102000" sy="102000" algn="ctr" rotWithShape="0">
+                    <a:prstClr val="black">
+                      <a:alpha val="30000"/>
+                    </a:prstClr>
+                  </a:outerShdw>
+                </a:effectLst>
+                <a:latin typeface="PT Serif" panose="020A0603040505020204" pitchFamily="18" charset="0"/>
+                <a:cs typeface="Times New Roman" panose="02020603050405020304" pitchFamily="18" charset="0"/>
+              </a:rPr>
+              <a:t>08</a:t>
+            </a:r>
+            <a:r>
+              <a:rPr lang="en-US" sz="1050" b="1" dirty="0">
+                <a:solidFill>
+                  <a:srgbClr val="FFE79B"/>
+                </a:solidFill>
+                <a:effectLst>
+                  <a:outerShdw blurRad="63500" sx="102000" sy="102000" algn="ctr" rotWithShape="0">
+                    <a:prstClr val="black">
+                      <a:alpha val="30000"/>
+                    </a:prstClr>
+                  </a:outerShdw>
+                </a:effectLst>
+                <a:latin typeface="PT Serif" panose="020A0603040505020204" pitchFamily="18" charset="0"/>
+                <a:cs typeface="Times New Roman" panose="02020603050405020304" pitchFamily="18" charset="0"/>
+              </a:rPr>
+              <a:t>:30-10:20</a:t>
+            </a:r>
+          </a:p>
+        </p:txBody>
+      </p:sp>
+      <p:sp>
+        <p:nvSpPr>
+          <p:cNvPr id="15" name="TextBox 14">
+            <a:extLst>
+              <a:ext uri="{FF2B5EF4-FFF2-40B4-BE49-F238E27FC236}">
+                <a16:creationId xmlns:a16="http://schemas.microsoft.com/office/drawing/2014/main" id="{F1A269E0-42E5-AD15-8912-A02EDA6A05BA}"/>
+              </a:ext>
+            </a:extLst>
+          </p:cNvPr>
+          <p:cNvSpPr txBox="1"/>
+          <p:nvPr/>
+        </p:nvSpPr>
+        <p:spPr>
+          <a:xfrm>
+            <a:off x="5011769" y="1693185"/>
+            <a:ext cx="5481258" cy="400110"/>
+          </a:xfrm>
+          <a:prstGeom prst="rect">
+            <a:avLst/>
+          </a:prstGeom>
+          <a:noFill/>
+        </p:spPr>
+        <p:txBody>
+          <a:bodyPr wrap="square" rtlCol="0">
+            <a:spAutoFit/>
+          </a:bodyPr>
+          <a:lstStyle/>
+          <a:p>
+            <a:r>
+              <a:rPr lang="en-US" sz="2000" b="1" dirty="0">
+                <a:solidFill>
+                  <a:srgbClr val="FFE79B"/>
+                </a:solidFill>
+                <a:effectLst>
+                  <a:outerShdw blurRad="63500" sx="102000" sy="102000" algn="ctr" rotWithShape="0">
+                    <a:prstClr val="black">
+                      <a:alpha val="30000"/>
+                    </a:prstClr>
+                  </a:outerShdw>
+                </a:effectLst>
+                <a:latin typeface="PT Serif" panose="020A0603040505020204" pitchFamily="18" charset="0"/>
+                <a:cs typeface="Times New Roman" panose="02020603050405020304" pitchFamily="18" charset="0"/>
+              </a:rPr>
+              <a:t>Parada </a:t>
+            </a:r>
+            <a:r>
+              <a:rPr lang="en-US" sz="2000" b="1" dirty="0" err="1">
+                <a:solidFill>
+                  <a:srgbClr val="FFE79B"/>
+                </a:solidFill>
+                <a:effectLst>
+                  <a:outerShdw blurRad="63500" sx="102000" sy="102000" algn="ctr" rotWithShape="0">
+                    <a:prstClr val="black">
+                      <a:alpha val="30000"/>
+                    </a:prstClr>
+                  </a:outerShdw>
+                </a:effectLst>
+                <a:latin typeface="PT Serif" panose="020A0603040505020204" pitchFamily="18" charset="0"/>
+                <a:cs typeface="Times New Roman" panose="02020603050405020304" pitchFamily="18" charset="0"/>
+              </a:rPr>
+              <a:t>portului</a:t>
+            </a:r>
+            <a:r>
+              <a:rPr lang="en-US" sz="2000" b="1" dirty="0">
+                <a:solidFill>
+                  <a:srgbClr val="FFE79B"/>
+                </a:solidFill>
+                <a:effectLst>
+                  <a:outerShdw blurRad="63500" sx="102000" sy="102000" algn="ctr" rotWithShape="0">
+                    <a:prstClr val="black">
+                      <a:alpha val="30000"/>
+                    </a:prstClr>
+                  </a:outerShdw>
+                </a:effectLst>
+                <a:latin typeface="PT Serif" panose="020A0603040505020204" pitchFamily="18" charset="0"/>
+                <a:cs typeface="Times New Roman" panose="02020603050405020304" pitchFamily="18" charset="0"/>
+              </a:rPr>
+              <a:t> </a:t>
+            </a:r>
+            <a:r>
+              <a:rPr lang="ro-RO" sz="2000" b="1" dirty="0">
+                <a:solidFill>
+                  <a:srgbClr val="FFE79B"/>
+                </a:solidFill>
+                <a:effectLst>
+                  <a:outerShdw blurRad="63500" sx="102000" sy="102000" algn="ctr" rotWithShape="0">
+                    <a:prstClr val="black">
+                      <a:alpha val="30000"/>
+                    </a:prstClr>
+                  </a:outerShdw>
+                </a:effectLst>
+                <a:latin typeface="PT Serif" panose="020A0603040505020204" pitchFamily="18" charset="0"/>
+                <a:cs typeface="Times New Roman" panose="02020603050405020304" pitchFamily="18" charset="0"/>
+              </a:rPr>
+              <a:t>șvăbesc</a:t>
+            </a:r>
+            <a:endParaRPr lang="en-US" sz="2000" b="1" dirty="0">
+              <a:solidFill>
+                <a:srgbClr val="FFE79B"/>
+              </a:solidFill>
+              <a:effectLst>
+                <a:outerShdw blurRad="63500" sx="102000" sy="102000" algn="ctr" rotWithShape="0">
+                  <a:prstClr val="black">
+                    <a:alpha val="30000"/>
+                  </a:prstClr>
+                </a:outerShdw>
+              </a:effectLst>
+              <a:latin typeface="PT Serif" panose="020A0603040505020204" pitchFamily="18" charset="0"/>
+              <a:cs typeface="Times New Roman" panose="02020603050405020304" pitchFamily="18" charset="0"/>
+            </a:endParaRPr>
+          </a:p>
+        </p:txBody>
+      </p:sp>
+      <p:sp>
+        <p:nvSpPr>
+          <p:cNvPr id="39" name="TextBox 38">
+            <a:extLst>
+              <a:ext uri="{FF2B5EF4-FFF2-40B4-BE49-F238E27FC236}">
+                <a16:creationId xmlns:a16="http://schemas.microsoft.com/office/drawing/2014/main" id="{1AA4811C-CFF5-2BF5-78FC-504AD7405D90}"/>
+              </a:ext>
+            </a:extLst>
+          </p:cNvPr>
+          <p:cNvSpPr txBox="1"/>
+          <p:nvPr/>
+        </p:nvSpPr>
+        <p:spPr>
+          <a:xfrm>
+            <a:off x="5011769" y="2140719"/>
+            <a:ext cx="2151317" cy="253916"/>
+          </a:xfrm>
+          <a:prstGeom prst="rect">
+            <a:avLst/>
+          </a:prstGeom>
+          <a:noFill/>
+        </p:spPr>
+        <p:txBody>
+          <a:bodyPr wrap="square" rtlCol="0">
+            <a:spAutoFit/>
+          </a:bodyPr>
+          <a:lstStyle/>
+          <a:p>
+            <a:r>
+              <a:rPr lang="ro-RO" sz="1050" b="1" dirty="0">
+                <a:solidFill>
+                  <a:srgbClr val="FFE79B"/>
+                </a:solidFill>
+                <a:effectLst>
+                  <a:outerShdw blurRad="63500" sx="102000" sy="102000" algn="ctr" rotWithShape="0">
+                    <a:prstClr val="black">
+                      <a:alpha val="30000"/>
+                    </a:prstClr>
+                  </a:outerShdw>
+                </a:effectLst>
+                <a:latin typeface="PT Serif" panose="020A0603040505020204" pitchFamily="18" charset="0"/>
+                <a:cs typeface="Times New Roman" panose="02020603050405020304" pitchFamily="18" charset="0"/>
+              </a:rPr>
+              <a:t>10:30-11:15</a:t>
+            </a:r>
+            <a:endParaRPr lang="en-US" sz="1050" b="1" dirty="0">
+              <a:solidFill>
+                <a:srgbClr val="FFE79B"/>
+              </a:solidFill>
+              <a:effectLst>
+                <a:outerShdw blurRad="63500" sx="102000" sy="102000" algn="ctr" rotWithShape="0">
+                  <a:prstClr val="black">
+                    <a:alpha val="30000"/>
+                  </a:prstClr>
+                </a:outerShdw>
+              </a:effectLst>
+              <a:latin typeface="PT Serif" panose="020A0603040505020204" pitchFamily="18" charset="0"/>
+              <a:cs typeface="Times New Roman" panose="02020603050405020304" pitchFamily="18" charset="0"/>
+            </a:endParaRPr>
+          </a:p>
+        </p:txBody>
+      </p:sp>
+      <p:sp>
+        <p:nvSpPr>
+          <p:cNvPr id="40" name="TextBox 39">
+            <a:extLst>
+              <a:ext uri="{FF2B5EF4-FFF2-40B4-BE49-F238E27FC236}">
+                <a16:creationId xmlns:a16="http://schemas.microsoft.com/office/drawing/2014/main" id="{A00C80B6-3C3A-6C13-C295-67AC2F936F4B}"/>
+              </a:ext>
+            </a:extLst>
+          </p:cNvPr>
+          <p:cNvSpPr txBox="1"/>
+          <p:nvPr/>
+        </p:nvSpPr>
+        <p:spPr>
+          <a:xfrm>
+            <a:off x="5011769" y="2326524"/>
+            <a:ext cx="5481258" cy="400110"/>
+          </a:xfrm>
+          <a:prstGeom prst="rect">
+            <a:avLst/>
+          </a:prstGeom>
+          <a:noFill/>
+        </p:spPr>
+        <p:txBody>
+          <a:bodyPr wrap="square" rtlCol="0">
+            <a:spAutoFit/>
+          </a:bodyPr>
+          <a:lstStyle/>
+          <a:p>
+            <a:r>
+              <a:rPr lang="ro-RO" sz="2000" b="1" dirty="0">
+                <a:solidFill>
+                  <a:srgbClr val="FFE79B"/>
+                </a:solidFill>
+                <a:effectLst>
+                  <a:outerShdw blurRad="63500" sx="102000" sy="102000" algn="ctr" rotWithShape="0">
+                    <a:prstClr val="black">
+                      <a:alpha val="30000"/>
+                    </a:prstClr>
+                  </a:outerShdw>
+                </a:effectLst>
+                <a:latin typeface="PT Serif" panose="020A0603040505020204" pitchFamily="18" charset="0"/>
+                <a:cs typeface="Times New Roman" panose="02020603050405020304" pitchFamily="18" charset="0"/>
+              </a:rPr>
+              <a:t>Slujba de binecuvântare a participanților</a:t>
+            </a:r>
+            <a:endParaRPr lang="en-US" sz="2000" b="1" dirty="0">
+              <a:solidFill>
+                <a:srgbClr val="FFE79B"/>
+              </a:solidFill>
+              <a:effectLst>
+                <a:outerShdw blurRad="63500" sx="102000" sy="102000" algn="ctr" rotWithShape="0">
+                  <a:prstClr val="black">
+                    <a:alpha val="30000"/>
+                  </a:prstClr>
+                </a:outerShdw>
+              </a:effectLst>
+              <a:latin typeface="PT Serif" panose="020A0603040505020204" pitchFamily="18" charset="0"/>
+              <a:cs typeface="Times New Roman" panose="02020603050405020304" pitchFamily="18" charset="0"/>
+            </a:endParaRPr>
+          </a:p>
+        </p:txBody>
+      </p:sp>
+      <p:sp>
+        <p:nvSpPr>
+          <p:cNvPr id="41" name="TextBox 40">
+            <a:extLst>
+              <a:ext uri="{FF2B5EF4-FFF2-40B4-BE49-F238E27FC236}">
+                <a16:creationId xmlns:a16="http://schemas.microsoft.com/office/drawing/2014/main" id="{21D636F5-6F93-ECD2-2730-071F1B0CB3A8}"/>
+              </a:ext>
+            </a:extLst>
+          </p:cNvPr>
+          <p:cNvSpPr txBox="1"/>
+          <p:nvPr/>
+        </p:nvSpPr>
+        <p:spPr>
+          <a:xfrm>
+            <a:off x="5011769" y="2800362"/>
+            <a:ext cx="2151317" cy="253916"/>
+          </a:xfrm>
+          <a:prstGeom prst="rect">
+            <a:avLst/>
+          </a:prstGeom>
+          <a:noFill/>
+        </p:spPr>
+        <p:txBody>
+          <a:bodyPr wrap="square" rtlCol="0">
+            <a:spAutoFit/>
+          </a:bodyPr>
+          <a:lstStyle/>
+          <a:p>
+            <a:r>
+              <a:rPr lang="ro-RO" sz="1050" b="1" dirty="0">
+                <a:solidFill>
+                  <a:srgbClr val="FFE79B"/>
+                </a:solidFill>
+                <a:effectLst>
+                  <a:outerShdw blurRad="63500" sx="102000" sy="102000" algn="ctr" rotWithShape="0">
+                    <a:prstClr val="black">
+                      <a:alpha val="30000"/>
+                    </a:prstClr>
+                  </a:outerShdw>
+                </a:effectLst>
+                <a:latin typeface="PT Serif" panose="020A0603040505020204" pitchFamily="18" charset="0"/>
+                <a:cs typeface="Times New Roman" panose="02020603050405020304" pitchFamily="18" charset="0"/>
+              </a:rPr>
+              <a:t>11:15-11:30</a:t>
+            </a:r>
+            <a:endParaRPr lang="en-US" sz="1050" b="1" dirty="0">
+              <a:solidFill>
+                <a:srgbClr val="FFE79B"/>
+              </a:solidFill>
+              <a:effectLst>
+                <a:outerShdw blurRad="63500" sx="102000" sy="102000" algn="ctr" rotWithShape="0">
+                  <a:prstClr val="black">
+                    <a:alpha val="30000"/>
+                  </a:prstClr>
+                </a:outerShdw>
+              </a:effectLst>
+              <a:latin typeface="PT Serif" panose="020A0603040505020204" pitchFamily="18" charset="0"/>
+              <a:cs typeface="Times New Roman" panose="02020603050405020304" pitchFamily="18" charset="0"/>
+            </a:endParaRPr>
+          </a:p>
+        </p:txBody>
+      </p:sp>
+      <p:sp>
+        <p:nvSpPr>
+          <p:cNvPr id="42" name="TextBox 41">
+            <a:extLst>
+              <a:ext uri="{FF2B5EF4-FFF2-40B4-BE49-F238E27FC236}">
+                <a16:creationId xmlns:a16="http://schemas.microsoft.com/office/drawing/2014/main" id="{CF0A3E0A-4370-258E-4604-FD9B0106DE88}"/>
+              </a:ext>
+            </a:extLst>
+          </p:cNvPr>
+          <p:cNvSpPr txBox="1"/>
+          <p:nvPr/>
+        </p:nvSpPr>
+        <p:spPr>
+          <a:xfrm>
+            <a:off x="5011769" y="2986167"/>
+            <a:ext cx="5481258" cy="400110"/>
+          </a:xfrm>
+          <a:prstGeom prst="rect">
+            <a:avLst/>
+          </a:prstGeom>
+          <a:noFill/>
+        </p:spPr>
+        <p:txBody>
+          <a:bodyPr wrap="square" rtlCol="0">
+            <a:spAutoFit/>
+          </a:bodyPr>
+          <a:lstStyle/>
+          <a:p>
+            <a:r>
+              <a:rPr lang="ro-RO" sz="2000" b="1" dirty="0">
+                <a:solidFill>
+                  <a:srgbClr val="FFE79B"/>
+                </a:solidFill>
+                <a:effectLst>
+                  <a:outerShdw blurRad="63500" sx="102000" sy="102000" algn="ctr" rotWithShape="0">
+                    <a:prstClr val="black">
+                      <a:alpha val="30000"/>
+                    </a:prstClr>
+                  </a:outerShdw>
+                </a:effectLst>
+                <a:latin typeface="PT Serif" panose="020A0603040505020204" pitchFamily="18" charset="0"/>
+                <a:cs typeface="Times New Roman" panose="02020603050405020304" pitchFamily="18" charset="0"/>
+              </a:rPr>
+              <a:t>Depunerea coroanei la Monumentul Eroilor</a:t>
+            </a:r>
+            <a:endParaRPr lang="en-US" sz="2000" b="1" dirty="0">
+              <a:solidFill>
+                <a:srgbClr val="FFE79B"/>
+              </a:solidFill>
+              <a:effectLst>
+                <a:outerShdw blurRad="63500" sx="102000" sy="102000" algn="ctr" rotWithShape="0">
+                  <a:prstClr val="black">
+                    <a:alpha val="30000"/>
+                  </a:prstClr>
+                </a:outerShdw>
+              </a:effectLst>
+              <a:latin typeface="PT Serif" panose="020A0603040505020204" pitchFamily="18" charset="0"/>
+              <a:cs typeface="Times New Roman" panose="02020603050405020304" pitchFamily="18" charset="0"/>
+            </a:endParaRPr>
+          </a:p>
+        </p:txBody>
+      </p:sp>
+      <p:sp>
+        <p:nvSpPr>
+          <p:cNvPr id="43" name="TextBox 42">
+            <a:extLst>
+              <a:ext uri="{FF2B5EF4-FFF2-40B4-BE49-F238E27FC236}">
+                <a16:creationId xmlns:a16="http://schemas.microsoft.com/office/drawing/2014/main" id="{2B8ADF1A-F98F-A1D7-2295-0080DB2710C8}"/>
+              </a:ext>
+            </a:extLst>
+          </p:cNvPr>
+          <p:cNvSpPr txBox="1"/>
+          <p:nvPr/>
+        </p:nvSpPr>
+        <p:spPr>
+          <a:xfrm>
+            <a:off x="5011769" y="3416976"/>
+            <a:ext cx="2151317" cy="253916"/>
+          </a:xfrm>
+          <a:prstGeom prst="rect">
+            <a:avLst/>
+          </a:prstGeom>
+          <a:noFill/>
+        </p:spPr>
+        <p:txBody>
+          <a:bodyPr wrap="square" rtlCol="0">
+            <a:spAutoFit/>
+          </a:bodyPr>
+          <a:lstStyle/>
+          <a:p>
+            <a:r>
+              <a:rPr lang="ro-RO" sz="1050" b="1" dirty="0">
+                <a:solidFill>
+                  <a:srgbClr val="FFE79B"/>
+                </a:solidFill>
+                <a:effectLst>
+                  <a:outerShdw blurRad="63500" sx="102000" sy="102000" algn="ctr" rotWithShape="0">
+                    <a:prstClr val="black">
+                      <a:alpha val="30000"/>
+                    </a:prstClr>
+                  </a:outerShdw>
+                </a:effectLst>
+                <a:latin typeface="PT Serif" panose="020A0603040505020204" pitchFamily="18" charset="0"/>
+                <a:cs typeface="Times New Roman" panose="02020603050405020304" pitchFamily="18" charset="0"/>
+              </a:rPr>
+              <a:t>11:30-13:30</a:t>
+            </a:r>
+            <a:endParaRPr lang="en-US" sz="1050" b="1" dirty="0">
+              <a:solidFill>
+                <a:srgbClr val="FFE79B"/>
+              </a:solidFill>
+              <a:effectLst>
+                <a:outerShdw blurRad="63500" sx="102000" sy="102000" algn="ctr" rotWithShape="0">
+                  <a:prstClr val="black">
+                    <a:alpha val="30000"/>
+                  </a:prstClr>
+                </a:outerShdw>
+              </a:effectLst>
+              <a:latin typeface="PT Serif" panose="020A0603040505020204" pitchFamily="18" charset="0"/>
+              <a:cs typeface="Times New Roman" panose="02020603050405020304" pitchFamily="18" charset="0"/>
+            </a:endParaRPr>
+          </a:p>
+        </p:txBody>
+      </p:sp>
+      <p:sp>
+        <p:nvSpPr>
+          <p:cNvPr id="44" name="TextBox 43">
+            <a:extLst>
+              <a:ext uri="{FF2B5EF4-FFF2-40B4-BE49-F238E27FC236}">
+                <a16:creationId xmlns:a16="http://schemas.microsoft.com/office/drawing/2014/main" id="{A1C0A497-1BEA-76C9-C202-E483BFC247AB}"/>
+              </a:ext>
+            </a:extLst>
+          </p:cNvPr>
+          <p:cNvSpPr txBox="1"/>
+          <p:nvPr/>
+        </p:nvSpPr>
+        <p:spPr>
+          <a:xfrm>
+            <a:off x="5011769" y="3602781"/>
+            <a:ext cx="5481258" cy="400110"/>
+          </a:xfrm>
+          <a:prstGeom prst="rect">
+            <a:avLst/>
+          </a:prstGeom>
+          <a:noFill/>
+        </p:spPr>
+        <p:txBody>
+          <a:bodyPr wrap="square" rtlCol="0">
+            <a:spAutoFit/>
+          </a:bodyPr>
+          <a:lstStyle/>
+          <a:p>
+            <a:r>
+              <a:rPr lang="ro-RO" sz="2000" b="1" dirty="0">
+                <a:solidFill>
+                  <a:srgbClr val="FFE79B"/>
+                </a:solidFill>
+                <a:effectLst>
+                  <a:outerShdw blurRad="63500" sx="102000" sy="102000" algn="ctr" rotWithShape="0">
+                    <a:prstClr val="black">
+                      <a:alpha val="30000"/>
+                    </a:prstClr>
+                  </a:outerShdw>
+                </a:effectLst>
+                <a:latin typeface="PT Serif" panose="020A0603040505020204" pitchFamily="18" charset="0"/>
+                <a:cs typeface="Times New Roman" panose="02020603050405020304" pitchFamily="18" charset="0"/>
+              </a:rPr>
+              <a:t>Licitarea pomului de rozmarin / Dansuri</a:t>
+            </a:r>
+          </a:p>
+        </p:txBody>
+      </p:sp>
+      <p:sp>
+        <p:nvSpPr>
+          <p:cNvPr id="45" name="TextBox 44">
+            <a:extLst>
+              <a:ext uri="{FF2B5EF4-FFF2-40B4-BE49-F238E27FC236}">
+                <a16:creationId xmlns:a16="http://schemas.microsoft.com/office/drawing/2014/main" id="{B299EE6A-957C-9278-303F-24AABC0C5665}"/>
+              </a:ext>
+            </a:extLst>
+          </p:cNvPr>
+          <p:cNvSpPr txBox="1"/>
+          <p:nvPr/>
+        </p:nvSpPr>
+        <p:spPr>
+          <a:xfrm>
+            <a:off x="5011769" y="4076619"/>
+            <a:ext cx="2151317" cy="253916"/>
+          </a:xfrm>
+          <a:prstGeom prst="rect">
+            <a:avLst/>
+          </a:prstGeom>
+          <a:noFill/>
+        </p:spPr>
+        <p:txBody>
+          <a:bodyPr wrap="square" rtlCol="0">
+            <a:spAutoFit/>
+          </a:bodyPr>
+          <a:lstStyle/>
+          <a:p>
+            <a:r>
+              <a:rPr lang="ro-RO" sz="1050" b="1" dirty="0">
+                <a:solidFill>
+                  <a:srgbClr val="FFE79B"/>
+                </a:solidFill>
+                <a:effectLst>
+                  <a:outerShdw blurRad="63500" sx="102000" sy="102000" algn="ctr" rotWithShape="0">
+                    <a:prstClr val="black">
+                      <a:alpha val="30000"/>
+                    </a:prstClr>
+                  </a:outerShdw>
+                </a:effectLst>
+                <a:latin typeface="PT Serif" panose="020A0603040505020204" pitchFamily="18" charset="0"/>
+                <a:cs typeface="Times New Roman" panose="02020603050405020304" pitchFamily="18" charset="0"/>
+              </a:rPr>
+              <a:t>13:30-15:00</a:t>
+            </a:r>
+            <a:endParaRPr lang="en-US" sz="1050" b="1" dirty="0">
+              <a:solidFill>
+                <a:srgbClr val="FFE79B"/>
+              </a:solidFill>
+              <a:effectLst>
+                <a:outerShdw blurRad="63500" sx="102000" sy="102000" algn="ctr" rotWithShape="0">
+                  <a:prstClr val="black">
+                    <a:alpha val="30000"/>
+                  </a:prstClr>
+                </a:outerShdw>
+              </a:effectLst>
+              <a:latin typeface="PT Serif" panose="020A0603040505020204" pitchFamily="18" charset="0"/>
+              <a:cs typeface="Times New Roman" panose="02020603050405020304" pitchFamily="18" charset="0"/>
+            </a:endParaRPr>
+          </a:p>
+        </p:txBody>
+      </p:sp>
+      <p:sp>
+        <p:nvSpPr>
+          <p:cNvPr id="46" name="TextBox 45">
+            <a:extLst>
+              <a:ext uri="{FF2B5EF4-FFF2-40B4-BE49-F238E27FC236}">
+                <a16:creationId xmlns:a16="http://schemas.microsoft.com/office/drawing/2014/main" id="{EBDF2C7B-D5FF-F65D-FD32-DF7AEB98F1B8}"/>
+              </a:ext>
+            </a:extLst>
+          </p:cNvPr>
+          <p:cNvSpPr txBox="1"/>
+          <p:nvPr/>
+        </p:nvSpPr>
+        <p:spPr>
+          <a:xfrm>
+            <a:off x="5011769" y="4262424"/>
+            <a:ext cx="5481258" cy="400110"/>
+          </a:xfrm>
+          <a:prstGeom prst="rect">
+            <a:avLst/>
+          </a:prstGeom>
+          <a:noFill/>
+        </p:spPr>
+        <p:txBody>
+          <a:bodyPr wrap="square" rtlCol="0">
+            <a:spAutoFit/>
+          </a:bodyPr>
+          <a:lstStyle/>
+          <a:p>
+            <a:r>
+              <a:rPr lang="ro-RO" sz="2000" b="1" dirty="0">
+                <a:solidFill>
+                  <a:srgbClr val="FFE79B"/>
+                </a:solidFill>
+                <a:effectLst>
+                  <a:outerShdw blurRad="63500" sx="102000" sy="102000" algn="ctr" rotWithShape="0">
+                    <a:prstClr val="black">
+                      <a:alpha val="30000"/>
+                    </a:prstClr>
+                  </a:outerShdw>
+                </a:effectLst>
+                <a:latin typeface="PT Serif" panose="020A0603040505020204" pitchFamily="18" charset="0"/>
+                <a:cs typeface="Times New Roman" panose="02020603050405020304" pitchFamily="18" charset="0"/>
+              </a:rPr>
+              <a:t>Masa de prânz</a:t>
+            </a:r>
+            <a:endParaRPr lang="en-US" sz="2000" b="1" dirty="0">
+              <a:solidFill>
+                <a:srgbClr val="FFE79B"/>
+              </a:solidFill>
+              <a:effectLst>
+                <a:outerShdw blurRad="63500" sx="102000" sy="102000" algn="ctr" rotWithShape="0">
+                  <a:prstClr val="black">
+                    <a:alpha val="30000"/>
+                  </a:prstClr>
+                </a:outerShdw>
+              </a:effectLst>
+              <a:latin typeface="PT Serif" panose="020A0603040505020204" pitchFamily="18" charset="0"/>
+              <a:cs typeface="Times New Roman" panose="02020603050405020304" pitchFamily="18" charset="0"/>
+            </a:endParaRPr>
+          </a:p>
+        </p:txBody>
+      </p:sp>
+      <p:sp>
+        <p:nvSpPr>
+          <p:cNvPr id="47" name="TextBox 46">
+            <a:extLst>
+              <a:ext uri="{FF2B5EF4-FFF2-40B4-BE49-F238E27FC236}">
+                <a16:creationId xmlns:a16="http://schemas.microsoft.com/office/drawing/2014/main" id="{1497F894-DCC3-4971-62C9-8D20827391E6}"/>
+              </a:ext>
+            </a:extLst>
+          </p:cNvPr>
+          <p:cNvSpPr txBox="1"/>
+          <p:nvPr/>
+        </p:nvSpPr>
+        <p:spPr>
+          <a:xfrm>
+            <a:off x="5011769" y="4709958"/>
+            <a:ext cx="2151317" cy="253916"/>
+          </a:xfrm>
+          <a:prstGeom prst="rect">
+            <a:avLst/>
+          </a:prstGeom>
+          <a:noFill/>
+        </p:spPr>
+        <p:txBody>
+          <a:bodyPr wrap="square" rtlCol="0">
+            <a:spAutoFit/>
+          </a:bodyPr>
+          <a:lstStyle/>
+          <a:p>
+            <a:r>
+              <a:rPr lang="ro-RO" sz="1050" b="1" dirty="0">
+                <a:solidFill>
+                  <a:srgbClr val="FFE79B"/>
+                </a:solidFill>
+                <a:effectLst>
+                  <a:outerShdw blurRad="63500" sx="102000" sy="102000" algn="ctr" rotWithShape="0">
+                    <a:prstClr val="black">
+                      <a:alpha val="30000"/>
+                    </a:prstClr>
+                  </a:outerShdw>
+                </a:effectLst>
+                <a:latin typeface="PT Serif" panose="020A0603040505020204" pitchFamily="18" charset="0"/>
+                <a:cs typeface="Times New Roman" panose="02020603050405020304" pitchFamily="18" charset="0"/>
+              </a:rPr>
+              <a:t>16:00</a:t>
+            </a:r>
+            <a:endParaRPr lang="en-US" sz="1050" b="1" dirty="0">
+              <a:solidFill>
+                <a:srgbClr val="FFE79B"/>
+              </a:solidFill>
+              <a:effectLst>
+                <a:outerShdw blurRad="63500" sx="102000" sy="102000" algn="ctr" rotWithShape="0">
+                  <a:prstClr val="black">
+                    <a:alpha val="30000"/>
+                  </a:prstClr>
+                </a:outerShdw>
+              </a:effectLst>
+              <a:latin typeface="PT Serif" panose="020A0603040505020204" pitchFamily="18" charset="0"/>
+              <a:cs typeface="Times New Roman" panose="02020603050405020304" pitchFamily="18" charset="0"/>
+            </a:endParaRPr>
+          </a:p>
+        </p:txBody>
+      </p:sp>
+      <p:sp>
+        <p:nvSpPr>
+          <p:cNvPr id="48" name="TextBox 47">
+            <a:extLst>
+              <a:ext uri="{FF2B5EF4-FFF2-40B4-BE49-F238E27FC236}">
+                <a16:creationId xmlns:a16="http://schemas.microsoft.com/office/drawing/2014/main" id="{996B09CD-E3BA-D900-532E-FD9848DDA77F}"/>
+              </a:ext>
+            </a:extLst>
+          </p:cNvPr>
+          <p:cNvSpPr txBox="1"/>
+          <p:nvPr/>
+        </p:nvSpPr>
+        <p:spPr>
+          <a:xfrm>
+            <a:off x="5011769" y="4895763"/>
+            <a:ext cx="5481258" cy="400110"/>
+          </a:xfrm>
+          <a:prstGeom prst="rect">
+            <a:avLst/>
+          </a:prstGeom>
+          <a:noFill/>
+        </p:spPr>
+        <p:txBody>
+          <a:bodyPr wrap="square" rtlCol="0">
+            <a:spAutoFit/>
+          </a:bodyPr>
+          <a:lstStyle/>
+          <a:p>
+            <a:r>
+              <a:rPr lang="ro-RO" sz="2000" b="1" dirty="0">
+                <a:solidFill>
+                  <a:srgbClr val="FFE79B"/>
+                </a:solidFill>
+                <a:effectLst>
+                  <a:outerShdw blurRad="63500" sx="102000" sy="102000" algn="ctr" rotWithShape="0">
+                    <a:prstClr val="black">
+                      <a:alpha val="30000"/>
+                    </a:prstClr>
+                  </a:outerShdw>
+                </a:effectLst>
+                <a:latin typeface="PT Serif" panose="020A0603040505020204" pitchFamily="18" charset="0"/>
+                <a:cs typeface="Times New Roman" panose="02020603050405020304" pitchFamily="18" charset="0"/>
+              </a:rPr>
+              <a:t>Depunere coroană la Cimitirul Rom.-Cat.</a:t>
+            </a:r>
+          </a:p>
+        </p:txBody>
+      </p:sp>
+      <p:sp>
+        <p:nvSpPr>
+          <p:cNvPr id="49" name="TextBox 48">
+            <a:extLst>
+              <a:ext uri="{FF2B5EF4-FFF2-40B4-BE49-F238E27FC236}">
+                <a16:creationId xmlns:a16="http://schemas.microsoft.com/office/drawing/2014/main" id="{9537C5A7-6501-E44C-3CE1-E32E06C93599}"/>
+              </a:ext>
+            </a:extLst>
+          </p:cNvPr>
+          <p:cNvSpPr txBox="1"/>
+          <p:nvPr/>
+        </p:nvSpPr>
+        <p:spPr>
+          <a:xfrm>
+            <a:off x="5011769" y="5369601"/>
+            <a:ext cx="2151317" cy="253916"/>
+          </a:xfrm>
+          <a:prstGeom prst="rect">
+            <a:avLst/>
+          </a:prstGeom>
+          <a:noFill/>
+        </p:spPr>
+        <p:txBody>
+          <a:bodyPr wrap="square" rtlCol="0">
+            <a:spAutoFit/>
+          </a:bodyPr>
+          <a:lstStyle/>
+          <a:p>
+            <a:r>
+              <a:rPr lang="ro-RO" sz="1050" b="1" dirty="0">
+                <a:solidFill>
+                  <a:srgbClr val="FFE79B"/>
+                </a:solidFill>
+                <a:effectLst>
+                  <a:outerShdw blurRad="63500" sx="102000" sy="102000" algn="ctr" rotWithShape="0">
+                    <a:prstClr val="black">
+                      <a:alpha val="30000"/>
+                    </a:prstClr>
+                  </a:outerShdw>
+                </a:effectLst>
+                <a:latin typeface="PT Serif" panose="020A0603040505020204" pitchFamily="18" charset="0"/>
+                <a:cs typeface="Times New Roman" panose="02020603050405020304" pitchFamily="18" charset="0"/>
+              </a:rPr>
+              <a:t>19:00</a:t>
+            </a:r>
+            <a:endParaRPr lang="en-US" sz="1050" b="1" dirty="0">
+              <a:solidFill>
+                <a:srgbClr val="FFE79B"/>
+              </a:solidFill>
+              <a:effectLst>
+                <a:outerShdw blurRad="63500" sx="102000" sy="102000" algn="ctr" rotWithShape="0">
+                  <a:prstClr val="black">
+                    <a:alpha val="30000"/>
+                  </a:prstClr>
+                </a:outerShdw>
+              </a:effectLst>
+              <a:latin typeface="PT Serif" panose="020A0603040505020204" pitchFamily="18" charset="0"/>
+              <a:cs typeface="Times New Roman" panose="02020603050405020304" pitchFamily="18" charset="0"/>
+            </a:endParaRPr>
+          </a:p>
+        </p:txBody>
+      </p:sp>
+      <p:sp>
+        <p:nvSpPr>
+          <p:cNvPr id="50" name="TextBox 49">
+            <a:extLst>
+              <a:ext uri="{FF2B5EF4-FFF2-40B4-BE49-F238E27FC236}">
+                <a16:creationId xmlns:a16="http://schemas.microsoft.com/office/drawing/2014/main" id="{02B617F1-DB9D-3EB5-4DA9-7B51425C61BC}"/>
+              </a:ext>
+            </a:extLst>
+          </p:cNvPr>
+          <p:cNvSpPr txBox="1"/>
+          <p:nvPr/>
+        </p:nvSpPr>
+        <p:spPr>
+          <a:xfrm>
+            <a:off x="5011769" y="5555406"/>
+            <a:ext cx="5481258" cy="400110"/>
+          </a:xfrm>
+          <a:prstGeom prst="rect">
+            <a:avLst/>
+          </a:prstGeom>
+          <a:noFill/>
+        </p:spPr>
+        <p:txBody>
+          <a:bodyPr wrap="square" rtlCol="0">
+            <a:spAutoFit/>
+          </a:bodyPr>
+          <a:lstStyle/>
+          <a:p>
+            <a:r>
+              <a:rPr lang="ro-RO" sz="2000" b="1" dirty="0">
+                <a:solidFill>
+                  <a:srgbClr val="FFE79B"/>
+                </a:solidFill>
+                <a:effectLst>
+                  <a:outerShdw blurRad="63500" sx="102000" sy="102000" algn="ctr" rotWithShape="0">
+                    <a:prstClr val="black">
+                      <a:alpha val="30000"/>
+                    </a:prstClr>
+                  </a:outerShdw>
+                </a:effectLst>
+                <a:latin typeface="PT Serif" panose="020A0603040505020204" pitchFamily="18" charset="0"/>
+                <a:cs typeface="Times New Roman" panose="02020603050405020304" pitchFamily="18" charset="0"/>
+              </a:rPr>
+              <a:t>Balul</a:t>
+            </a:r>
+            <a:endParaRPr lang="en-US" sz="2000" b="1" dirty="0">
+              <a:solidFill>
+                <a:srgbClr val="FFE79B"/>
+              </a:solidFill>
+              <a:effectLst>
+                <a:outerShdw blurRad="63500" sx="102000" sy="102000" algn="ctr" rotWithShape="0">
+                  <a:prstClr val="black">
+                    <a:alpha val="30000"/>
+                  </a:prstClr>
+                </a:outerShdw>
+              </a:effectLst>
+              <a:latin typeface="PT Serif" panose="020A0603040505020204" pitchFamily="18" charset="0"/>
+              <a:cs typeface="Times New Roman" panose="02020603050405020304" pitchFamily="18" charset="0"/>
+            </a:endParaRPr>
+          </a:p>
+        </p:txBody>
+      </p:sp>
+      <p:sp>
+        <p:nvSpPr>
+          <p:cNvPr id="51" name="TextBox 50">
+            <a:extLst>
+              <a:ext uri="{FF2B5EF4-FFF2-40B4-BE49-F238E27FC236}">
+                <a16:creationId xmlns:a16="http://schemas.microsoft.com/office/drawing/2014/main" id="{91FE750D-D9A7-E0A0-CF4C-F218E613E19B}"/>
+              </a:ext>
+            </a:extLst>
+          </p:cNvPr>
+          <p:cNvSpPr txBox="1"/>
+          <p:nvPr/>
+        </p:nvSpPr>
+        <p:spPr>
+          <a:xfrm>
+            <a:off x="28575" y="847737"/>
+            <a:ext cx="2151317" cy="253916"/>
+          </a:xfrm>
+          <a:prstGeom prst="rect">
+            <a:avLst/>
+          </a:prstGeom>
+          <a:noFill/>
+        </p:spPr>
+        <p:txBody>
+          <a:bodyPr wrap="square" rtlCol="0">
+            <a:spAutoFit/>
+          </a:bodyPr>
+          <a:lstStyle/>
+          <a:p>
+            <a:r>
+              <a:rPr lang="en-US" sz="1050" b="1" dirty="0">
+                <a:solidFill>
+                  <a:srgbClr val="FFE79B"/>
+                </a:solidFill>
+                <a:effectLst>
+                  <a:outerShdw blurRad="63500" sx="102000" sy="102000" algn="ctr" rotWithShape="0">
+                    <a:prstClr val="black">
+                      <a:alpha val="30000"/>
+                    </a:prstClr>
+                  </a:outerShdw>
+                </a:effectLst>
+                <a:latin typeface="PT Serif" panose="020A0603040505020204" pitchFamily="18" charset="0"/>
+                <a:cs typeface="Times New Roman" panose="02020603050405020304" pitchFamily="18" charset="0"/>
+              </a:rPr>
+              <a:t>08:00-08:30</a:t>
+            </a:r>
+          </a:p>
+        </p:txBody>
+      </p:sp>
+      <p:sp>
+        <p:nvSpPr>
+          <p:cNvPr id="52" name="TextBox 51">
+            <a:extLst>
+              <a:ext uri="{FF2B5EF4-FFF2-40B4-BE49-F238E27FC236}">
+                <a16:creationId xmlns:a16="http://schemas.microsoft.com/office/drawing/2014/main" id="{D3B47DF3-67B9-4461-0310-1DA050D44F45}"/>
+              </a:ext>
+            </a:extLst>
+          </p:cNvPr>
+          <p:cNvSpPr txBox="1"/>
+          <p:nvPr/>
+        </p:nvSpPr>
+        <p:spPr>
+          <a:xfrm>
+            <a:off x="28575" y="1033542"/>
+            <a:ext cx="5481258" cy="400110"/>
+          </a:xfrm>
+          <a:prstGeom prst="rect">
+            <a:avLst/>
+          </a:prstGeom>
+          <a:noFill/>
+        </p:spPr>
+        <p:txBody>
+          <a:bodyPr wrap="square" rtlCol="0">
+            <a:spAutoFit/>
+          </a:bodyPr>
+          <a:lstStyle/>
+          <a:p>
+            <a:r>
+              <a:rPr lang="ro-RO" sz="2000" b="1" dirty="0">
+                <a:solidFill>
+                  <a:srgbClr val="FFE79B"/>
+                </a:solidFill>
+                <a:effectLst>
+                  <a:outerShdw blurRad="63500" sx="102000" sy="102000" algn="ctr" rotWithShape="0">
+                    <a:prstClr val="black">
+                      <a:alpha val="30000"/>
+                    </a:prstClr>
+                  </a:outerShdw>
+                </a:effectLst>
+                <a:latin typeface="PT Serif" panose="020A0603040505020204" pitchFamily="18" charset="0"/>
+                <a:cs typeface="Times New Roman" panose="02020603050405020304" pitchFamily="18" charset="0"/>
+              </a:rPr>
+              <a:t>Empfang der Gäste</a:t>
+            </a:r>
+            <a:endParaRPr lang="en-US" sz="2000" b="1" dirty="0">
+              <a:solidFill>
+                <a:srgbClr val="FFE79B"/>
+              </a:solidFill>
+              <a:effectLst>
+                <a:outerShdw blurRad="63500" sx="102000" sy="102000" algn="ctr" rotWithShape="0">
+                  <a:prstClr val="black">
+                    <a:alpha val="30000"/>
+                  </a:prstClr>
+                </a:outerShdw>
+              </a:effectLst>
+              <a:latin typeface="PT Serif" panose="020A0603040505020204" pitchFamily="18" charset="0"/>
+              <a:cs typeface="Times New Roman" panose="02020603050405020304" pitchFamily="18" charset="0"/>
+            </a:endParaRPr>
+          </a:p>
+        </p:txBody>
+      </p:sp>
+      <p:sp>
+        <p:nvSpPr>
+          <p:cNvPr id="53" name="TextBox 52">
+            <a:extLst>
+              <a:ext uri="{FF2B5EF4-FFF2-40B4-BE49-F238E27FC236}">
+                <a16:creationId xmlns:a16="http://schemas.microsoft.com/office/drawing/2014/main" id="{4890A952-2AED-08FC-ECEC-A2B218E897B6}"/>
+              </a:ext>
+            </a:extLst>
+          </p:cNvPr>
+          <p:cNvSpPr txBox="1"/>
+          <p:nvPr/>
+        </p:nvSpPr>
+        <p:spPr>
+          <a:xfrm>
+            <a:off x="28575" y="1507380"/>
+            <a:ext cx="2151317" cy="253916"/>
+          </a:xfrm>
+          <a:prstGeom prst="rect">
+            <a:avLst/>
+          </a:prstGeom>
+          <a:noFill/>
+        </p:spPr>
+        <p:txBody>
+          <a:bodyPr wrap="square" rtlCol="0">
+            <a:spAutoFit/>
+          </a:bodyPr>
+          <a:lstStyle/>
+          <a:p>
+            <a:r>
+              <a:rPr lang="ro-RO" sz="1050" b="1" dirty="0">
+                <a:solidFill>
+                  <a:srgbClr val="FFE79B"/>
+                </a:solidFill>
+                <a:effectLst>
+                  <a:outerShdw blurRad="63500" sx="102000" sy="102000" algn="ctr" rotWithShape="0">
+                    <a:prstClr val="black">
+                      <a:alpha val="30000"/>
+                    </a:prstClr>
+                  </a:outerShdw>
+                </a:effectLst>
+                <a:latin typeface="PT Serif" panose="020A0603040505020204" pitchFamily="18" charset="0"/>
+                <a:cs typeface="Times New Roman" panose="02020603050405020304" pitchFamily="18" charset="0"/>
+              </a:rPr>
+              <a:t>08</a:t>
+            </a:r>
+            <a:r>
+              <a:rPr lang="en-US" sz="1050" b="1" dirty="0">
+                <a:solidFill>
+                  <a:srgbClr val="FFE79B"/>
+                </a:solidFill>
+                <a:effectLst>
+                  <a:outerShdw blurRad="63500" sx="102000" sy="102000" algn="ctr" rotWithShape="0">
+                    <a:prstClr val="black">
+                      <a:alpha val="30000"/>
+                    </a:prstClr>
+                  </a:outerShdw>
+                </a:effectLst>
+                <a:latin typeface="PT Serif" panose="020A0603040505020204" pitchFamily="18" charset="0"/>
+                <a:cs typeface="Times New Roman" panose="02020603050405020304" pitchFamily="18" charset="0"/>
+              </a:rPr>
+              <a:t>:30-10:20</a:t>
+            </a:r>
+          </a:p>
+        </p:txBody>
+      </p:sp>
+      <p:sp>
+        <p:nvSpPr>
+          <p:cNvPr id="54" name="TextBox 53">
+            <a:extLst>
+              <a:ext uri="{FF2B5EF4-FFF2-40B4-BE49-F238E27FC236}">
+                <a16:creationId xmlns:a16="http://schemas.microsoft.com/office/drawing/2014/main" id="{02FCE918-8F40-CA29-4FFB-9E958D1B42A6}"/>
+              </a:ext>
+            </a:extLst>
+          </p:cNvPr>
+          <p:cNvSpPr txBox="1"/>
+          <p:nvPr/>
+        </p:nvSpPr>
+        <p:spPr>
+          <a:xfrm>
+            <a:off x="28575" y="1693185"/>
+            <a:ext cx="5481258" cy="400110"/>
+          </a:xfrm>
+          <a:prstGeom prst="rect">
+            <a:avLst/>
+          </a:prstGeom>
+          <a:noFill/>
+        </p:spPr>
+        <p:txBody>
+          <a:bodyPr wrap="square" rtlCol="0">
+            <a:spAutoFit/>
+          </a:bodyPr>
+          <a:lstStyle/>
+          <a:p>
+            <a:r>
+              <a:rPr lang="ro-RO" sz="2000" b="1" dirty="0">
+                <a:solidFill>
+                  <a:srgbClr val="FFE79B"/>
+                </a:solidFill>
+                <a:effectLst>
+                  <a:outerShdw blurRad="63500" sx="102000" sy="102000" algn="ctr" rotWithShape="0">
+                    <a:prstClr val="black">
+                      <a:alpha val="30000"/>
+                    </a:prstClr>
+                  </a:outerShdw>
+                </a:effectLst>
+                <a:latin typeface="PT Serif" panose="020A0603040505020204" pitchFamily="18" charset="0"/>
+                <a:cs typeface="Times New Roman" panose="02020603050405020304" pitchFamily="18" charset="0"/>
+              </a:rPr>
+              <a:t>Trachtparade</a:t>
+            </a:r>
+            <a:endParaRPr lang="en-US" sz="2000" b="1" dirty="0">
+              <a:solidFill>
+                <a:srgbClr val="FFE79B"/>
+              </a:solidFill>
+              <a:effectLst>
+                <a:outerShdw blurRad="63500" sx="102000" sy="102000" algn="ctr" rotWithShape="0">
+                  <a:prstClr val="black">
+                    <a:alpha val="30000"/>
+                  </a:prstClr>
+                </a:outerShdw>
+              </a:effectLst>
+              <a:latin typeface="PT Serif" panose="020A0603040505020204" pitchFamily="18" charset="0"/>
+              <a:cs typeface="Times New Roman" panose="02020603050405020304" pitchFamily="18" charset="0"/>
+            </a:endParaRPr>
+          </a:p>
+        </p:txBody>
+      </p:sp>
+      <p:sp>
+        <p:nvSpPr>
+          <p:cNvPr id="55" name="TextBox 54">
+            <a:extLst>
+              <a:ext uri="{FF2B5EF4-FFF2-40B4-BE49-F238E27FC236}">
+                <a16:creationId xmlns:a16="http://schemas.microsoft.com/office/drawing/2014/main" id="{04A9AD44-0D68-9758-5153-28084C49A968}"/>
+              </a:ext>
+            </a:extLst>
+          </p:cNvPr>
+          <p:cNvSpPr txBox="1"/>
+          <p:nvPr/>
+        </p:nvSpPr>
+        <p:spPr>
+          <a:xfrm>
+            <a:off x="28575" y="2140719"/>
+            <a:ext cx="2151317" cy="253916"/>
+          </a:xfrm>
+          <a:prstGeom prst="rect">
+            <a:avLst/>
+          </a:prstGeom>
+          <a:noFill/>
+        </p:spPr>
+        <p:txBody>
+          <a:bodyPr wrap="square" rtlCol="0">
+            <a:spAutoFit/>
+          </a:bodyPr>
+          <a:lstStyle/>
+          <a:p>
+            <a:r>
+              <a:rPr lang="ro-RO" sz="1050" b="1" dirty="0">
+                <a:solidFill>
+                  <a:srgbClr val="FFE79B"/>
+                </a:solidFill>
+                <a:effectLst>
+                  <a:outerShdw blurRad="63500" sx="102000" sy="102000" algn="ctr" rotWithShape="0">
+                    <a:prstClr val="black">
+                      <a:alpha val="30000"/>
+                    </a:prstClr>
+                  </a:outerShdw>
+                </a:effectLst>
+                <a:latin typeface="PT Serif" panose="020A0603040505020204" pitchFamily="18" charset="0"/>
+                <a:cs typeface="Times New Roman" panose="02020603050405020304" pitchFamily="18" charset="0"/>
+              </a:rPr>
+              <a:t>10:30-11:15</a:t>
+            </a:r>
+            <a:endParaRPr lang="en-US" sz="1050" b="1" dirty="0">
+              <a:solidFill>
+                <a:srgbClr val="FFE79B"/>
+              </a:solidFill>
+              <a:effectLst>
+                <a:outerShdw blurRad="63500" sx="102000" sy="102000" algn="ctr" rotWithShape="0">
+                  <a:prstClr val="black">
+                    <a:alpha val="30000"/>
+                  </a:prstClr>
+                </a:outerShdw>
+              </a:effectLst>
+              <a:latin typeface="PT Serif" panose="020A0603040505020204" pitchFamily="18" charset="0"/>
+              <a:cs typeface="Times New Roman" panose="02020603050405020304" pitchFamily="18" charset="0"/>
+            </a:endParaRPr>
+          </a:p>
+        </p:txBody>
+      </p:sp>
+      <p:sp>
+        <p:nvSpPr>
+          <p:cNvPr id="56" name="TextBox 55">
+            <a:extLst>
+              <a:ext uri="{FF2B5EF4-FFF2-40B4-BE49-F238E27FC236}">
+                <a16:creationId xmlns:a16="http://schemas.microsoft.com/office/drawing/2014/main" id="{AF4EA4B1-CE00-4445-FFF9-A450EE1EA9F8}"/>
+              </a:ext>
+            </a:extLst>
+          </p:cNvPr>
+          <p:cNvSpPr txBox="1"/>
+          <p:nvPr/>
+        </p:nvSpPr>
+        <p:spPr>
+          <a:xfrm>
+            <a:off x="28575" y="2326524"/>
+            <a:ext cx="5481258" cy="400110"/>
+          </a:xfrm>
+          <a:prstGeom prst="rect">
+            <a:avLst/>
+          </a:prstGeom>
+          <a:noFill/>
+        </p:spPr>
+        <p:txBody>
+          <a:bodyPr wrap="square" rtlCol="0">
+            <a:spAutoFit/>
+          </a:bodyPr>
+          <a:lstStyle/>
+          <a:p>
+            <a:r>
+              <a:rPr lang="ro-RO" sz="2000" b="1" dirty="0">
+                <a:solidFill>
+                  <a:srgbClr val="FFE79B"/>
+                </a:solidFill>
+                <a:effectLst>
+                  <a:outerShdw blurRad="63500" sx="102000" sy="102000" algn="ctr" rotWithShape="0">
+                    <a:prstClr val="black">
+                      <a:alpha val="30000"/>
+                    </a:prstClr>
+                  </a:outerShdw>
+                </a:effectLst>
+                <a:latin typeface="PT Serif" panose="020A0603040505020204" pitchFamily="18" charset="0"/>
+                <a:cs typeface="Times New Roman" panose="02020603050405020304" pitchFamily="18" charset="0"/>
+              </a:rPr>
+              <a:t>Heilige Messe für die Teilnehmer</a:t>
+            </a:r>
+            <a:endParaRPr lang="en-US" sz="2000" b="1" dirty="0">
+              <a:solidFill>
+                <a:srgbClr val="FFE79B"/>
+              </a:solidFill>
+              <a:effectLst>
+                <a:outerShdw blurRad="63500" sx="102000" sy="102000" algn="ctr" rotWithShape="0">
+                  <a:prstClr val="black">
+                    <a:alpha val="30000"/>
+                  </a:prstClr>
+                </a:outerShdw>
+              </a:effectLst>
+              <a:latin typeface="PT Serif" panose="020A0603040505020204" pitchFamily="18" charset="0"/>
+              <a:cs typeface="Times New Roman" panose="02020603050405020304" pitchFamily="18" charset="0"/>
+            </a:endParaRPr>
+          </a:p>
+        </p:txBody>
+      </p:sp>
+      <p:sp>
+        <p:nvSpPr>
+          <p:cNvPr id="57" name="TextBox 56">
+            <a:extLst>
+              <a:ext uri="{FF2B5EF4-FFF2-40B4-BE49-F238E27FC236}">
+                <a16:creationId xmlns:a16="http://schemas.microsoft.com/office/drawing/2014/main" id="{D3959EB5-A06D-4444-FB29-3F3DC2950D5B}"/>
+              </a:ext>
+            </a:extLst>
+          </p:cNvPr>
+          <p:cNvSpPr txBox="1"/>
+          <p:nvPr/>
+        </p:nvSpPr>
+        <p:spPr>
+          <a:xfrm>
+            <a:off x="28575" y="2800362"/>
+            <a:ext cx="2151317" cy="253916"/>
+          </a:xfrm>
+          <a:prstGeom prst="rect">
+            <a:avLst/>
+          </a:prstGeom>
+          <a:noFill/>
+        </p:spPr>
+        <p:txBody>
+          <a:bodyPr wrap="square" rtlCol="0">
+            <a:spAutoFit/>
+          </a:bodyPr>
+          <a:lstStyle/>
+          <a:p>
+            <a:r>
+              <a:rPr lang="ro-RO" sz="1050" b="1" dirty="0">
+                <a:solidFill>
+                  <a:srgbClr val="FFE79B"/>
+                </a:solidFill>
+                <a:effectLst>
+                  <a:outerShdw blurRad="63500" sx="102000" sy="102000" algn="ctr" rotWithShape="0">
+                    <a:prstClr val="black">
+                      <a:alpha val="30000"/>
+                    </a:prstClr>
+                  </a:outerShdw>
+                </a:effectLst>
+                <a:latin typeface="PT Serif" panose="020A0603040505020204" pitchFamily="18" charset="0"/>
+                <a:cs typeface="Times New Roman" panose="02020603050405020304" pitchFamily="18" charset="0"/>
+              </a:rPr>
+              <a:t>11:15-11:30</a:t>
+            </a:r>
+            <a:endParaRPr lang="en-US" sz="1050" b="1" dirty="0">
+              <a:solidFill>
+                <a:srgbClr val="FFE79B"/>
+              </a:solidFill>
+              <a:effectLst>
+                <a:outerShdw blurRad="63500" sx="102000" sy="102000" algn="ctr" rotWithShape="0">
+                  <a:prstClr val="black">
+                    <a:alpha val="30000"/>
+                  </a:prstClr>
+                </a:outerShdw>
+              </a:effectLst>
+              <a:latin typeface="PT Serif" panose="020A0603040505020204" pitchFamily="18" charset="0"/>
+              <a:cs typeface="Times New Roman" panose="02020603050405020304" pitchFamily="18" charset="0"/>
+            </a:endParaRPr>
+          </a:p>
+        </p:txBody>
+      </p:sp>
+      <p:sp>
+        <p:nvSpPr>
+          <p:cNvPr id="58" name="TextBox 57">
+            <a:extLst>
+              <a:ext uri="{FF2B5EF4-FFF2-40B4-BE49-F238E27FC236}">
+                <a16:creationId xmlns:a16="http://schemas.microsoft.com/office/drawing/2014/main" id="{209AE847-E9B4-06B3-F005-46FCA7CEE2B4}"/>
+              </a:ext>
+            </a:extLst>
+          </p:cNvPr>
+          <p:cNvSpPr txBox="1"/>
+          <p:nvPr/>
+        </p:nvSpPr>
+        <p:spPr>
+          <a:xfrm>
+            <a:off x="28575" y="2986167"/>
+            <a:ext cx="5481258" cy="400110"/>
+          </a:xfrm>
+          <a:prstGeom prst="rect">
+            <a:avLst/>
+          </a:prstGeom>
+          <a:noFill/>
+        </p:spPr>
+        <p:txBody>
+          <a:bodyPr wrap="square" rtlCol="0">
+            <a:spAutoFit/>
+          </a:bodyPr>
+          <a:lstStyle/>
+          <a:p>
+            <a:r>
+              <a:rPr lang="ro-RO" sz="2000" b="1" dirty="0">
+                <a:solidFill>
+                  <a:srgbClr val="FFE79B"/>
+                </a:solidFill>
+                <a:effectLst>
+                  <a:outerShdw blurRad="63500" sx="102000" sy="102000" algn="ctr" rotWithShape="0">
+                    <a:prstClr val="black">
+                      <a:alpha val="30000"/>
+                    </a:prstClr>
+                  </a:outerShdw>
+                </a:effectLst>
+                <a:latin typeface="PT Serif" panose="020A0603040505020204" pitchFamily="18" charset="0"/>
+                <a:cs typeface="Times New Roman" panose="02020603050405020304" pitchFamily="18" charset="0"/>
+              </a:rPr>
+              <a:t>Kranzniederlegung am Heldendenkmal</a:t>
+            </a:r>
+            <a:endParaRPr lang="en-US" sz="2000" b="1" dirty="0">
+              <a:solidFill>
+                <a:srgbClr val="FFE79B"/>
+              </a:solidFill>
+              <a:effectLst>
+                <a:outerShdw blurRad="63500" sx="102000" sy="102000" algn="ctr" rotWithShape="0">
+                  <a:prstClr val="black">
+                    <a:alpha val="30000"/>
+                  </a:prstClr>
+                </a:outerShdw>
+              </a:effectLst>
+              <a:latin typeface="PT Serif" panose="020A0603040505020204" pitchFamily="18" charset="0"/>
+              <a:cs typeface="Times New Roman" panose="02020603050405020304" pitchFamily="18" charset="0"/>
+            </a:endParaRPr>
+          </a:p>
+        </p:txBody>
+      </p:sp>
+      <p:sp>
+        <p:nvSpPr>
+          <p:cNvPr id="59" name="TextBox 58">
+            <a:extLst>
+              <a:ext uri="{FF2B5EF4-FFF2-40B4-BE49-F238E27FC236}">
+                <a16:creationId xmlns:a16="http://schemas.microsoft.com/office/drawing/2014/main" id="{48F2A7C7-D688-7614-308A-C1B9ACBE060D}"/>
+              </a:ext>
+            </a:extLst>
+          </p:cNvPr>
+          <p:cNvSpPr txBox="1"/>
+          <p:nvPr/>
+        </p:nvSpPr>
+        <p:spPr>
+          <a:xfrm>
+            <a:off x="28575" y="3416976"/>
+            <a:ext cx="2151317" cy="253916"/>
+          </a:xfrm>
+          <a:prstGeom prst="rect">
+            <a:avLst/>
+          </a:prstGeom>
+          <a:noFill/>
+        </p:spPr>
+        <p:txBody>
+          <a:bodyPr wrap="square" rtlCol="0">
+            <a:spAutoFit/>
+          </a:bodyPr>
+          <a:lstStyle/>
+          <a:p>
+            <a:r>
+              <a:rPr lang="ro-RO" sz="1050" b="1" dirty="0">
+                <a:solidFill>
+                  <a:srgbClr val="FFE79B"/>
+                </a:solidFill>
+                <a:effectLst>
+                  <a:outerShdw blurRad="63500" sx="102000" sy="102000" algn="ctr" rotWithShape="0">
+                    <a:prstClr val="black">
+                      <a:alpha val="30000"/>
+                    </a:prstClr>
+                  </a:outerShdw>
+                </a:effectLst>
+                <a:latin typeface="PT Serif" panose="020A0603040505020204" pitchFamily="18" charset="0"/>
+                <a:cs typeface="Times New Roman" panose="02020603050405020304" pitchFamily="18" charset="0"/>
+              </a:rPr>
+              <a:t>11:30-13:30</a:t>
+            </a:r>
+            <a:endParaRPr lang="en-US" sz="1050" b="1" dirty="0">
+              <a:solidFill>
+                <a:srgbClr val="FFE79B"/>
+              </a:solidFill>
+              <a:effectLst>
+                <a:outerShdw blurRad="63500" sx="102000" sy="102000" algn="ctr" rotWithShape="0">
+                  <a:prstClr val="black">
+                    <a:alpha val="30000"/>
+                  </a:prstClr>
+                </a:outerShdw>
+              </a:effectLst>
+              <a:latin typeface="PT Serif" panose="020A0603040505020204" pitchFamily="18" charset="0"/>
+              <a:cs typeface="Times New Roman" panose="02020603050405020304" pitchFamily="18" charset="0"/>
+            </a:endParaRPr>
+          </a:p>
+        </p:txBody>
+      </p:sp>
+      <p:sp>
+        <p:nvSpPr>
+          <p:cNvPr id="60" name="TextBox 59">
+            <a:extLst>
+              <a:ext uri="{FF2B5EF4-FFF2-40B4-BE49-F238E27FC236}">
+                <a16:creationId xmlns:a16="http://schemas.microsoft.com/office/drawing/2014/main" id="{65D49D53-CC84-76C5-67BE-EF39302F3D22}"/>
+              </a:ext>
+            </a:extLst>
+          </p:cNvPr>
+          <p:cNvSpPr txBox="1"/>
+          <p:nvPr/>
+        </p:nvSpPr>
+        <p:spPr>
+          <a:xfrm>
+            <a:off x="28575" y="3602781"/>
+            <a:ext cx="5481258" cy="400110"/>
+          </a:xfrm>
+          <a:prstGeom prst="rect">
+            <a:avLst/>
+          </a:prstGeom>
+          <a:noFill/>
+        </p:spPr>
+        <p:txBody>
+          <a:bodyPr wrap="square" rtlCol="0">
+            <a:spAutoFit/>
+          </a:bodyPr>
+          <a:lstStyle/>
+          <a:p>
+            <a:r>
+              <a:rPr lang="de-DE" sz="2000" b="1" dirty="0">
+                <a:solidFill>
+                  <a:srgbClr val="FFE79B"/>
+                </a:solidFill>
+                <a:effectLst>
+                  <a:outerShdw blurRad="63500" sx="102000" sy="102000" algn="ctr" rotWithShape="0">
+                    <a:prstClr val="black">
+                      <a:alpha val="30000"/>
+                    </a:prstClr>
+                  </a:outerShdw>
+                </a:effectLst>
+                <a:latin typeface="PT Serif" panose="020A0603040505020204" pitchFamily="18" charset="0"/>
+                <a:cs typeface="Times New Roman" panose="02020603050405020304" pitchFamily="18" charset="0"/>
+              </a:rPr>
+              <a:t>Versteigerung des </a:t>
+            </a:r>
+            <a:r>
+              <a:rPr lang="ro-RO" sz="2000" b="1" dirty="0">
+                <a:solidFill>
+                  <a:srgbClr val="FFE79B"/>
+                </a:solidFill>
+                <a:effectLst>
+                  <a:outerShdw blurRad="63500" sx="102000" sy="102000" algn="ctr" rotWithShape="0">
+                    <a:prstClr val="black">
+                      <a:alpha val="30000"/>
+                    </a:prstClr>
+                  </a:outerShdw>
+                </a:effectLst>
+                <a:latin typeface="PT Serif" panose="020A0603040505020204" pitchFamily="18" charset="0"/>
+                <a:cs typeface="Times New Roman" panose="02020603050405020304" pitchFamily="18" charset="0"/>
+              </a:rPr>
+              <a:t>Kerwei</a:t>
+            </a:r>
+            <a:r>
+              <a:rPr lang="de-DE" sz="2000" b="1" dirty="0">
+                <a:solidFill>
+                  <a:srgbClr val="FFE79B"/>
+                </a:solidFill>
+                <a:effectLst>
+                  <a:outerShdw blurRad="63500" sx="102000" sy="102000" algn="ctr" rotWithShape="0">
+                    <a:prstClr val="black">
+                      <a:alpha val="30000"/>
+                    </a:prstClr>
+                  </a:outerShdw>
+                </a:effectLst>
+                <a:latin typeface="PT Serif" panose="020A0603040505020204" pitchFamily="18" charset="0"/>
+                <a:cs typeface="Times New Roman" panose="02020603050405020304" pitchFamily="18" charset="0"/>
+              </a:rPr>
+              <a:t>straußes / Tänze</a:t>
+            </a:r>
+            <a:endParaRPr lang="ro-RO" sz="2000" b="1" dirty="0">
+              <a:solidFill>
+                <a:srgbClr val="FFE79B"/>
+              </a:solidFill>
+              <a:effectLst>
+                <a:outerShdw blurRad="63500" sx="102000" sy="102000" algn="ctr" rotWithShape="0">
+                  <a:prstClr val="black">
+                    <a:alpha val="30000"/>
+                  </a:prstClr>
+                </a:outerShdw>
+              </a:effectLst>
+              <a:latin typeface="PT Serif" panose="020A0603040505020204" pitchFamily="18" charset="0"/>
+              <a:cs typeface="Times New Roman" panose="02020603050405020304" pitchFamily="18" charset="0"/>
+            </a:endParaRPr>
+          </a:p>
+        </p:txBody>
+      </p:sp>
+      <p:sp>
+        <p:nvSpPr>
+          <p:cNvPr id="61" name="TextBox 60">
+            <a:extLst>
+              <a:ext uri="{FF2B5EF4-FFF2-40B4-BE49-F238E27FC236}">
+                <a16:creationId xmlns:a16="http://schemas.microsoft.com/office/drawing/2014/main" id="{5C0DB5C5-81B9-6546-3B3E-858C616AA19D}"/>
+              </a:ext>
+            </a:extLst>
+          </p:cNvPr>
+          <p:cNvSpPr txBox="1"/>
+          <p:nvPr/>
+        </p:nvSpPr>
+        <p:spPr>
+          <a:xfrm>
+            <a:off x="28575" y="4076619"/>
+            <a:ext cx="2151317" cy="253916"/>
+          </a:xfrm>
+          <a:prstGeom prst="rect">
+            <a:avLst/>
+          </a:prstGeom>
+          <a:noFill/>
+        </p:spPr>
+        <p:txBody>
+          <a:bodyPr wrap="square" rtlCol="0">
+            <a:spAutoFit/>
+          </a:bodyPr>
+          <a:lstStyle/>
+          <a:p>
+            <a:r>
+              <a:rPr lang="ro-RO" sz="1050" b="1" dirty="0">
+                <a:solidFill>
+                  <a:srgbClr val="FFE79B"/>
+                </a:solidFill>
+                <a:effectLst>
+                  <a:outerShdw blurRad="63500" sx="102000" sy="102000" algn="ctr" rotWithShape="0">
+                    <a:prstClr val="black">
+                      <a:alpha val="30000"/>
+                    </a:prstClr>
+                  </a:outerShdw>
+                </a:effectLst>
+                <a:latin typeface="PT Serif" panose="020A0603040505020204" pitchFamily="18" charset="0"/>
+                <a:cs typeface="Times New Roman" panose="02020603050405020304" pitchFamily="18" charset="0"/>
+              </a:rPr>
+              <a:t>13:30-15:00</a:t>
+            </a:r>
+            <a:endParaRPr lang="en-US" sz="1050" b="1" dirty="0">
+              <a:solidFill>
+                <a:srgbClr val="FFE79B"/>
+              </a:solidFill>
+              <a:effectLst>
+                <a:outerShdw blurRad="63500" sx="102000" sy="102000" algn="ctr" rotWithShape="0">
+                  <a:prstClr val="black">
+                    <a:alpha val="30000"/>
+                  </a:prstClr>
+                </a:outerShdw>
+              </a:effectLst>
+              <a:latin typeface="PT Serif" panose="020A0603040505020204" pitchFamily="18" charset="0"/>
+              <a:cs typeface="Times New Roman" panose="02020603050405020304" pitchFamily="18" charset="0"/>
+            </a:endParaRPr>
+          </a:p>
+        </p:txBody>
+      </p:sp>
+      <p:sp>
+        <p:nvSpPr>
+          <p:cNvPr id="62" name="TextBox 61">
+            <a:extLst>
+              <a:ext uri="{FF2B5EF4-FFF2-40B4-BE49-F238E27FC236}">
+                <a16:creationId xmlns:a16="http://schemas.microsoft.com/office/drawing/2014/main" id="{8F778EBA-D678-830F-97CE-035C510D6B85}"/>
+              </a:ext>
+            </a:extLst>
+          </p:cNvPr>
+          <p:cNvSpPr txBox="1"/>
+          <p:nvPr/>
+        </p:nvSpPr>
+        <p:spPr>
+          <a:xfrm>
+            <a:off x="28575" y="4262424"/>
+            <a:ext cx="5481258" cy="400110"/>
+          </a:xfrm>
+          <a:prstGeom prst="rect">
+            <a:avLst/>
+          </a:prstGeom>
+          <a:noFill/>
+        </p:spPr>
+        <p:txBody>
+          <a:bodyPr wrap="square" rtlCol="0">
+            <a:spAutoFit/>
+          </a:bodyPr>
+          <a:lstStyle/>
+          <a:p>
+            <a:pPr>
+              <a:tabLst>
+                <a:tab pos="3543300" algn="l"/>
+              </a:tabLst>
+            </a:pPr>
+            <a:r>
+              <a:rPr lang="ro-RO" sz="2000" b="1" dirty="0">
+                <a:solidFill>
+                  <a:srgbClr val="FFE79B"/>
+                </a:solidFill>
+                <a:effectLst>
+                  <a:outerShdw blurRad="63500" sx="102000" sy="102000" algn="ctr" rotWithShape="0">
+                    <a:prstClr val="black">
+                      <a:alpha val="30000"/>
+                    </a:prstClr>
+                  </a:outerShdw>
+                </a:effectLst>
+                <a:latin typeface="PT Serif" panose="020A0603040505020204" pitchFamily="18" charset="0"/>
+                <a:cs typeface="Times New Roman" panose="02020603050405020304" pitchFamily="18" charset="0"/>
+              </a:rPr>
+              <a:t>Mittagessen</a:t>
+            </a:r>
+            <a:endParaRPr lang="en-US" sz="2000" b="1" dirty="0">
+              <a:solidFill>
+                <a:srgbClr val="FFE79B"/>
+              </a:solidFill>
+              <a:effectLst>
+                <a:outerShdw blurRad="63500" sx="102000" sy="102000" algn="ctr" rotWithShape="0">
+                  <a:prstClr val="black">
+                    <a:alpha val="30000"/>
+                  </a:prstClr>
+                </a:outerShdw>
+              </a:effectLst>
+              <a:latin typeface="PT Serif" panose="020A0603040505020204" pitchFamily="18" charset="0"/>
+              <a:cs typeface="Times New Roman" panose="02020603050405020304" pitchFamily="18" charset="0"/>
+            </a:endParaRPr>
+          </a:p>
+        </p:txBody>
+      </p:sp>
+      <p:sp>
+        <p:nvSpPr>
+          <p:cNvPr id="63" name="TextBox 62">
+            <a:extLst>
+              <a:ext uri="{FF2B5EF4-FFF2-40B4-BE49-F238E27FC236}">
+                <a16:creationId xmlns:a16="http://schemas.microsoft.com/office/drawing/2014/main" id="{964F7224-F6AA-AD58-11E2-C9ACEDB221D6}"/>
+              </a:ext>
+            </a:extLst>
+          </p:cNvPr>
+          <p:cNvSpPr txBox="1"/>
+          <p:nvPr/>
+        </p:nvSpPr>
+        <p:spPr>
+          <a:xfrm>
+            <a:off x="28575" y="4709958"/>
+            <a:ext cx="2151317" cy="253916"/>
+          </a:xfrm>
+          <a:prstGeom prst="rect">
+            <a:avLst/>
+          </a:prstGeom>
+          <a:noFill/>
+        </p:spPr>
+        <p:txBody>
+          <a:bodyPr wrap="square" rtlCol="0">
+            <a:spAutoFit/>
+          </a:bodyPr>
+          <a:lstStyle/>
+          <a:p>
+            <a:r>
+              <a:rPr lang="ro-RO" sz="1050" b="1" dirty="0">
+                <a:solidFill>
+                  <a:srgbClr val="FFE79B"/>
+                </a:solidFill>
+                <a:effectLst>
+                  <a:outerShdw blurRad="63500" sx="102000" sy="102000" algn="ctr" rotWithShape="0">
+                    <a:prstClr val="black">
+                      <a:alpha val="30000"/>
+                    </a:prstClr>
+                  </a:outerShdw>
+                </a:effectLst>
+                <a:latin typeface="PT Serif" panose="020A0603040505020204" pitchFamily="18" charset="0"/>
+                <a:cs typeface="Times New Roman" panose="02020603050405020304" pitchFamily="18" charset="0"/>
+              </a:rPr>
+              <a:t>16:00</a:t>
+            </a:r>
+            <a:endParaRPr lang="en-US" sz="1050" b="1" dirty="0">
+              <a:solidFill>
+                <a:srgbClr val="FFE79B"/>
+              </a:solidFill>
+              <a:effectLst>
+                <a:outerShdw blurRad="63500" sx="102000" sy="102000" algn="ctr" rotWithShape="0">
+                  <a:prstClr val="black">
+                    <a:alpha val="30000"/>
+                  </a:prstClr>
+                </a:outerShdw>
+              </a:effectLst>
+              <a:latin typeface="PT Serif" panose="020A0603040505020204" pitchFamily="18" charset="0"/>
+              <a:cs typeface="Times New Roman" panose="02020603050405020304" pitchFamily="18" charset="0"/>
+            </a:endParaRPr>
+          </a:p>
+        </p:txBody>
+      </p:sp>
+      <p:sp>
+        <p:nvSpPr>
+          <p:cNvPr id="64" name="TextBox 63">
+            <a:extLst>
+              <a:ext uri="{FF2B5EF4-FFF2-40B4-BE49-F238E27FC236}">
+                <a16:creationId xmlns:a16="http://schemas.microsoft.com/office/drawing/2014/main" id="{B1EC99C6-37E3-C40E-1242-A1D00E7329F3}"/>
+              </a:ext>
+            </a:extLst>
+          </p:cNvPr>
+          <p:cNvSpPr txBox="1"/>
+          <p:nvPr/>
+        </p:nvSpPr>
+        <p:spPr>
+          <a:xfrm>
+            <a:off x="28575" y="4895763"/>
+            <a:ext cx="5481258" cy="400110"/>
+          </a:xfrm>
+          <a:prstGeom prst="rect">
+            <a:avLst/>
+          </a:prstGeom>
+          <a:noFill/>
+        </p:spPr>
+        <p:txBody>
+          <a:bodyPr wrap="square" rtlCol="0">
+            <a:spAutoFit/>
+          </a:bodyPr>
+          <a:lstStyle/>
+          <a:p>
+            <a:r>
+              <a:rPr lang="ro-RO" sz="2000" b="1" dirty="0">
+                <a:solidFill>
+                  <a:srgbClr val="FFE79B"/>
+                </a:solidFill>
+                <a:effectLst>
+                  <a:outerShdw blurRad="63500" sx="102000" sy="102000" algn="ctr" rotWithShape="0">
+                    <a:prstClr val="black">
+                      <a:alpha val="30000"/>
+                    </a:prstClr>
+                  </a:outerShdw>
+                </a:effectLst>
+                <a:latin typeface="PT Serif" panose="020A0603040505020204" pitchFamily="18" charset="0"/>
+                <a:cs typeface="Times New Roman" panose="02020603050405020304" pitchFamily="18" charset="0"/>
+              </a:rPr>
+              <a:t>Kranzniederlegung am Friedhof</a:t>
+            </a:r>
+          </a:p>
+        </p:txBody>
+      </p:sp>
+      <p:sp>
+        <p:nvSpPr>
+          <p:cNvPr id="65" name="TextBox 64">
+            <a:extLst>
+              <a:ext uri="{FF2B5EF4-FFF2-40B4-BE49-F238E27FC236}">
+                <a16:creationId xmlns:a16="http://schemas.microsoft.com/office/drawing/2014/main" id="{87978BC0-DEF0-849D-6BBF-F93681B75CE7}"/>
+              </a:ext>
+            </a:extLst>
+          </p:cNvPr>
+          <p:cNvSpPr txBox="1"/>
+          <p:nvPr/>
+        </p:nvSpPr>
+        <p:spPr>
+          <a:xfrm>
+            <a:off x="28575" y="5369601"/>
+            <a:ext cx="2151317" cy="253916"/>
+          </a:xfrm>
+          <a:prstGeom prst="rect">
+            <a:avLst/>
+          </a:prstGeom>
+          <a:noFill/>
+        </p:spPr>
+        <p:txBody>
+          <a:bodyPr wrap="square" rtlCol="0">
+            <a:spAutoFit/>
+          </a:bodyPr>
+          <a:lstStyle/>
+          <a:p>
+            <a:r>
+              <a:rPr lang="ro-RO" sz="1050" b="1" dirty="0">
+                <a:solidFill>
+                  <a:srgbClr val="FFE79B"/>
+                </a:solidFill>
+                <a:effectLst>
+                  <a:outerShdw blurRad="63500" sx="102000" sy="102000" algn="ctr" rotWithShape="0">
+                    <a:prstClr val="black">
+                      <a:alpha val="30000"/>
+                    </a:prstClr>
+                  </a:outerShdw>
+                </a:effectLst>
+                <a:latin typeface="PT Serif" panose="020A0603040505020204" pitchFamily="18" charset="0"/>
+                <a:cs typeface="Times New Roman" panose="02020603050405020304" pitchFamily="18" charset="0"/>
+              </a:rPr>
+              <a:t>19:00</a:t>
+            </a:r>
+            <a:endParaRPr lang="en-US" sz="1050" b="1" dirty="0">
+              <a:solidFill>
+                <a:srgbClr val="FFE79B"/>
+              </a:solidFill>
+              <a:effectLst>
+                <a:outerShdw blurRad="63500" sx="102000" sy="102000" algn="ctr" rotWithShape="0">
+                  <a:prstClr val="black">
+                    <a:alpha val="30000"/>
+                  </a:prstClr>
+                </a:outerShdw>
+              </a:effectLst>
+              <a:latin typeface="PT Serif" panose="020A0603040505020204" pitchFamily="18" charset="0"/>
+              <a:cs typeface="Times New Roman" panose="02020603050405020304" pitchFamily="18" charset="0"/>
+            </a:endParaRPr>
+          </a:p>
+        </p:txBody>
+      </p:sp>
+      <p:sp>
+        <p:nvSpPr>
+          <p:cNvPr id="66" name="TextBox 65">
+            <a:extLst>
+              <a:ext uri="{FF2B5EF4-FFF2-40B4-BE49-F238E27FC236}">
+                <a16:creationId xmlns:a16="http://schemas.microsoft.com/office/drawing/2014/main" id="{6BF49931-837F-27A3-D6AD-960E3AA10CAC}"/>
+              </a:ext>
+            </a:extLst>
+          </p:cNvPr>
+          <p:cNvSpPr txBox="1"/>
+          <p:nvPr/>
+        </p:nvSpPr>
+        <p:spPr>
+          <a:xfrm>
+            <a:off x="28575" y="5555406"/>
+            <a:ext cx="5481258" cy="400110"/>
+          </a:xfrm>
+          <a:prstGeom prst="rect">
+            <a:avLst/>
+          </a:prstGeom>
+          <a:noFill/>
+        </p:spPr>
+        <p:txBody>
+          <a:bodyPr wrap="square" rtlCol="0">
+            <a:spAutoFit/>
+          </a:bodyPr>
+          <a:lstStyle/>
+          <a:p>
+            <a:r>
+              <a:rPr lang="ro-RO" sz="2000" b="1" dirty="0">
+                <a:solidFill>
+                  <a:srgbClr val="FFE79B"/>
+                </a:solidFill>
+                <a:effectLst>
+                  <a:outerShdw blurRad="63500" sx="102000" sy="102000" algn="ctr" rotWithShape="0">
+                    <a:prstClr val="black">
+                      <a:alpha val="30000"/>
+                    </a:prstClr>
+                  </a:outerShdw>
+                </a:effectLst>
+                <a:latin typeface="PT Serif" panose="020A0603040505020204" pitchFamily="18" charset="0"/>
+                <a:cs typeface="Times New Roman" panose="02020603050405020304" pitchFamily="18" charset="0"/>
+              </a:rPr>
+              <a:t>Ball</a:t>
+            </a:r>
+            <a:endParaRPr lang="en-US" sz="2000" b="1" dirty="0">
+              <a:solidFill>
+                <a:srgbClr val="FFE79B"/>
+              </a:solidFill>
+              <a:effectLst>
+                <a:outerShdw blurRad="63500" sx="102000" sy="102000" algn="ctr" rotWithShape="0">
+                  <a:prstClr val="black">
+                    <a:alpha val="30000"/>
+                  </a:prstClr>
+                </a:outerShdw>
+              </a:effectLst>
+              <a:latin typeface="PT Serif" panose="020A0603040505020204" pitchFamily="18" charset="0"/>
+              <a:cs typeface="Times New Roman" panose="02020603050405020304" pitchFamily="18" charset="0"/>
+            </a:endParaRPr>
+          </a:p>
+        </p:txBody>
+      </p:sp>
+      <p:sp>
+        <p:nvSpPr>
+          <p:cNvPr id="70" name="TextBox 69">
+            <a:extLst>
+              <a:ext uri="{FF2B5EF4-FFF2-40B4-BE49-F238E27FC236}">
+                <a16:creationId xmlns:a16="http://schemas.microsoft.com/office/drawing/2014/main" id="{F8DFBE89-A9D0-28A2-8BED-34DB7A55C429}"/>
+              </a:ext>
+            </a:extLst>
+          </p:cNvPr>
+          <p:cNvSpPr txBox="1"/>
+          <p:nvPr/>
+        </p:nvSpPr>
+        <p:spPr>
+          <a:xfrm>
+            <a:off x="2371193" y="6081223"/>
+            <a:ext cx="4954065" cy="707886"/>
+          </a:xfrm>
+          <a:prstGeom prst="rect">
+            <a:avLst/>
+          </a:prstGeom>
+          <a:noFill/>
+          <a:effectLst/>
+        </p:spPr>
+        <p:txBody>
+          <a:bodyPr wrap="square" rtlCol="0">
+            <a:spAutoFit/>
+          </a:bodyPr>
+          <a:lstStyle/>
+          <a:p>
+            <a:pPr algn="ctr"/>
+            <a:r>
+              <a:rPr lang="ro-RO" sz="4000" dirty="0">
+                <a:solidFill>
+                  <a:srgbClr val="FFE79B"/>
+                </a:solidFill>
+                <a:effectLst>
+                  <a:outerShdw blurRad="63500" sx="102000" sy="102000" algn="ctr" rotWithShape="0">
+                    <a:prstClr val="black">
+                      <a:alpha val="30000"/>
+                    </a:prstClr>
+                  </a:outerShdw>
+                </a:effectLst>
+                <a:latin typeface="Suez One" panose="00000500000000000000" pitchFamily="2" charset="-79"/>
+                <a:cs typeface="Suez One" panose="00000500000000000000" pitchFamily="2" charset="-79"/>
+              </a:rPr>
+              <a:t>Lowriner Kerweih</a:t>
+            </a:r>
+            <a:endParaRPr lang="en-US" sz="4000" dirty="0">
+              <a:solidFill>
+                <a:srgbClr val="FFE79B"/>
+              </a:solidFill>
+              <a:effectLst>
+                <a:outerShdw blurRad="63500" sx="102000" sy="102000" algn="ctr" rotWithShape="0">
+                  <a:prstClr val="black">
+                    <a:alpha val="30000"/>
+                  </a:prstClr>
+                </a:outerShdw>
+              </a:effectLst>
+              <a:latin typeface="Suez One" panose="00000500000000000000" pitchFamily="2" charset="-79"/>
+              <a:cs typeface="Suez One" panose="00000500000000000000" pitchFamily="2" charset="-79"/>
+            </a:endParaRPr>
+          </a:p>
+        </p:txBody>
+      </p:sp>
       <p:pic>
         <p:nvPicPr>
-          <p:cNvPr id="18" name="Picture 17">
+          <p:cNvPr id="4" name="Picture 3">
             <a:extLst>
               <a:ext uri="{FF2B5EF4-FFF2-40B4-BE49-F238E27FC236}">
-                <a16:creationId xmlns:a16="http://schemas.microsoft.com/office/drawing/2014/main" id="{2E6DE1C6-BB1D-E360-A587-2CC859F542E6}"/>
+                <a16:creationId xmlns:a16="http://schemas.microsoft.com/office/drawing/2014/main" id="{D9340908-F213-D092-A4B5-6158CC739E1B}"/>
               </a:ext>
             </a:extLst>
           </p:cNvPr>
@@ -4288,290 +6040,20 @@
         </p:blipFill>
         <p:spPr>
           <a:xfrm>
-            <a:off x="2026702" y="44721"/>
-            <a:ext cx="431074" cy="529728"/>
+            <a:off x="-154633" y="-8731"/>
+            <a:ext cx="5051651" cy="744572"/>
           </a:xfrm>
           <a:prstGeom prst="rect">
             <a:avLst/>
           </a:prstGeom>
         </p:spPr>
       </p:pic>
-      <p:sp>
-        <p:nvSpPr>
-          <p:cNvPr id="22" name="TextBox 21">
+      <p:pic>
+        <p:nvPicPr>
+          <p:cNvPr id="5" name="Picture 4">
             <a:extLst>
               <a:ext uri="{FF2B5EF4-FFF2-40B4-BE49-F238E27FC236}">
-                <a16:creationId xmlns:a16="http://schemas.microsoft.com/office/drawing/2014/main" id="{BC3B032A-6D24-1F6C-98B1-4FA81D958E00}"/>
-              </a:ext>
-            </a:extLst>
-          </p:cNvPr>
-          <p:cNvSpPr txBox="1"/>
-          <p:nvPr/>
-        </p:nvSpPr>
-        <p:spPr>
-          <a:xfrm>
-            <a:off x="521864" y="162593"/>
-            <a:ext cx="1645676" cy="438582"/>
-          </a:xfrm>
-          <a:prstGeom prst="rect">
-            <a:avLst/>
-          </a:prstGeom>
-          <a:noFill/>
-        </p:spPr>
-        <p:txBody>
-          <a:bodyPr wrap="square" rtlCol="0">
-            <a:spAutoFit/>
-          </a:bodyPr>
-          <a:lstStyle/>
-          <a:p>
-            <a:r>
-              <a:rPr lang="ro-RO" sz="750" b="1" dirty="0">
-                <a:solidFill>
-                  <a:srgbClr val="0D4E36"/>
-                </a:solidFill>
-                <a:latin typeface="PT Serif" panose="020A0603040505020204" pitchFamily="18" charset="0"/>
-                <a:cs typeface="Times New Roman" panose="02020603050405020304" pitchFamily="18" charset="0"/>
-              </a:rPr>
-              <a:t>Heimatortsgemeinschaft Lovrin</a:t>
-            </a:r>
-          </a:p>
-          <a:p>
-            <a:r>
-              <a:rPr lang="ro-RO" sz="750" b="1" dirty="0">
-                <a:solidFill>
-                  <a:srgbClr val="0D4E36"/>
-                </a:solidFill>
-                <a:latin typeface="PT Serif" panose="020A0603040505020204" pitchFamily="18" charset="0"/>
-                <a:cs typeface="Times New Roman" panose="02020603050405020304" pitchFamily="18" charset="0"/>
-              </a:rPr>
-              <a:t>in der Landsmannschaft</a:t>
-            </a:r>
-          </a:p>
-          <a:p>
-            <a:r>
-              <a:rPr lang="ro-RO" sz="750" b="1" dirty="0">
-                <a:solidFill>
-                  <a:srgbClr val="0D4E36"/>
-                </a:solidFill>
-                <a:latin typeface="PT Serif" panose="020A0603040505020204" pitchFamily="18" charset="0"/>
-                <a:cs typeface="Times New Roman" panose="02020603050405020304" pitchFamily="18" charset="0"/>
-              </a:rPr>
-              <a:t>der Banater Schwaben</a:t>
-            </a:r>
-            <a:endParaRPr lang="en-US" sz="750" b="1" dirty="0">
-              <a:solidFill>
-                <a:srgbClr val="0D4E36"/>
-              </a:solidFill>
-              <a:latin typeface="PT Serif" panose="020A0603040505020204" pitchFamily="18" charset="0"/>
-              <a:cs typeface="Times New Roman" panose="02020603050405020304" pitchFamily="18" charset="0"/>
-            </a:endParaRPr>
-          </a:p>
-        </p:txBody>
-      </p:sp>
-      <p:sp>
-        <p:nvSpPr>
-          <p:cNvPr id="23" name="TextBox 22">
-            <a:extLst>
-              <a:ext uri="{FF2B5EF4-FFF2-40B4-BE49-F238E27FC236}">
-                <a16:creationId xmlns:a16="http://schemas.microsoft.com/office/drawing/2014/main" id="{09D957A3-BB6F-A4A0-C746-C7548BF9A99A}"/>
-              </a:ext>
-            </a:extLst>
-          </p:cNvPr>
-          <p:cNvSpPr txBox="1"/>
-          <p:nvPr/>
-        </p:nvSpPr>
-        <p:spPr>
-          <a:xfrm>
-            <a:off x="2451195" y="162593"/>
-            <a:ext cx="1575826" cy="438582"/>
-          </a:xfrm>
-          <a:prstGeom prst="rect">
-            <a:avLst/>
-          </a:prstGeom>
-          <a:noFill/>
-        </p:spPr>
-        <p:txBody>
-          <a:bodyPr wrap="square" rtlCol="0">
-            <a:spAutoFit/>
-          </a:bodyPr>
-          <a:lstStyle/>
-          <a:p>
-            <a:r>
-              <a:rPr lang="ro-RO" sz="750" b="1" dirty="0">
-                <a:solidFill>
-                  <a:srgbClr val="0D4E36"/>
-                </a:solidFill>
-                <a:latin typeface="PT Serif" panose="020A0603040505020204" pitchFamily="18" charset="0"/>
-                <a:cs typeface="Times New Roman" panose="02020603050405020304" pitchFamily="18" charset="0"/>
-              </a:rPr>
-              <a:t>HOG Lovrin</a:t>
-            </a:r>
-          </a:p>
-          <a:p>
-            <a:r>
-              <a:rPr lang="ro-RO" sz="750" b="1" dirty="0">
-                <a:solidFill>
-                  <a:srgbClr val="0D4E36"/>
-                </a:solidFill>
-                <a:latin typeface="PT Serif" panose="020A0603040505020204" pitchFamily="18" charset="0"/>
-                <a:cs typeface="Times New Roman" panose="02020603050405020304" pitchFamily="18" charset="0"/>
-              </a:rPr>
-              <a:t>Primăria Lovrin</a:t>
-            </a:r>
-          </a:p>
-          <a:p>
-            <a:r>
-              <a:rPr lang="ro-RO" sz="750" b="1" dirty="0">
-                <a:solidFill>
-                  <a:srgbClr val="0D4E36"/>
-                </a:solidFill>
-                <a:latin typeface="PT Serif" panose="020A0603040505020204" pitchFamily="18" charset="0"/>
-                <a:cs typeface="Times New Roman" panose="02020603050405020304" pitchFamily="18" charset="0"/>
-              </a:rPr>
-              <a:t>Parohia Romano-Catolică Lovrin</a:t>
-            </a:r>
-            <a:endParaRPr lang="en-US" sz="750" b="1" dirty="0">
-              <a:solidFill>
-                <a:srgbClr val="0D4E36"/>
-              </a:solidFill>
-              <a:latin typeface="PT Serif" panose="020A0603040505020204" pitchFamily="18" charset="0"/>
-              <a:cs typeface="Times New Roman" panose="02020603050405020304" pitchFamily="18" charset="0"/>
-            </a:endParaRPr>
-          </a:p>
-        </p:txBody>
-      </p:sp>
-      <p:sp>
-        <p:nvSpPr>
-          <p:cNvPr id="24" name="TextBox 23">
-            <a:extLst>
-              <a:ext uri="{FF2B5EF4-FFF2-40B4-BE49-F238E27FC236}">
-                <a16:creationId xmlns:a16="http://schemas.microsoft.com/office/drawing/2014/main" id="{233D4F82-CD46-952B-9BCD-2B62D6F5BED1}"/>
-              </a:ext>
-            </a:extLst>
-          </p:cNvPr>
-          <p:cNvSpPr txBox="1"/>
-          <p:nvPr/>
-        </p:nvSpPr>
-        <p:spPr>
-          <a:xfrm>
-            <a:off x="3993111" y="114469"/>
-            <a:ext cx="1018658" cy="553998"/>
-          </a:xfrm>
-          <a:prstGeom prst="rect">
-            <a:avLst/>
-          </a:prstGeom>
-          <a:noFill/>
-        </p:spPr>
-        <p:txBody>
-          <a:bodyPr wrap="square" rtlCol="0">
-            <a:spAutoFit/>
-          </a:bodyPr>
-          <a:lstStyle/>
-          <a:p>
-            <a:r>
-              <a:rPr lang="ro-RO" sz="750" b="1" dirty="0">
-                <a:solidFill>
-                  <a:srgbClr val="0D4E36"/>
-                </a:solidFill>
-                <a:latin typeface="PT Serif" panose="020A0603040505020204" pitchFamily="18" charset="0"/>
-                <a:ea typeface="Tahoma" panose="020B0604030504040204" pitchFamily="34" charset="0"/>
-                <a:cs typeface="Times New Roman" panose="02020603050405020304" pitchFamily="18" charset="0"/>
-              </a:rPr>
-              <a:t>Demokratisches Forum der Deutschen im Banat</a:t>
-            </a:r>
-          </a:p>
-        </p:txBody>
-      </p:sp>
-      <p:sp>
-        <p:nvSpPr>
-          <p:cNvPr id="12" name="TextBox 11">
-            <a:extLst>
-              <a:ext uri="{FF2B5EF4-FFF2-40B4-BE49-F238E27FC236}">
-                <a16:creationId xmlns:a16="http://schemas.microsoft.com/office/drawing/2014/main" id="{7BADC1A9-C904-5E13-73C6-2D00701B5690}"/>
-              </a:ext>
-            </a:extLst>
-          </p:cNvPr>
-          <p:cNvSpPr txBox="1"/>
-          <p:nvPr/>
-        </p:nvSpPr>
-        <p:spPr>
-          <a:xfrm>
-            <a:off x="5011769" y="847737"/>
-            <a:ext cx="2151317" cy="253916"/>
-          </a:xfrm>
-          <a:prstGeom prst="rect">
-            <a:avLst/>
-          </a:prstGeom>
-          <a:noFill/>
-        </p:spPr>
-        <p:txBody>
-          <a:bodyPr wrap="square" rtlCol="0">
-            <a:spAutoFit/>
-          </a:bodyPr>
-          <a:lstStyle/>
-          <a:p>
-            <a:r>
-              <a:rPr lang="en-US" sz="1050" b="1" dirty="0">
-                <a:solidFill>
-                  <a:srgbClr val="FFE79B"/>
-                </a:solidFill>
-                <a:effectLst>
-                  <a:outerShdw blurRad="63500" sx="102000" sy="102000" algn="ctr" rotWithShape="0">
-                    <a:prstClr val="black">
-                      <a:alpha val="30000"/>
-                    </a:prstClr>
-                  </a:outerShdw>
-                </a:effectLst>
-                <a:latin typeface="PT Serif" panose="020A0603040505020204" pitchFamily="18" charset="0"/>
-                <a:cs typeface="Times New Roman" panose="02020603050405020304" pitchFamily="18" charset="0"/>
-              </a:rPr>
-              <a:t>08:00-08:30</a:t>
-            </a:r>
-          </a:p>
-        </p:txBody>
-      </p:sp>
-      <p:pic>
-        <p:nvPicPr>
-          <p:cNvPr id="6" name="Picture 5">
-            <a:extLst>
-              <a:ext uri="{FF2B5EF4-FFF2-40B4-BE49-F238E27FC236}">
-                <a16:creationId xmlns:a16="http://schemas.microsoft.com/office/drawing/2014/main" id="{EDF85C34-EE4A-18B6-B475-A44C3741FE7E}"/>
-              </a:ext>
-            </a:extLst>
-          </p:cNvPr>
-          <p:cNvPicPr>
-            <a:picLocks noChangeAspect="1"/>
-          </p:cNvPicPr>
-          <p:nvPr/>
-        </p:nvPicPr>
-        <p:blipFill>
-          <a:blip r:embed="rId2">
-            <a:extLst>
-              <a:ext uri="{28A0092B-C50C-407E-A947-70E740481C1C}">
-                <a14:useLocalDpi xmlns:a14="http://schemas.microsoft.com/office/drawing/2010/main" val="0"/>
-              </a:ext>
-            </a:extLst>
-          </a:blip>
-          <a:stretch>
-            <a:fillRect/>
-          </a:stretch>
-        </p:blipFill>
-        <p:spPr>
-          <a:xfrm>
-            <a:off x="5067580" y="155785"/>
-            <a:ext cx="431074" cy="431074"/>
-          </a:xfrm>
-          <a:prstGeom prst="rect">
-            <a:avLst/>
-          </a:prstGeom>
-        </p:spPr>
-      </p:pic>
-      <p:pic>
-        <p:nvPicPr>
-          <p:cNvPr id="7" name="Picture 6">
-            <a:extLst>
-              <a:ext uri="{FF2B5EF4-FFF2-40B4-BE49-F238E27FC236}">
-                <a16:creationId xmlns:a16="http://schemas.microsoft.com/office/drawing/2014/main" id="{06F8D9EC-A0FE-FABD-3665-15CAD22D022D}"/>
+                <a16:creationId xmlns:a16="http://schemas.microsoft.com/office/drawing/2014/main" id="{966DD355-1B1F-DCD6-2599-B5A93DD7B5AE}"/>
               </a:ext>
             </a:extLst>
           </p:cNvPr>
@@ -4594,2277 +6076,14 @@
         </p:blipFill>
         <p:spPr>
           <a:xfrm>
-            <a:off x="6974100" y="44721"/>
-            <a:ext cx="431074" cy="529728"/>
+            <a:off x="4799432" y="-8731"/>
+            <a:ext cx="5051651" cy="744572"/>
           </a:xfrm>
           <a:prstGeom prst="rect">
             <a:avLst/>
           </a:prstGeom>
         </p:spPr>
       </p:pic>
-      <p:sp>
-        <p:nvSpPr>
-          <p:cNvPr id="8" name="TextBox 7">
-            <a:extLst>
-              <a:ext uri="{FF2B5EF4-FFF2-40B4-BE49-F238E27FC236}">
-                <a16:creationId xmlns:a16="http://schemas.microsoft.com/office/drawing/2014/main" id="{1BD5E70B-0DEB-96E7-9648-841D2122B9E6}"/>
-              </a:ext>
-            </a:extLst>
-          </p:cNvPr>
-          <p:cNvSpPr txBox="1"/>
-          <p:nvPr/>
-        </p:nvSpPr>
-        <p:spPr>
-          <a:xfrm>
-            <a:off x="5469262" y="162593"/>
-            <a:ext cx="1645676" cy="438582"/>
-          </a:xfrm>
-          <a:prstGeom prst="rect">
-            <a:avLst/>
-          </a:prstGeom>
-          <a:noFill/>
-        </p:spPr>
-        <p:txBody>
-          <a:bodyPr wrap="square" rtlCol="0">
-            <a:spAutoFit/>
-          </a:bodyPr>
-          <a:lstStyle/>
-          <a:p>
-            <a:r>
-              <a:rPr lang="ro-RO" sz="750" b="1" dirty="0">
-                <a:solidFill>
-                  <a:srgbClr val="0D4E36"/>
-                </a:solidFill>
-                <a:latin typeface="PT Serif" panose="020A0603040505020204" pitchFamily="18" charset="0"/>
-                <a:cs typeface="Times New Roman" panose="02020603050405020304" pitchFamily="18" charset="0"/>
-              </a:rPr>
-              <a:t>Heimatortsgemeinschaft Lovrin</a:t>
-            </a:r>
-          </a:p>
-          <a:p>
-            <a:r>
-              <a:rPr lang="ro-RO" sz="750" b="1" dirty="0">
-                <a:solidFill>
-                  <a:srgbClr val="0D4E36"/>
-                </a:solidFill>
-                <a:latin typeface="PT Serif" panose="020A0603040505020204" pitchFamily="18" charset="0"/>
-                <a:cs typeface="Times New Roman" panose="02020603050405020304" pitchFamily="18" charset="0"/>
-              </a:rPr>
-              <a:t>in der Landsmannschaft</a:t>
-            </a:r>
-          </a:p>
-          <a:p>
-            <a:r>
-              <a:rPr lang="ro-RO" sz="750" b="1" dirty="0">
-                <a:solidFill>
-                  <a:srgbClr val="0D4E36"/>
-                </a:solidFill>
-                <a:latin typeface="PT Serif" panose="020A0603040505020204" pitchFamily="18" charset="0"/>
-                <a:cs typeface="Times New Roman" panose="02020603050405020304" pitchFamily="18" charset="0"/>
-              </a:rPr>
-              <a:t>der Banater Schwaben</a:t>
-            </a:r>
-            <a:endParaRPr lang="en-US" sz="750" b="1" dirty="0">
-              <a:solidFill>
-                <a:srgbClr val="0D4E36"/>
-              </a:solidFill>
-              <a:latin typeface="PT Serif" panose="020A0603040505020204" pitchFamily="18" charset="0"/>
-              <a:cs typeface="Times New Roman" panose="02020603050405020304" pitchFamily="18" charset="0"/>
-            </a:endParaRPr>
-          </a:p>
-        </p:txBody>
-      </p:sp>
-      <p:sp>
-        <p:nvSpPr>
-          <p:cNvPr id="9" name="TextBox 8">
-            <a:extLst>
-              <a:ext uri="{FF2B5EF4-FFF2-40B4-BE49-F238E27FC236}">
-                <a16:creationId xmlns:a16="http://schemas.microsoft.com/office/drawing/2014/main" id="{3B6742D1-0595-85D5-F0A2-B2787EAA85B2}"/>
-              </a:ext>
-            </a:extLst>
-          </p:cNvPr>
-          <p:cNvSpPr txBox="1"/>
-          <p:nvPr/>
-        </p:nvSpPr>
-        <p:spPr>
-          <a:xfrm>
-            <a:off x="7398593" y="162593"/>
-            <a:ext cx="1575826" cy="438582"/>
-          </a:xfrm>
-          <a:prstGeom prst="rect">
-            <a:avLst/>
-          </a:prstGeom>
-          <a:noFill/>
-        </p:spPr>
-        <p:txBody>
-          <a:bodyPr wrap="square" rtlCol="0">
-            <a:spAutoFit/>
-          </a:bodyPr>
-          <a:lstStyle/>
-          <a:p>
-            <a:r>
-              <a:rPr lang="ro-RO" sz="750" b="1" dirty="0">
-                <a:solidFill>
-                  <a:srgbClr val="0D4E36"/>
-                </a:solidFill>
-                <a:latin typeface="PT Serif" panose="020A0603040505020204" pitchFamily="18" charset="0"/>
-                <a:cs typeface="Times New Roman" panose="02020603050405020304" pitchFamily="18" charset="0"/>
-              </a:rPr>
-              <a:t>HOG Lovrin</a:t>
-            </a:r>
-          </a:p>
-          <a:p>
-            <a:r>
-              <a:rPr lang="ro-RO" sz="750" b="1" dirty="0">
-                <a:solidFill>
-                  <a:srgbClr val="0D4E36"/>
-                </a:solidFill>
-                <a:latin typeface="PT Serif" panose="020A0603040505020204" pitchFamily="18" charset="0"/>
-                <a:cs typeface="Times New Roman" panose="02020603050405020304" pitchFamily="18" charset="0"/>
-              </a:rPr>
-              <a:t>Primăria Lovrin</a:t>
-            </a:r>
-          </a:p>
-          <a:p>
-            <a:r>
-              <a:rPr lang="ro-RO" sz="750" b="1" dirty="0">
-                <a:solidFill>
-                  <a:srgbClr val="0D4E36"/>
-                </a:solidFill>
-                <a:latin typeface="PT Serif" panose="020A0603040505020204" pitchFamily="18" charset="0"/>
-                <a:cs typeface="Times New Roman" panose="02020603050405020304" pitchFamily="18" charset="0"/>
-              </a:rPr>
-              <a:t>Parohia Romano-Catolică Lovrin</a:t>
-            </a:r>
-            <a:endParaRPr lang="en-US" sz="750" b="1" dirty="0">
-              <a:solidFill>
-                <a:srgbClr val="0D4E36"/>
-              </a:solidFill>
-              <a:latin typeface="PT Serif" panose="020A0603040505020204" pitchFamily="18" charset="0"/>
-              <a:cs typeface="Times New Roman" panose="02020603050405020304" pitchFamily="18" charset="0"/>
-            </a:endParaRPr>
-          </a:p>
-        </p:txBody>
-      </p:sp>
-      <p:sp>
-        <p:nvSpPr>
-          <p:cNvPr id="10" name="TextBox 9">
-            <a:extLst>
-              <a:ext uri="{FF2B5EF4-FFF2-40B4-BE49-F238E27FC236}">
-                <a16:creationId xmlns:a16="http://schemas.microsoft.com/office/drawing/2014/main" id="{7E4427AB-2816-56DB-2F51-B883B06FB3F9}"/>
-              </a:ext>
-            </a:extLst>
-          </p:cNvPr>
-          <p:cNvSpPr txBox="1"/>
-          <p:nvPr/>
-        </p:nvSpPr>
-        <p:spPr>
-          <a:xfrm>
-            <a:off x="8959759" y="114469"/>
-            <a:ext cx="1018658" cy="553998"/>
-          </a:xfrm>
-          <a:prstGeom prst="rect">
-            <a:avLst/>
-          </a:prstGeom>
-          <a:noFill/>
-        </p:spPr>
-        <p:txBody>
-          <a:bodyPr wrap="square" rtlCol="0">
-            <a:spAutoFit/>
-          </a:bodyPr>
-          <a:lstStyle/>
-          <a:p>
-            <a:r>
-              <a:rPr lang="ro-RO" sz="750" b="1" dirty="0">
-                <a:solidFill>
-                  <a:srgbClr val="0D4E36"/>
-                </a:solidFill>
-                <a:latin typeface="PT Serif" panose="020A0603040505020204" pitchFamily="18" charset="0"/>
-                <a:ea typeface="Tahoma" panose="020B0604030504040204" pitchFamily="34" charset="0"/>
-                <a:cs typeface="Times New Roman" panose="02020603050405020304" pitchFamily="18" charset="0"/>
-              </a:rPr>
-              <a:t>Demokratisches Forum der Deutschen im Banat</a:t>
-            </a:r>
-          </a:p>
-        </p:txBody>
-      </p:sp>
-      <p:sp>
-        <p:nvSpPr>
-          <p:cNvPr id="11" name="TextBox 10">
-            <a:extLst>
-              <a:ext uri="{FF2B5EF4-FFF2-40B4-BE49-F238E27FC236}">
-                <a16:creationId xmlns:a16="http://schemas.microsoft.com/office/drawing/2014/main" id="{4201D519-46F9-6FAD-CF40-66E9CC878F98}"/>
-              </a:ext>
-            </a:extLst>
-          </p:cNvPr>
-          <p:cNvSpPr txBox="1"/>
-          <p:nvPr/>
-        </p:nvSpPr>
-        <p:spPr>
-          <a:xfrm>
-            <a:off x="5011769" y="1033542"/>
-            <a:ext cx="5481258" cy="400110"/>
-          </a:xfrm>
-          <a:prstGeom prst="rect">
-            <a:avLst/>
-          </a:prstGeom>
-          <a:noFill/>
-        </p:spPr>
-        <p:txBody>
-          <a:bodyPr wrap="square" rtlCol="0">
-            <a:spAutoFit/>
-          </a:bodyPr>
-          <a:lstStyle/>
-          <a:p>
-            <a:r>
-              <a:rPr lang="en-US" sz="2000" b="1" dirty="0" err="1">
-                <a:solidFill>
-                  <a:srgbClr val="FFE79B"/>
-                </a:solidFill>
-                <a:effectLst>
-                  <a:outerShdw blurRad="63500" sx="102000" sy="102000" algn="ctr" rotWithShape="0">
-                    <a:prstClr val="black">
-                      <a:alpha val="30000"/>
-                    </a:prstClr>
-                  </a:outerShdw>
-                </a:effectLst>
-                <a:latin typeface="PT Serif" panose="020A0603040505020204" pitchFamily="18" charset="0"/>
-                <a:cs typeface="Times New Roman" panose="02020603050405020304" pitchFamily="18" charset="0"/>
-              </a:rPr>
-              <a:t>Primirea</a:t>
-            </a:r>
-            <a:r>
-              <a:rPr lang="en-US" sz="2000" b="1" dirty="0">
-                <a:solidFill>
-                  <a:srgbClr val="FFE79B"/>
-                </a:solidFill>
-                <a:effectLst>
-                  <a:outerShdw blurRad="63500" sx="102000" sy="102000" algn="ctr" rotWithShape="0">
-                    <a:prstClr val="black">
-                      <a:alpha val="30000"/>
-                    </a:prstClr>
-                  </a:outerShdw>
-                </a:effectLst>
-                <a:latin typeface="PT Serif" panose="020A0603040505020204" pitchFamily="18" charset="0"/>
-                <a:cs typeface="Times New Roman" panose="02020603050405020304" pitchFamily="18" charset="0"/>
-              </a:rPr>
-              <a:t> </a:t>
-            </a:r>
-            <a:r>
-              <a:rPr lang="en-US" sz="2000" b="1" dirty="0" err="1">
-                <a:solidFill>
-                  <a:srgbClr val="FFE79B"/>
-                </a:solidFill>
-                <a:effectLst>
-                  <a:outerShdw blurRad="63500" sx="102000" sy="102000" algn="ctr" rotWithShape="0">
-                    <a:prstClr val="black">
-                      <a:alpha val="30000"/>
-                    </a:prstClr>
-                  </a:outerShdw>
-                </a:effectLst>
-                <a:latin typeface="PT Serif" panose="020A0603040505020204" pitchFamily="18" charset="0"/>
-                <a:cs typeface="Times New Roman" panose="02020603050405020304" pitchFamily="18" charset="0"/>
-              </a:rPr>
-              <a:t>oaspe</a:t>
-            </a:r>
-            <a:r>
-              <a:rPr lang="ro-RO" sz="2000" b="1" dirty="0">
-                <a:solidFill>
-                  <a:srgbClr val="FFE79B"/>
-                </a:solidFill>
-                <a:effectLst>
-                  <a:outerShdw blurRad="63500" sx="102000" sy="102000" algn="ctr" rotWithShape="0">
-                    <a:prstClr val="black">
-                      <a:alpha val="30000"/>
-                    </a:prstClr>
-                  </a:outerShdw>
-                </a:effectLst>
-                <a:latin typeface="PT Serif" panose="020A0603040505020204" pitchFamily="18" charset="0"/>
-                <a:cs typeface="Times New Roman" panose="02020603050405020304" pitchFamily="18" charset="0"/>
-              </a:rPr>
-              <a:t>ților</a:t>
-            </a:r>
-            <a:endParaRPr lang="en-US" sz="2000" b="1" dirty="0">
-              <a:solidFill>
-                <a:srgbClr val="FFE79B"/>
-              </a:solidFill>
-              <a:effectLst>
-                <a:outerShdw blurRad="63500" sx="102000" sy="102000" algn="ctr" rotWithShape="0">
-                  <a:prstClr val="black">
-                    <a:alpha val="30000"/>
-                  </a:prstClr>
-                </a:outerShdw>
-              </a:effectLst>
-              <a:latin typeface="PT Serif" panose="020A0603040505020204" pitchFamily="18" charset="0"/>
-              <a:cs typeface="Times New Roman" panose="02020603050405020304" pitchFamily="18" charset="0"/>
-            </a:endParaRPr>
-          </a:p>
-        </p:txBody>
-      </p:sp>
-      <p:sp>
-        <p:nvSpPr>
-          <p:cNvPr id="13" name="TextBox 12">
-            <a:extLst>
-              <a:ext uri="{FF2B5EF4-FFF2-40B4-BE49-F238E27FC236}">
-                <a16:creationId xmlns:a16="http://schemas.microsoft.com/office/drawing/2014/main" id="{BA7C96EB-491D-79BD-591C-90B9443C7EE4}"/>
-              </a:ext>
-            </a:extLst>
-          </p:cNvPr>
-          <p:cNvSpPr txBox="1"/>
-          <p:nvPr/>
-        </p:nvSpPr>
-        <p:spPr>
-          <a:xfrm>
-            <a:off x="5011769" y="1507380"/>
-            <a:ext cx="2151317" cy="253916"/>
-          </a:xfrm>
-          <a:prstGeom prst="rect">
-            <a:avLst/>
-          </a:prstGeom>
-          <a:noFill/>
-        </p:spPr>
-        <p:txBody>
-          <a:bodyPr wrap="square" rtlCol="0">
-            <a:spAutoFit/>
-          </a:bodyPr>
-          <a:lstStyle/>
-          <a:p>
-            <a:r>
-              <a:rPr lang="ro-RO" sz="1050" b="1" dirty="0">
-                <a:solidFill>
-                  <a:srgbClr val="FFE79B"/>
-                </a:solidFill>
-                <a:effectLst>
-                  <a:outerShdw blurRad="63500" sx="102000" sy="102000" algn="ctr" rotWithShape="0">
-                    <a:prstClr val="black">
-                      <a:alpha val="30000"/>
-                    </a:prstClr>
-                  </a:outerShdw>
-                </a:effectLst>
-                <a:latin typeface="PT Serif" panose="020A0603040505020204" pitchFamily="18" charset="0"/>
-                <a:cs typeface="Times New Roman" panose="02020603050405020304" pitchFamily="18" charset="0"/>
-              </a:rPr>
-              <a:t>08</a:t>
-            </a:r>
-            <a:r>
-              <a:rPr lang="en-US" sz="1050" b="1" dirty="0">
-                <a:solidFill>
-                  <a:srgbClr val="FFE79B"/>
-                </a:solidFill>
-                <a:effectLst>
-                  <a:outerShdw blurRad="63500" sx="102000" sy="102000" algn="ctr" rotWithShape="0">
-                    <a:prstClr val="black">
-                      <a:alpha val="30000"/>
-                    </a:prstClr>
-                  </a:outerShdw>
-                </a:effectLst>
-                <a:latin typeface="PT Serif" panose="020A0603040505020204" pitchFamily="18" charset="0"/>
-                <a:cs typeface="Times New Roman" panose="02020603050405020304" pitchFamily="18" charset="0"/>
-              </a:rPr>
-              <a:t>:30-10:20</a:t>
-            </a:r>
-          </a:p>
-        </p:txBody>
-      </p:sp>
-      <p:sp>
-        <p:nvSpPr>
-          <p:cNvPr id="15" name="TextBox 14">
-            <a:extLst>
-              <a:ext uri="{FF2B5EF4-FFF2-40B4-BE49-F238E27FC236}">
-                <a16:creationId xmlns:a16="http://schemas.microsoft.com/office/drawing/2014/main" id="{F1A269E0-42E5-AD15-8912-A02EDA6A05BA}"/>
-              </a:ext>
-            </a:extLst>
-          </p:cNvPr>
-          <p:cNvSpPr txBox="1"/>
-          <p:nvPr/>
-        </p:nvSpPr>
-        <p:spPr>
-          <a:xfrm>
-            <a:off x="5011769" y="1693185"/>
-            <a:ext cx="5481258" cy="400110"/>
-          </a:xfrm>
-          <a:prstGeom prst="rect">
-            <a:avLst/>
-          </a:prstGeom>
-          <a:noFill/>
-        </p:spPr>
-        <p:txBody>
-          <a:bodyPr wrap="square" rtlCol="0">
-            <a:spAutoFit/>
-          </a:bodyPr>
-          <a:lstStyle/>
-          <a:p>
-            <a:r>
-              <a:rPr lang="en-US" sz="2000" b="1" dirty="0">
-                <a:solidFill>
-                  <a:srgbClr val="FFE79B"/>
-                </a:solidFill>
-                <a:effectLst>
-                  <a:outerShdw blurRad="63500" sx="102000" sy="102000" algn="ctr" rotWithShape="0">
-                    <a:prstClr val="black">
-                      <a:alpha val="30000"/>
-                    </a:prstClr>
-                  </a:outerShdw>
-                </a:effectLst>
-                <a:latin typeface="PT Serif" panose="020A0603040505020204" pitchFamily="18" charset="0"/>
-                <a:cs typeface="Times New Roman" panose="02020603050405020304" pitchFamily="18" charset="0"/>
-              </a:rPr>
-              <a:t>Parada </a:t>
-            </a:r>
-            <a:r>
-              <a:rPr lang="en-US" sz="2000" b="1" dirty="0" err="1">
-                <a:solidFill>
-                  <a:srgbClr val="FFE79B"/>
-                </a:solidFill>
-                <a:effectLst>
-                  <a:outerShdw blurRad="63500" sx="102000" sy="102000" algn="ctr" rotWithShape="0">
-                    <a:prstClr val="black">
-                      <a:alpha val="30000"/>
-                    </a:prstClr>
-                  </a:outerShdw>
-                </a:effectLst>
-                <a:latin typeface="PT Serif" panose="020A0603040505020204" pitchFamily="18" charset="0"/>
-                <a:cs typeface="Times New Roman" panose="02020603050405020304" pitchFamily="18" charset="0"/>
-              </a:rPr>
-              <a:t>portului</a:t>
-            </a:r>
-            <a:r>
-              <a:rPr lang="en-US" sz="2000" b="1" dirty="0">
-                <a:solidFill>
-                  <a:srgbClr val="FFE79B"/>
-                </a:solidFill>
-                <a:effectLst>
-                  <a:outerShdw blurRad="63500" sx="102000" sy="102000" algn="ctr" rotWithShape="0">
-                    <a:prstClr val="black">
-                      <a:alpha val="30000"/>
-                    </a:prstClr>
-                  </a:outerShdw>
-                </a:effectLst>
-                <a:latin typeface="PT Serif" panose="020A0603040505020204" pitchFamily="18" charset="0"/>
-                <a:cs typeface="Times New Roman" panose="02020603050405020304" pitchFamily="18" charset="0"/>
-              </a:rPr>
-              <a:t> </a:t>
-            </a:r>
-            <a:r>
-              <a:rPr lang="ro-RO" sz="2000" b="1" dirty="0">
-                <a:solidFill>
-                  <a:srgbClr val="FFE79B"/>
-                </a:solidFill>
-                <a:effectLst>
-                  <a:outerShdw blurRad="63500" sx="102000" sy="102000" algn="ctr" rotWithShape="0">
-                    <a:prstClr val="black">
-                      <a:alpha val="30000"/>
-                    </a:prstClr>
-                  </a:outerShdw>
-                </a:effectLst>
-                <a:latin typeface="PT Serif" panose="020A0603040505020204" pitchFamily="18" charset="0"/>
-                <a:cs typeface="Times New Roman" panose="02020603050405020304" pitchFamily="18" charset="0"/>
-              </a:rPr>
-              <a:t>șvăbesc</a:t>
-            </a:r>
-            <a:endParaRPr lang="en-US" sz="2000" b="1" dirty="0">
-              <a:solidFill>
-                <a:srgbClr val="FFE79B"/>
-              </a:solidFill>
-              <a:effectLst>
-                <a:outerShdw blurRad="63500" sx="102000" sy="102000" algn="ctr" rotWithShape="0">
-                  <a:prstClr val="black">
-                    <a:alpha val="30000"/>
-                  </a:prstClr>
-                </a:outerShdw>
-              </a:effectLst>
-              <a:latin typeface="PT Serif" panose="020A0603040505020204" pitchFamily="18" charset="0"/>
-              <a:cs typeface="Times New Roman" panose="02020603050405020304" pitchFamily="18" charset="0"/>
-            </a:endParaRPr>
-          </a:p>
-        </p:txBody>
-      </p:sp>
-      <p:sp>
-        <p:nvSpPr>
-          <p:cNvPr id="39" name="TextBox 38">
-            <a:extLst>
-              <a:ext uri="{FF2B5EF4-FFF2-40B4-BE49-F238E27FC236}">
-                <a16:creationId xmlns:a16="http://schemas.microsoft.com/office/drawing/2014/main" id="{1AA4811C-CFF5-2BF5-78FC-504AD7405D90}"/>
-              </a:ext>
-            </a:extLst>
-          </p:cNvPr>
-          <p:cNvSpPr txBox="1"/>
-          <p:nvPr/>
-        </p:nvSpPr>
-        <p:spPr>
-          <a:xfrm>
-            <a:off x="5011769" y="2140719"/>
-            <a:ext cx="2151317" cy="253916"/>
-          </a:xfrm>
-          <a:prstGeom prst="rect">
-            <a:avLst/>
-          </a:prstGeom>
-          <a:noFill/>
-        </p:spPr>
-        <p:txBody>
-          <a:bodyPr wrap="square" rtlCol="0">
-            <a:spAutoFit/>
-          </a:bodyPr>
-          <a:lstStyle/>
-          <a:p>
-            <a:r>
-              <a:rPr lang="ro-RO" sz="1050" b="1" dirty="0">
-                <a:solidFill>
-                  <a:srgbClr val="FFE79B"/>
-                </a:solidFill>
-                <a:effectLst>
-                  <a:outerShdw blurRad="63500" sx="102000" sy="102000" algn="ctr" rotWithShape="0">
-                    <a:prstClr val="black">
-                      <a:alpha val="30000"/>
-                    </a:prstClr>
-                  </a:outerShdw>
-                </a:effectLst>
-                <a:latin typeface="PT Serif" panose="020A0603040505020204" pitchFamily="18" charset="0"/>
-                <a:cs typeface="Times New Roman" panose="02020603050405020304" pitchFamily="18" charset="0"/>
-              </a:rPr>
-              <a:t>10:30-11:15</a:t>
-            </a:r>
-            <a:endParaRPr lang="en-US" sz="1050" b="1" dirty="0">
-              <a:solidFill>
-                <a:srgbClr val="FFE79B"/>
-              </a:solidFill>
-              <a:effectLst>
-                <a:outerShdw blurRad="63500" sx="102000" sy="102000" algn="ctr" rotWithShape="0">
-                  <a:prstClr val="black">
-                    <a:alpha val="30000"/>
-                  </a:prstClr>
-                </a:outerShdw>
-              </a:effectLst>
-              <a:latin typeface="PT Serif" panose="020A0603040505020204" pitchFamily="18" charset="0"/>
-              <a:cs typeface="Times New Roman" panose="02020603050405020304" pitchFamily="18" charset="0"/>
-            </a:endParaRPr>
-          </a:p>
-        </p:txBody>
-      </p:sp>
-      <p:sp>
-        <p:nvSpPr>
-          <p:cNvPr id="40" name="TextBox 39">
-            <a:extLst>
-              <a:ext uri="{FF2B5EF4-FFF2-40B4-BE49-F238E27FC236}">
-                <a16:creationId xmlns:a16="http://schemas.microsoft.com/office/drawing/2014/main" id="{A00C80B6-3C3A-6C13-C295-67AC2F936F4B}"/>
-              </a:ext>
-            </a:extLst>
-          </p:cNvPr>
-          <p:cNvSpPr txBox="1"/>
-          <p:nvPr/>
-        </p:nvSpPr>
-        <p:spPr>
-          <a:xfrm>
-            <a:off x="5011769" y="2326524"/>
-            <a:ext cx="5481258" cy="400110"/>
-          </a:xfrm>
-          <a:prstGeom prst="rect">
-            <a:avLst/>
-          </a:prstGeom>
-          <a:noFill/>
-        </p:spPr>
-        <p:txBody>
-          <a:bodyPr wrap="square" rtlCol="0">
-            <a:spAutoFit/>
-          </a:bodyPr>
-          <a:lstStyle/>
-          <a:p>
-            <a:r>
-              <a:rPr lang="ro-RO" sz="2000" b="1" dirty="0">
-                <a:solidFill>
-                  <a:srgbClr val="FFE79B"/>
-                </a:solidFill>
-                <a:effectLst>
-                  <a:outerShdw blurRad="63500" sx="102000" sy="102000" algn="ctr" rotWithShape="0">
-                    <a:prstClr val="black">
-                      <a:alpha val="30000"/>
-                    </a:prstClr>
-                  </a:outerShdw>
-                </a:effectLst>
-                <a:latin typeface="PT Serif" panose="020A0603040505020204" pitchFamily="18" charset="0"/>
-                <a:cs typeface="Times New Roman" panose="02020603050405020304" pitchFamily="18" charset="0"/>
-              </a:rPr>
-              <a:t>Slujba de binecuvântare a participanților</a:t>
-            </a:r>
-            <a:endParaRPr lang="en-US" sz="2000" b="1" dirty="0">
-              <a:solidFill>
-                <a:srgbClr val="FFE79B"/>
-              </a:solidFill>
-              <a:effectLst>
-                <a:outerShdw blurRad="63500" sx="102000" sy="102000" algn="ctr" rotWithShape="0">
-                  <a:prstClr val="black">
-                    <a:alpha val="30000"/>
-                  </a:prstClr>
-                </a:outerShdw>
-              </a:effectLst>
-              <a:latin typeface="PT Serif" panose="020A0603040505020204" pitchFamily="18" charset="0"/>
-              <a:cs typeface="Times New Roman" panose="02020603050405020304" pitchFamily="18" charset="0"/>
-            </a:endParaRPr>
-          </a:p>
-        </p:txBody>
-      </p:sp>
-      <p:sp>
-        <p:nvSpPr>
-          <p:cNvPr id="41" name="TextBox 40">
-            <a:extLst>
-              <a:ext uri="{FF2B5EF4-FFF2-40B4-BE49-F238E27FC236}">
-                <a16:creationId xmlns:a16="http://schemas.microsoft.com/office/drawing/2014/main" id="{21D636F5-6F93-ECD2-2730-071F1B0CB3A8}"/>
-              </a:ext>
-            </a:extLst>
-          </p:cNvPr>
-          <p:cNvSpPr txBox="1"/>
-          <p:nvPr/>
-        </p:nvSpPr>
-        <p:spPr>
-          <a:xfrm>
-            <a:off x="5011769" y="2800362"/>
-            <a:ext cx="2151317" cy="253916"/>
-          </a:xfrm>
-          <a:prstGeom prst="rect">
-            <a:avLst/>
-          </a:prstGeom>
-          <a:noFill/>
-        </p:spPr>
-        <p:txBody>
-          <a:bodyPr wrap="square" rtlCol="0">
-            <a:spAutoFit/>
-          </a:bodyPr>
-          <a:lstStyle/>
-          <a:p>
-            <a:r>
-              <a:rPr lang="ro-RO" sz="1050" b="1" dirty="0">
-                <a:solidFill>
-                  <a:srgbClr val="FFE79B"/>
-                </a:solidFill>
-                <a:effectLst>
-                  <a:outerShdw blurRad="63500" sx="102000" sy="102000" algn="ctr" rotWithShape="0">
-                    <a:prstClr val="black">
-                      <a:alpha val="30000"/>
-                    </a:prstClr>
-                  </a:outerShdw>
-                </a:effectLst>
-                <a:latin typeface="PT Serif" panose="020A0603040505020204" pitchFamily="18" charset="0"/>
-                <a:cs typeface="Times New Roman" panose="02020603050405020304" pitchFamily="18" charset="0"/>
-              </a:rPr>
-              <a:t>11:15-11:30</a:t>
-            </a:r>
-            <a:endParaRPr lang="en-US" sz="1050" b="1" dirty="0">
-              <a:solidFill>
-                <a:srgbClr val="FFE79B"/>
-              </a:solidFill>
-              <a:effectLst>
-                <a:outerShdw blurRad="63500" sx="102000" sy="102000" algn="ctr" rotWithShape="0">
-                  <a:prstClr val="black">
-                    <a:alpha val="30000"/>
-                  </a:prstClr>
-                </a:outerShdw>
-              </a:effectLst>
-              <a:latin typeface="PT Serif" panose="020A0603040505020204" pitchFamily="18" charset="0"/>
-              <a:cs typeface="Times New Roman" panose="02020603050405020304" pitchFamily="18" charset="0"/>
-            </a:endParaRPr>
-          </a:p>
-        </p:txBody>
-      </p:sp>
-      <p:sp>
-        <p:nvSpPr>
-          <p:cNvPr id="42" name="TextBox 41">
-            <a:extLst>
-              <a:ext uri="{FF2B5EF4-FFF2-40B4-BE49-F238E27FC236}">
-                <a16:creationId xmlns:a16="http://schemas.microsoft.com/office/drawing/2014/main" id="{CF0A3E0A-4370-258E-4604-FD9B0106DE88}"/>
-              </a:ext>
-            </a:extLst>
-          </p:cNvPr>
-          <p:cNvSpPr txBox="1"/>
-          <p:nvPr/>
-        </p:nvSpPr>
-        <p:spPr>
-          <a:xfrm>
-            <a:off x="5011769" y="2986167"/>
-            <a:ext cx="5481258" cy="400110"/>
-          </a:xfrm>
-          <a:prstGeom prst="rect">
-            <a:avLst/>
-          </a:prstGeom>
-          <a:noFill/>
-        </p:spPr>
-        <p:txBody>
-          <a:bodyPr wrap="square" rtlCol="0">
-            <a:spAutoFit/>
-          </a:bodyPr>
-          <a:lstStyle/>
-          <a:p>
-            <a:r>
-              <a:rPr lang="ro-RO" sz="2000" b="1" dirty="0">
-                <a:solidFill>
-                  <a:srgbClr val="FFE79B"/>
-                </a:solidFill>
-                <a:effectLst>
-                  <a:outerShdw blurRad="63500" sx="102000" sy="102000" algn="ctr" rotWithShape="0">
-                    <a:prstClr val="black">
-                      <a:alpha val="30000"/>
-                    </a:prstClr>
-                  </a:outerShdw>
-                </a:effectLst>
-                <a:latin typeface="PT Serif" panose="020A0603040505020204" pitchFamily="18" charset="0"/>
-                <a:cs typeface="Times New Roman" panose="02020603050405020304" pitchFamily="18" charset="0"/>
-              </a:rPr>
-              <a:t>Depunerea coroanei la Monumentul Eroilor</a:t>
-            </a:r>
-            <a:endParaRPr lang="en-US" sz="2000" b="1" dirty="0">
-              <a:solidFill>
-                <a:srgbClr val="FFE79B"/>
-              </a:solidFill>
-              <a:effectLst>
-                <a:outerShdw blurRad="63500" sx="102000" sy="102000" algn="ctr" rotWithShape="0">
-                  <a:prstClr val="black">
-                    <a:alpha val="30000"/>
-                  </a:prstClr>
-                </a:outerShdw>
-              </a:effectLst>
-              <a:latin typeface="PT Serif" panose="020A0603040505020204" pitchFamily="18" charset="0"/>
-              <a:cs typeface="Times New Roman" panose="02020603050405020304" pitchFamily="18" charset="0"/>
-            </a:endParaRPr>
-          </a:p>
-        </p:txBody>
-      </p:sp>
-      <p:sp>
-        <p:nvSpPr>
-          <p:cNvPr id="43" name="TextBox 42">
-            <a:extLst>
-              <a:ext uri="{FF2B5EF4-FFF2-40B4-BE49-F238E27FC236}">
-                <a16:creationId xmlns:a16="http://schemas.microsoft.com/office/drawing/2014/main" id="{2B8ADF1A-F98F-A1D7-2295-0080DB2710C8}"/>
-              </a:ext>
-            </a:extLst>
-          </p:cNvPr>
-          <p:cNvSpPr txBox="1"/>
-          <p:nvPr/>
-        </p:nvSpPr>
-        <p:spPr>
-          <a:xfrm>
-            <a:off x="5011769" y="3416976"/>
-            <a:ext cx="2151317" cy="253916"/>
-          </a:xfrm>
-          <a:prstGeom prst="rect">
-            <a:avLst/>
-          </a:prstGeom>
-          <a:noFill/>
-        </p:spPr>
-        <p:txBody>
-          <a:bodyPr wrap="square" rtlCol="0">
-            <a:spAutoFit/>
-          </a:bodyPr>
-          <a:lstStyle/>
-          <a:p>
-            <a:r>
-              <a:rPr lang="ro-RO" sz="1050" b="1" dirty="0">
-                <a:solidFill>
-                  <a:srgbClr val="FFE79B"/>
-                </a:solidFill>
-                <a:effectLst>
-                  <a:outerShdw blurRad="63500" sx="102000" sy="102000" algn="ctr" rotWithShape="0">
-                    <a:prstClr val="black">
-                      <a:alpha val="30000"/>
-                    </a:prstClr>
-                  </a:outerShdw>
-                </a:effectLst>
-                <a:latin typeface="PT Serif" panose="020A0603040505020204" pitchFamily="18" charset="0"/>
-                <a:cs typeface="Times New Roman" panose="02020603050405020304" pitchFamily="18" charset="0"/>
-              </a:rPr>
-              <a:t>11:30-13:30</a:t>
-            </a:r>
-            <a:endParaRPr lang="en-US" sz="1050" b="1" dirty="0">
-              <a:solidFill>
-                <a:srgbClr val="FFE79B"/>
-              </a:solidFill>
-              <a:effectLst>
-                <a:outerShdw blurRad="63500" sx="102000" sy="102000" algn="ctr" rotWithShape="0">
-                  <a:prstClr val="black">
-                    <a:alpha val="30000"/>
-                  </a:prstClr>
-                </a:outerShdw>
-              </a:effectLst>
-              <a:latin typeface="PT Serif" panose="020A0603040505020204" pitchFamily="18" charset="0"/>
-              <a:cs typeface="Times New Roman" panose="02020603050405020304" pitchFamily="18" charset="0"/>
-            </a:endParaRPr>
-          </a:p>
-        </p:txBody>
-      </p:sp>
-      <p:sp>
-        <p:nvSpPr>
-          <p:cNvPr id="44" name="TextBox 43">
-            <a:extLst>
-              <a:ext uri="{FF2B5EF4-FFF2-40B4-BE49-F238E27FC236}">
-                <a16:creationId xmlns:a16="http://schemas.microsoft.com/office/drawing/2014/main" id="{A1C0A497-1BEA-76C9-C202-E483BFC247AB}"/>
-              </a:ext>
-            </a:extLst>
-          </p:cNvPr>
-          <p:cNvSpPr txBox="1"/>
-          <p:nvPr/>
-        </p:nvSpPr>
-        <p:spPr>
-          <a:xfrm>
-            <a:off x="5011769" y="3602781"/>
-            <a:ext cx="5481258" cy="400110"/>
-          </a:xfrm>
-          <a:prstGeom prst="rect">
-            <a:avLst/>
-          </a:prstGeom>
-          <a:noFill/>
-        </p:spPr>
-        <p:txBody>
-          <a:bodyPr wrap="square" rtlCol="0">
-            <a:spAutoFit/>
-          </a:bodyPr>
-          <a:lstStyle/>
-          <a:p>
-            <a:r>
-              <a:rPr lang="ro-RO" sz="2000" b="1" dirty="0">
-                <a:solidFill>
-                  <a:srgbClr val="FFE79B"/>
-                </a:solidFill>
-                <a:effectLst>
-                  <a:outerShdw blurRad="63500" sx="102000" sy="102000" algn="ctr" rotWithShape="0">
-                    <a:prstClr val="black">
-                      <a:alpha val="30000"/>
-                    </a:prstClr>
-                  </a:outerShdw>
-                </a:effectLst>
-                <a:latin typeface="PT Serif" panose="020A0603040505020204" pitchFamily="18" charset="0"/>
-                <a:cs typeface="Times New Roman" panose="02020603050405020304" pitchFamily="18" charset="0"/>
-              </a:rPr>
-              <a:t>Licitarea pomului de rozmarin / Dansuri</a:t>
-            </a:r>
-          </a:p>
-        </p:txBody>
-      </p:sp>
-      <p:sp>
-        <p:nvSpPr>
-          <p:cNvPr id="45" name="TextBox 44">
-            <a:extLst>
-              <a:ext uri="{FF2B5EF4-FFF2-40B4-BE49-F238E27FC236}">
-                <a16:creationId xmlns:a16="http://schemas.microsoft.com/office/drawing/2014/main" id="{B299EE6A-957C-9278-303F-24AABC0C5665}"/>
-              </a:ext>
-            </a:extLst>
-          </p:cNvPr>
-          <p:cNvSpPr txBox="1"/>
-          <p:nvPr/>
-        </p:nvSpPr>
-        <p:spPr>
-          <a:xfrm>
-            <a:off x="5011769" y="4076619"/>
-            <a:ext cx="2151317" cy="253916"/>
-          </a:xfrm>
-          <a:prstGeom prst="rect">
-            <a:avLst/>
-          </a:prstGeom>
-          <a:noFill/>
-        </p:spPr>
-        <p:txBody>
-          <a:bodyPr wrap="square" rtlCol="0">
-            <a:spAutoFit/>
-          </a:bodyPr>
-          <a:lstStyle/>
-          <a:p>
-            <a:r>
-              <a:rPr lang="ro-RO" sz="1050" b="1" dirty="0">
-                <a:solidFill>
-                  <a:srgbClr val="FFE79B"/>
-                </a:solidFill>
-                <a:effectLst>
-                  <a:outerShdw blurRad="63500" sx="102000" sy="102000" algn="ctr" rotWithShape="0">
-                    <a:prstClr val="black">
-                      <a:alpha val="30000"/>
-                    </a:prstClr>
-                  </a:outerShdw>
-                </a:effectLst>
-                <a:latin typeface="PT Serif" panose="020A0603040505020204" pitchFamily="18" charset="0"/>
-                <a:cs typeface="Times New Roman" panose="02020603050405020304" pitchFamily="18" charset="0"/>
-              </a:rPr>
-              <a:t>13:30-15:00</a:t>
-            </a:r>
-            <a:endParaRPr lang="en-US" sz="1050" b="1" dirty="0">
-              <a:solidFill>
-                <a:srgbClr val="FFE79B"/>
-              </a:solidFill>
-              <a:effectLst>
-                <a:outerShdw blurRad="63500" sx="102000" sy="102000" algn="ctr" rotWithShape="0">
-                  <a:prstClr val="black">
-                    <a:alpha val="30000"/>
-                  </a:prstClr>
-                </a:outerShdw>
-              </a:effectLst>
-              <a:latin typeface="PT Serif" panose="020A0603040505020204" pitchFamily="18" charset="0"/>
-              <a:cs typeface="Times New Roman" panose="02020603050405020304" pitchFamily="18" charset="0"/>
-            </a:endParaRPr>
-          </a:p>
-        </p:txBody>
-      </p:sp>
-      <p:sp>
-        <p:nvSpPr>
-          <p:cNvPr id="46" name="TextBox 45">
-            <a:extLst>
-              <a:ext uri="{FF2B5EF4-FFF2-40B4-BE49-F238E27FC236}">
-                <a16:creationId xmlns:a16="http://schemas.microsoft.com/office/drawing/2014/main" id="{EBDF2C7B-D5FF-F65D-FD32-DF7AEB98F1B8}"/>
-              </a:ext>
-            </a:extLst>
-          </p:cNvPr>
-          <p:cNvSpPr txBox="1"/>
-          <p:nvPr/>
-        </p:nvSpPr>
-        <p:spPr>
-          <a:xfrm>
-            <a:off x="5011769" y="4262424"/>
-            <a:ext cx="5481258" cy="400110"/>
-          </a:xfrm>
-          <a:prstGeom prst="rect">
-            <a:avLst/>
-          </a:prstGeom>
-          <a:noFill/>
-        </p:spPr>
-        <p:txBody>
-          <a:bodyPr wrap="square" rtlCol="0">
-            <a:spAutoFit/>
-          </a:bodyPr>
-          <a:lstStyle/>
-          <a:p>
-            <a:r>
-              <a:rPr lang="ro-RO" sz="2000" b="1" dirty="0">
-                <a:solidFill>
-                  <a:srgbClr val="FFE79B"/>
-                </a:solidFill>
-                <a:effectLst>
-                  <a:outerShdw blurRad="63500" sx="102000" sy="102000" algn="ctr" rotWithShape="0">
-                    <a:prstClr val="black">
-                      <a:alpha val="30000"/>
-                    </a:prstClr>
-                  </a:outerShdw>
-                </a:effectLst>
-                <a:latin typeface="PT Serif" panose="020A0603040505020204" pitchFamily="18" charset="0"/>
-                <a:cs typeface="Times New Roman" panose="02020603050405020304" pitchFamily="18" charset="0"/>
-              </a:rPr>
-              <a:t>Masa de prânz</a:t>
-            </a:r>
-            <a:endParaRPr lang="en-US" sz="2000" b="1" dirty="0">
-              <a:solidFill>
-                <a:srgbClr val="FFE79B"/>
-              </a:solidFill>
-              <a:effectLst>
-                <a:outerShdw blurRad="63500" sx="102000" sy="102000" algn="ctr" rotWithShape="0">
-                  <a:prstClr val="black">
-                    <a:alpha val="30000"/>
-                  </a:prstClr>
-                </a:outerShdw>
-              </a:effectLst>
-              <a:latin typeface="PT Serif" panose="020A0603040505020204" pitchFamily="18" charset="0"/>
-              <a:cs typeface="Times New Roman" panose="02020603050405020304" pitchFamily="18" charset="0"/>
-            </a:endParaRPr>
-          </a:p>
-        </p:txBody>
-      </p:sp>
-      <p:sp>
-        <p:nvSpPr>
-          <p:cNvPr id="47" name="TextBox 46">
-            <a:extLst>
-              <a:ext uri="{FF2B5EF4-FFF2-40B4-BE49-F238E27FC236}">
-                <a16:creationId xmlns:a16="http://schemas.microsoft.com/office/drawing/2014/main" id="{1497F894-DCC3-4971-62C9-8D20827391E6}"/>
-              </a:ext>
-            </a:extLst>
-          </p:cNvPr>
-          <p:cNvSpPr txBox="1"/>
-          <p:nvPr/>
-        </p:nvSpPr>
-        <p:spPr>
-          <a:xfrm>
-            <a:off x="5011769" y="4709958"/>
-            <a:ext cx="2151317" cy="253916"/>
-          </a:xfrm>
-          <a:prstGeom prst="rect">
-            <a:avLst/>
-          </a:prstGeom>
-          <a:noFill/>
-        </p:spPr>
-        <p:txBody>
-          <a:bodyPr wrap="square" rtlCol="0">
-            <a:spAutoFit/>
-          </a:bodyPr>
-          <a:lstStyle/>
-          <a:p>
-            <a:r>
-              <a:rPr lang="ro-RO" sz="1050" b="1" dirty="0">
-                <a:solidFill>
-                  <a:srgbClr val="FFE79B"/>
-                </a:solidFill>
-                <a:effectLst>
-                  <a:outerShdw blurRad="63500" sx="102000" sy="102000" algn="ctr" rotWithShape="0">
-                    <a:prstClr val="black">
-                      <a:alpha val="30000"/>
-                    </a:prstClr>
-                  </a:outerShdw>
-                </a:effectLst>
-                <a:latin typeface="PT Serif" panose="020A0603040505020204" pitchFamily="18" charset="0"/>
-                <a:cs typeface="Times New Roman" panose="02020603050405020304" pitchFamily="18" charset="0"/>
-              </a:rPr>
-              <a:t>16:00</a:t>
-            </a:r>
-            <a:endParaRPr lang="en-US" sz="1050" b="1" dirty="0">
-              <a:solidFill>
-                <a:srgbClr val="FFE79B"/>
-              </a:solidFill>
-              <a:effectLst>
-                <a:outerShdw blurRad="63500" sx="102000" sy="102000" algn="ctr" rotWithShape="0">
-                  <a:prstClr val="black">
-                    <a:alpha val="30000"/>
-                  </a:prstClr>
-                </a:outerShdw>
-              </a:effectLst>
-              <a:latin typeface="PT Serif" panose="020A0603040505020204" pitchFamily="18" charset="0"/>
-              <a:cs typeface="Times New Roman" panose="02020603050405020304" pitchFamily="18" charset="0"/>
-            </a:endParaRPr>
-          </a:p>
-        </p:txBody>
-      </p:sp>
-      <p:sp>
-        <p:nvSpPr>
-          <p:cNvPr id="48" name="TextBox 47">
-            <a:extLst>
-              <a:ext uri="{FF2B5EF4-FFF2-40B4-BE49-F238E27FC236}">
-                <a16:creationId xmlns:a16="http://schemas.microsoft.com/office/drawing/2014/main" id="{996B09CD-E3BA-D900-532E-FD9848DDA77F}"/>
-              </a:ext>
-            </a:extLst>
-          </p:cNvPr>
-          <p:cNvSpPr txBox="1"/>
-          <p:nvPr/>
-        </p:nvSpPr>
-        <p:spPr>
-          <a:xfrm>
-            <a:off x="5011769" y="4895763"/>
-            <a:ext cx="5481258" cy="400110"/>
-          </a:xfrm>
-          <a:prstGeom prst="rect">
-            <a:avLst/>
-          </a:prstGeom>
-          <a:noFill/>
-        </p:spPr>
-        <p:txBody>
-          <a:bodyPr wrap="square" rtlCol="0">
-            <a:spAutoFit/>
-          </a:bodyPr>
-          <a:lstStyle/>
-          <a:p>
-            <a:r>
-              <a:rPr lang="ro-RO" sz="2000" b="1" dirty="0">
-                <a:solidFill>
-                  <a:srgbClr val="FFE79B"/>
-                </a:solidFill>
-                <a:effectLst>
-                  <a:outerShdw blurRad="63500" sx="102000" sy="102000" algn="ctr" rotWithShape="0">
-                    <a:prstClr val="black">
-                      <a:alpha val="30000"/>
-                    </a:prstClr>
-                  </a:outerShdw>
-                </a:effectLst>
-                <a:latin typeface="PT Serif" panose="020A0603040505020204" pitchFamily="18" charset="0"/>
-                <a:cs typeface="Times New Roman" panose="02020603050405020304" pitchFamily="18" charset="0"/>
-              </a:rPr>
-              <a:t>Depunere coroană la Cimitirul Rom.-Cat.</a:t>
-            </a:r>
-          </a:p>
-        </p:txBody>
-      </p:sp>
-      <p:sp>
-        <p:nvSpPr>
-          <p:cNvPr id="49" name="TextBox 48">
-            <a:extLst>
-              <a:ext uri="{FF2B5EF4-FFF2-40B4-BE49-F238E27FC236}">
-                <a16:creationId xmlns:a16="http://schemas.microsoft.com/office/drawing/2014/main" id="{9537C5A7-6501-E44C-3CE1-E32E06C93599}"/>
-              </a:ext>
-            </a:extLst>
-          </p:cNvPr>
-          <p:cNvSpPr txBox="1"/>
-          <p:nvPr/>
-        </p:nvSpPr>
-        <p:spPr>
-          <a:xfrm>
-            <a:off x="5011769" y="5369601"/>
-            <a:ext cx="2151317" cy="253916"/>
-          </a:xfrm>
-          <a:prstGeom prst="rect">
-            <a:avLst/>
-          </a:prstGeom>
-          <a:noFill/>
-        </p:spPr>
-        <p:txBody>
-          <a:bodyPr wrap="square" rtlCol="0">
-            <a:spAutoFit/>
-          </a:bodyPr>
-          <a:lstStyle/>
-          <a:p>
-            <a:r>
-              <a:rPr lang="ro-RO" sz="1050" b="1" dirty="0">
-                <a:solidFill>
-                  <a:srgbClr val="FFE79B"/>
-                </a:solidFill>
-                <a:effectLst>
-                  <a:outerShdw blurRad="63500" sx="102000" sy="102000" algn="ctr" rotWithShape="0">
-                    <a:prstClr val="black">
-                      <a:alpha val="30000"/>
-                    </a:prstClr>
-                  </a:outerShdw>
-                </a:effectLst>
-                <a:latin typeface="PT Serif" panose="020A0603040505020204" pitchFamily="18" charset="0"/>
-                <a:cs typeface="Times New Roman" panose="02020603050405020304" pitchFamily="18" charset="0"/>
-              </a:rPr>
-              <a:t>19:00</a:t>
-            </a:r>
-            <a:endParaRPr lang="en-US" sz="1050" b="1" dirty="0">
-              <a:solidFill>
-                <a:srgbClr val="FFE79B"/>
-              </a:solidFill>
-              <a:effectLst>
-                <a:outerShdw blurRad="63500" sx="102000" sy="102000" algn="ctr" rotWithShape="0">
-                  <a:prstClr val="black">
-                    <a:alpha val="30000"/>
-                  </a:prstClr>
-                </a:outerShdw>
-              </a:effectLst>
-              <a:latin typeface="PT Serif" panose="020A0603040505020204" pitchFamily="18" charset="0"/>
-              <a:cs typeface="Times New Roman" panose="02020603050405020304" pitchFamily="18" charset="0"/>
-            </a:endParaRPr>
-          </a:p>
-        </p:txBody>
-      </p:sp>
-      <p:sp>
-        <p:nvSpPr>
-          <p:cNvPr id="50" name="TextBox 49">
-            <a:extLst>
-              <a:ext uri="{FF2B5EF4-FFF2-40B4-BE49-F238E27FC236}">
-                <a16:creationId xmlns:a16="http://schemas.microsoft.com/office/drawing/2014/main" id="{02B617F1-DB9D-3EB5-4DA9-7B51425C61BC}"/>
-              </a:ext>
-            </a:extLst>
-          </p:cNvPr>
-          <p:cNvSpPr txBox="1"/>
-          <p:nvPr/>
-        </p:nvSpPr>
-        <p:spPr>
-          <a:xfrm>
-            <a:off x="5011769" y="5555406"/>
-            <a:ext cx="5481258" cy="400110"/>
-          </a:xfrm>
-          <a:prstGeom prst="rect">
-            <a:avLst/>
-          </a:prstGeom>
-          <a:noFill/>
-        </p:spPr>
-        <p:txBody>
-          <a:bodyPr wrap="square" rtlCol="0">
-            <a:spAutoFit/>
-          </a:bodyPr>
-          <a:lstStyle/>
-          <a:p>
-            <a:r>
-              <a:rPr lang="ro-RO" sz="2000" b="1" dirty="0">
-                <a:solidFill>
-                  <a:srgbClr val="FFE79B"/>
-                </a:solidFill>
-                <a:effectLst>
-                  <a:outerShdw blurRad="63500" sx="102000" sy="102000" algn="ctr" rotWithShape="0">
-                    <a:prstClr val="black">
-                      <a:alpha val="30000"/>
-                    </a:prstClr>
-                  </a:outerShdw>
-                </a:effectLst>
-                <a:latin typeface="PT Serif" panose="020A0603040505020204" pitchFamily="18" charset="0"/>
-                <a:cs typeface="Times New Roman" panose="02020603050405020304" pitchFamily="18" charset="0"/>
-              </a:rPr>
-              <a:t>Balul</a:t>
-            </a:r>
-            <a:endParaRPr lang="en-US" sz="2000" b="1" dirty="0">
-              <a:solidFill>
-                <a:srgbClr val="FFE79B"/>
-              </a:solidFill>
-              <a:effectLst>
-                <a:outerShdw blurRad="63500" sx="102000" sy="102000" algn="ctr" rotWithShape="0">
-                  <a:prstClr val="black">
-                    <a:alpha val="30000"/>
-                  </a:prstClr>
-                </a:outerShdw>
-              </a:effectLst>
-              <a:latin typeface="PT Serif" panose="020A0603040505020204" pitchFamily="18" charset="0"/>
-              <a:cs typeface="Times New Roman" panose="02020603050405020304" pitchFamily="18" charset="0"/>
-            </a:endParaRPr>
-          </a:p>
-        </p:txBody>
-      </p:sp>
-      <p:sp>
-        <p:nvSpPr>
-          <p:cNvPr id="51" name="TextBox 50">
-            <a:extLst>
-              <a:ext uri="{FF2B5EF4-FFF2-40B4-BE49-F238E27FC236}">
-                <a16:creationId xmlns:a16="http://schemas.microsoft.com/office/drawing/2014/main" id="{91FE750D-D9A7-E0A0-CF4C-F218E613E19B}"/>
-              </a:ext>
-            </a:extLst>
-          </p:cNvPr>
-          <p:cNvSpPr txBox="1"/>
-          <p:nvPr/>
-        </p:nvSpPr>
-        <p:spPr>
-          <a:xfrm>
-            <a:off x="28575" y="847737"/>
-            <a:ext cx="2151317" cy="253916"/>
-          </a:xfrm>
-          <a:prstGeom prst="rect">
-            <a:avLst/>
-          </a:prstGeom>
-          <a:noFill/>
-        </p:spPr>
-        <p:txBody>
-          <a:bodyPr wrap="square" rtlCol="0">
-            <a:spAutoFit/>
-          </a:bodyPr>
-          <a:lstStyle/>
-          <a:p>
-            <a:r>
-              <a:rPr lang="en-US" sz="1050" b="1" dirty="0">
-                <a:solidFill>
-                  <a:srgbClr val="FFE79B"/>
-                </a:solidFill>
-                <a:effectLst>
-                  <a:outerShdw blurRad="63500" sx="102000" sy="102000" algn="ctr" rotWithShape="0">
-                    <a:prstClr val="black">
-                      <a:alpha val="30000"/>
-                    </a:prstClr>
-                  </a:outerShdw>
-                </a:effectLst>
-                <a:latin typeface="PT Serif" panose="020A0603040505020204" pitchFamily="18" charset="0"/>
-                <a:cs typeface="Times New Roman" panose="02020603050405020304" pitchFamily="18" charset="0"/>
-              </a:rPr>
-              <a:t>08:00-08:30</a:t>
-            </a:r>
-          </a:p>
-        </p:txBody>
-      </p:sp>
-      <p:sp>
-        <p:nvSpPr>
-          <p:cNvPr id="52" name="TextBox 51">
-            <a:extLst>
-              <a:ext uri="{FF2B5EF4-FFF2-40B4-BE49-F238E27FC236}">
-                <a16:creationId xmlns:a16="http://schemas.microsoft.com/office/drawing/2014/main" id="{D3B47DF3-67B9-4461-0310-1DA050D44F45}"/>
-              </a:ext>
-            </a:extLst>
-          </p:cNvPr>
-          <p:cNvSpPr txBox="1"/>
-          <p:nvPr/>
-        </p:nvSpPr>
-        <p:spPr>
-          <a:xfrm>
-            <a:off x="28575" y="1033542"/>
-            <a:ext cx="5481258" cy="400110"/>
-          </a:xfrm>
-          <a:prstGeom prst="rect">
-            <a:avLst/>
-          </a:prstGeom>
-          <a:noFill/>
-        </p:spPr>
-        <p:txBody>
-          <a:bodyPr wrap="square" rtlCol="0">
-            <a:spAutoFit/>
-          </a:bodyPr>
-          <a:lstStyle/>
-          <a:p>
-            <a:r>
-              <a:rPr lang="ro-RO" sz="2000" b="1" dirty="0">
-                <a:solidFill>
-                  <a:srgbClr val="FFE79B"/>
-                </a:solidFill>
-                <a:effectLst>
-                  <a:outerShdw blurRad="63500" sx="102000" sy="102000" algn="ctr" rotWithShape="0">
-                    <a:prstClr val="black">
-                      <a:alpha val="30000"/>
-                    </a:prstClr>
-                  </a:outerShdw>
-                </a:effectLst>
-                <a:latin typeface="PT Serif" panose="020A0603040505020204" pitchFamily="18" charset="0"/>
-                <a:cs typeface="Times New Roman" panose="02020603050405020304" pitchFamily="18" charset="0"/>
-              </a:rPr>
-              <a:t>Empfang der Gäste</a:t>
-            </a:r>
-            <a:endParaRPr lang="en-US" sz="2000" b="1" dirty="0">
-              <a:solidFill>
-                <a:srgbClr val="FFE79B"/>
-              </a:solidFill>
-              <a:effectLst>
-                <a:outerShdw blurRad="63500" sx="102000" sy="102000" algn="ctr" rotWithShape="0">
-                  <a:prstClr val="black">
-                    <a:alpha val="30000"/>
-                  </a:prstClr>
-                </a:outerShdw>
-              </a:effectLst>
-              <a:latin typeface="PT Serif" panose="020A0603040505020204" pitchFamily="18" charset="0"/>
-              <a:cs typeface="Times New Roman" panose="02020603050405020304" pitchFamily="18" charset="0"/>
-            </a:endParaRPr>
-          </a:p>
-        </p:txBody>
-      </p:sp>
-      <p:sp>
-        <p:nvSpPr>
-          <p:cNvPr id="53" name="TextBox 52">
-            <a:extLst>
-              <a:ext uri="{FF2B5EF4-FFF2-40B4-BE49-F238E27FC236}">
-                <a16:creationId xmlns:a16="http://schemas.microsoft.com/office/drawing/2014/main" id="{4890A952-2AED-08FC-ECEC-A2B218E897B6}"/>
-              </a:ext>
-            </a:extLst>
-          </p:cNvPr>
-          <p:cNvSpPr txBox="1"/>
-          <p:nvPr/>
-        </p:nvSpPr>
-        <p:spPr>
-          <a:xfrm>
-            <a:off x="28575" y="1507380"/>
-            <a:ext cx="2151317" cy="253916"/>
-          </a:xfrm>
-          <a:prstGeom prst="rect">
-            <a:avLst/>
-          </a:prstGeom>
-          <a:noFill/>
-        </p:spPr>
-        <p:txBody>
-          <a:bodyPr wrap="square" rtlCol="0">
-            <a:spAutoFit/>
-          </a:bodyPr>
-          <a:lstStyle/>
-          <a:p>
-            <a:r>
-              <a:rPr lang="ro-RO" sz="1050" b="1" dirty="0">
-                <a:solidFill>
-                  <a:srgbClr val="FFE79B"/>
-                </a:solidFill>
-                <a:effectLst>
-                  <a:outerShdw blurRad="63500" sx="102000" sy="102000" algn="ctr" rotWithShape="0">
-                    <a:prstClr val="black">
-                      <a:alpha val="30000"/>
-                    </a:prstClr>
-                  </a:outerShdw>
-                </a:effectLst>
-                <a:latin typeface="PT Serif" panose="020A0603040505020204" pitchFamily="18" charset="0"/>
-                <a:cs typeface="Times New Roman" panose="02020603050405020304" pitchFamily="18" charset="0"/>
-              </a:rPr>
-              <a:t>08</a:t>
-            </a:r>
-            <a:r>
-              <a:rPr lang="en-US" sz="1050" b="1" dirty="0">
-                <a:solidFill>
-                  <a:srgbClr val="FFE79B"/>
-                </a:solidFill>
-                <a:effectLst>
-                  <a:outerShdw blurRad="63500" sx="102000" sy="102000" algn="ctr" rotWithShape="0">
-                    <a:prstClr val="black">
-                      <a:alpha val="30000"/>
-                    </a:prstClr>
-                  </a:outerShdw>
-                </a:effectLst>
-                <a:latin typeface="PT Serif" panose="020A0603040505020204" pitchFamily="18" charset="0"/>
-                <a:cs typeface="Times New Roman" panose="02020603050405020304" pitchFamily="18" charset="0"/>
-              </a:rPr>
-              <a:t>:30-10:20</a:t>
-            </a:r>
-          </a:p>
-        </p:txBody>
-      </p:sp>
-      <p:sp>
-        <p:nvSpPr>
-          <p:cNvPr id="54" name="TextBox 53">
-            <a:extLst>
-              <a:ext uri="{FF2B5EF4-FFF2-40B4-BE49-F238E27FC236}">
-                <a16:creationId xmlns:a16="http://schemas.microsoft.com/office/drawing/2014/main" id="{02FCE918-8F40-CA29-4FFB-9E958D1B42A6}"/>
-              </a:ext>
-            </a:extLst>
-          </p:cNvPr>
-          <p:cNvSpPr txBox="1"/>
-          <p:nvPr/>
-        </p:nvSpPr>
-        <p:spPr>
-          <a:xfrm>
-            <a:off x="28575" y="1693185"/>
-            <a:ext cx="5481258" cy="400110"/>
-          </a:xfrm>
-          <a:prstGeom prst="rect">
-            <a:avLst/>
-          </a:prstGeom>
-          <a:noFill/>
-        </p:spPr>
-        <p:txBody>
-          <a:bodyPr wrap="square" rtlCol="0">
-            <a:spAutoFit/>
-          </a:bodyPr>
-          <a:lstStyle/>
-          <a:p>
-            <a:r>
-              <a:rPr lang="ro-RO" sz="2000" b="1" dirty="0">
-                <a:solidFill>
-                  <a:srgbClr val="FFE79B"/>
-                </a:solidFill>
-                <a:effectLst>
-                  <a:outerShdw blurRad="63500" sx="102000" sy="102000" algn="ctr" rotWithShape="0">
-                    <a:prstClr val="black">
-                      <a:alpha val="30000"/>
-                    </a:prstClr>
-                  </a:outerShdw>
-                </a:effectLst>
-                <a:latin typeface="PT Serif" panose="020A0603040505020204" pitchFamily="18" charset="0"/>
-                <a:cs typeface="Times New Roman" panose="02020603050405020304" pitchFamily="18" charset="0"/>
-              </a:rPr>
-              <a:t>Trachtparade</a:t>
-            </a:r>
-            <a:endParaRPr lang="en-US" sz="2000" b="1" dirty="0">
-              <a:solidFill>
-                <a:srgbClr val="FFE79B"/>
-              </a:solidFill>
-              <a:effectLst>
-                <a:outerShdw blurRad="63500" sx="102000" sy="102000" algn="ctr" rotWithShape="0">
-                  <a:prstClr val="black">
-                    <a:alpha val="30000"/>
-                  </a:prstClr>
-                </a:outerShdw>
-              </a:effectLst>
-              <a:latin typeface="PT Serif" panose="020A0603040505020204" pitchFamily="18" charset="0"/>
-              <a:cs typeface="Times New Roman" panose="02020603050405020304" pitchFamily="18" charset="0"/>
-            </a:endParaRPr>
-          </a:p>
-        </p:txBody>
-      </p:sp>
-      <p:sp>
-        <p:nvSpPr>
-          <p:cNvPr id="55" name="TextBox 54">
-            <a:extLst>
-              <a:ext uri="{FF2B5EF4-FFF2-40B4-BE49-F238E27FC236}">
-                <a16:creationId xmlns:a16="http://schemas.microsoft.com/office/drawing/2014/main" id="{04A9AD44-0D68-9758-5153-28084C49A968}"/>
-              </a:ext>
-            </a:extLst>
-          </p:cNvPr>
-          <p:cNvSpPr txBox="1"/>
-          <p:nvPr/>
-        </p:nvSpPr>
-        <p:spPr>
-          <a:xfrm>
-            <a:off x="28575" y="2140719"/>
-            <a:ext cx="2151317" cy="253916"/>
-          </a:xfrm>
-          <a:prstGeom prst="rect">
-            <a:avLst/>
-          </a:prstGeom>
-          <a:noFill/>
-        </p:spPr>
-        <p:txBody>
-          <a:bodyPr wrap="square" rtlCol="0">
-            <a:spAutoFit/>
-          </a:bodyPr>
-          <a:lstStyle/>
-          <a:p>
-            <a:r>
-              <a:rPr lang="ro-RO" sz="1050" b="1" dirty="0">
-                <a:solidFill>
-                  <a:srgbClr val="FFE79B"/>
-                </a:solidFill>
-                <a:effectLst>
-                  <a:outerShdw blurRad="63500" sx="102000" sy="102000" algn="ctr" rotWithShape="0">
-                    <a:prstClr val="black">
-                      <a:alpha val="30000"/>
-                    </a:prstClr>
-                  </a:outerShdw>
-                </a:effectLst>
-                <a:latin typeface="PT Serif" panose="020A0603040505020204" pitchFamily="18" charset="0"/>
-                <a:cs typeface="Times New Roman" panose="02020603050405020304" pitchFamily="18" charset="0"/>
-              </a:rPr>
-              <a:t>10:30-11:15</a:t>
-            </a:r>
-            <a:endParaRPr lang="en-US" sz="1050" b="1" dirty="0">
-              <a:solidFill>
-                <a:srgbClr val="FFE79B"/>
-              </a:solidFill>
-              <a:effectLst>
-                <a:outerShdw blurRad="63500" sx="102000" sy="102000" algn="ctr" rotWithShape="0">
-                  <a:prstClr val="black">
-                    <a:alpha val="30000"/>
-                  </a:prstClr>
-                </a:outerShdw>
-              </a:effectLst>
-              <a:latin typeface="PT Serif" panose="020A0603040505020204" pitchFamily="18" charset="0"/>
-              <a:cs typeface="Times New Roman" panose="02020603050405020304" pitchFamily="18" charset="0"/>
-            </a:endParaRPr>
-          </a:p>
-        </p:txBody>
-      </p:sp>
-      <p:sp>
-        <p:nvSpPr>
-          <p:cNvPr id="56" name="TextBox 55">
-            <a:extLst>
-              <a:ext uri="{FF2B5EF4-FFF2-40B4-BE49-F238E27FC236}">
-                <a16:creationId xmlns:a16="http://schemas.microsoft.com/office/drawing/2014/main" id="{AF4EA4B1-CE00-4445-FFF9-A450EE1EA9F8}"/>
-              </a:ext>
-            </a:extLst>
-          </p:cNvPr>
-          <p:cNvSpPr txBox="1"/>
-          <p:nvPr/>
-        </p:nvSpPr>
-        <p:spPr>
-          <a:xfrm>
-            <a:off x="28575" y="2326524"/>
-            <a:ext cx="5481258" cy="400110"/>
-          </a:xfrm>
-          <a:prstGeom prst="rect">
-            <a:avLst/>
-          </a:prstGeom>
-          <a:noFill/>
-        </p:spPr>
-        <p:txBody>
-          <a:bodyPr wrap="square" rtlCol="0">
-            <a:spAutoFit/>
-          </a:bodyPr>
-          <a:lstStyle/>
-          <a:p>
-            <a:r>
-              <a:rPr lang="ro-RO" sz="2000" b="1" dirty="0">
-                <a:solidFill>
-                  <a:srgbClr val="FFE79B"/>
-                </a:solidFill>
-                <a:effectLst>
-                  <a:outerShdw blurRad="63500" sx="102000" sy="102000" algn="ctr" rotWithShape="0">
-                    <a:prstClr val="black">
-                      <a:alpha val="30000"/>
-                    </a:prstClr>
-                  </a:outerShdw>
-                </a:effectLst>
-                <a:latin typeface="PT Serif" panose="020A0603040505020204" pitchFamily="18" charset="0"/>
-                <a:cs typeface="Times New Roman" panose="02020603050405020304" pitchFamily="18" charset="0"/>
-              </a:rPr>
-              <a:t>Heilige Messe für die Teilnehmer</a:t>
-            </a:r>
-            <a:endParaRPr lang="en-US" sz="2000" b="1" dirty="0">
-              <a:solidFill>
-                <a:srgbClr val="FFE79B"/>
-              </a:solidFill>
-              <a:effectLst>
-                <a:outerShdw blurRad="63500" sx="102000" sy="102000" algn="ctr" rotWithShape="0">
-                  <a:prstClr val="black">
-                    <a:alpha val="30000"/>
-                  </a:prstClr>
-                </a:outerShdw>
-              </a:effectLst>
-              <a:latin typeface="PT Serif" panose="020A0603040505020204" pitchFamily="18" charset="0"/>
-              <a:cs typeface="Times New Roman" panose="02020603050405020304" pitchFamily="18" charset="0"/>
-            </a:endParaRPr>
-          </a:p>
-        </p:txBody>
-      </p:sp>
-      <p:sp>
-        <p:nvSpPr>
-          <p:cNvPr id="57" name="TextBox 56">
-            <a:extLst>
-              <a:ext uri="{FF2B5EF4-FFF2-40B4-BE49-F238E27FC236}">
-                <a16:creationId xmlns:a16="http://schemas.microsoft.com/office/drawing/2014/main" id="{D3959EB5-A06D-4444-FB29-3F3DC2950D5B}"/>
-              </a:ext>
-            </a:extLst>
-          </p:cNvPr>
-          <p:cNvSpPr txBox="1"/>
-          <p:nvPr/>
-        </p:nvSpPr>
-        <p:spPr>
-          <a:xfrm>
-            <a:off x="28575" y="2800362"/>
-            <a:ext cx="2151317" cy="253916"/>
-          </a:xfrm>
-          <a:prstGeom prst="rect">
-            <a:avLst/>
-          </a:prstGeom>
-          <a:noFill/>
-        </p:spPr>
-        <p:txBody>
-          <a:bodyPr wrap="square" rtlCol="0">
-            <a:spAutoFit/>
-          </a:bodyPr>
-          <a:lstStyle/>
-          <a:p>
-            <a:r>
-              <a:rPr lang="ro-RO" sz="1050" b="1" dirty="0">
-                <a:solidFill>
-                  <a:srgbClr val="FFE79B"/>
-                </a:solidFill>
-                <a:effectLst>
-                  <a:outerShdw blurRad="63500" sx="102000" sy="102000" algn="ctr" rotWithShape="0">
-                    <a:prstClr val="black">
-                      <a:alpha val="30000"/>
-                    </a:prstClr>
-                  </a:outerShdw>
-                </a:effectLst>
-                <a:latin typeface="PT Serif" panose="020A0603040505020204" pitchFamily="18" charset="0"/>
-                <a:cs typeface="Times New Roman" panose="02020603050405020304" pitchFamily="18" charset="0"/>
-              </a:rPr>
-              <a:t>11:15-11:30</a:t>
-            </a:r>
-            <a:endParaRPr lang="en-US" sz="1050" b="1" dirty="0">
-              <a:solidFill>
-                <a:srgbClr val="FFE79B"/>
-              </a:solidFill>
-              <a:effectLst>
-                <a:outerShdw blurRad="63500" sx="102000" sy="102000" algn="ctr" rotWithShape="0">
-                  <a:prstClr val="black">
-                    <a:alpha val="30000"/>
-                  </a:prstClr>
-                </a:outerShdw>
-              </a:effectLst>
-              <a:latin typeface="PT Serif" panose="020A0603040505020204" pitchFamily="18" charset="0"/>
-              <a:cs typeface="Times New Roman" panose="02020603050405020304" pitchFamily="18" charset="0"/>
-            </a:endParaRPr>
-          </a:p>
-        </p:txBody>
-      </p:sp>
-      <p:sp>
-        <p:nvSpPr>
-          <p:cNvPr id="58" name="TextBox 57">
-            <a:extLst>
-              <a:ext uri="{FF2B5EF4-FFF2-40B4-BE49-F238E27FC236}">
-                <a16:creationId xmlns:a16="http://schemas.microsoft.com/office/drawing/2014/main" id="{209AE847-E9B4-06B3-F005-46FCA7CEE2B4}"/>
-              </a:ext>
-            </a:extLst>
-          </p:cNvPr>
-          <p:cNvSpPr txBox="1"/>
-          <p:nvPr/>
-        </p:nvSpPr>
-        <p:spPr>
-          <a:xfrm>
-            <a:off x="28575" y="2986167"/>
-            <a:ext cx="5481258" cy="400110"/>
-          </a:xfrm>
-          <a:prstGeom prst="rect">
-            <a:avLst/>
-          </a:prstGeom>
-          <a:noFill/>
-        </p:spPr>
-        <p:txBody>
-          <a:bodyPr wrap="square" rtlCol="0">
-            <a:spAutoFit/>
-          </a:bodyPr>
-          <a:lstStyle/>
-          <a:p>
-            <a:r>
-              <a:rPr lang="ro-RO" sz="2000" b="1" dirty="0">
-                <a:solidFill>
-                  <a:srgbClr val="FFE79B"/>
-                </a:solidFill>
-                <a:effectLst>
-                  <a:outerShdw blurRad="63500" sx="102000" sy="102000" algn="ctr" rotWithShape="0">
-                    <a:prstClr val="black">
-                      <a:alpha val="30000"/>
-                    </a:prstClr>
-                  </a:outerShdw>
-                </a:effectLst>
-                <a:latin typeface="PT Serif" panose="020A0603040505020204" pitchFamily="18" charset="0"/>
-                <a:cs typeface="Times New Roman" panose="02020603050405020304" pitchFamily="18" charset="0"/>
-              </a:rPr>
-              <a:t>Kranzniederlegung am Heldendenkmal</a:t>
-            </a:r>
-            <a:endParaRPr lang="en-US" sz="2000" b="1" dirty="0">
-              <a:solidFill>
-                <a:srgbClr val="FFE79B"/>
-              </a:solidFill>
-              <a:effectLst>
-                <a:outerShdw blurRad="63500" sx="102000" sy="102000" algn="ctr" rotWithShape="0">
-                  <a:prstClr val="black">
-                    <a:alpha val="30000"/>
-                  </a:prstClr>
-                </a:outerShdw>
-              </a:effectLst>
-              <a:latin typeface="PT Serif" panose="020A0603040505020204" pitchFamily="18" charset="0"/>
-              <a:cs typeface="Times New Roman" panose="02020603050405020304" pitchFamily="18" charset="0"/>
-            </a:endParaRPr>
-          </a:p>
-        </p:txBody>
-      </p:sp>
-      <p:sp>
-        <p:nvSpPr>
-          <p:cNvPr id="59" name="TextBox 58">
-            <a:extLst>
-              <a:ext uri="{FF2B5EF4-FFF2-40B4-BE49-F238E27FC236}">
-                <a16:creationId xmlns:a16="http://schemas.microsoft.com/office/drawing/2014/main" id="{48F2A7C7-D688-7614-308A-C1B9ACBE060D}"/>
-              </a:ext>
-            </a:extLst>
-          </p:cNvPr>
-          <p:cNvSpPr txBox="1"/>
-          <p:nvPr/>
-        </p:nvSpPr>
-        <p:spPr>
-          <a:xfrm>
-            <a:off x="28575" y="3416976"/>
-            <a:ext cx="2151317" cy="253916"/>
-          </a:xfrm>
-          <a:prstGeom prst="rect">
-            <a:avLst/>
-          </a:prstGeom>
-          <a:noFill/>
-        </p:spPr>
-        <p:txBody>
-          <a:bodyPr wrap="square" rtlCol="0">
-            <a:spAutoFit/>
-          </a:bodyPr>
-          <a:lstStyle/>
-          <a:p>
-            <a:r>
-              <a:rPr lang="ro-RO" sz="1050" b="1" dirty="0">
-                <a:solidFill>
-                  <a:srgbClr val="FFE79B"/>
-                </a:solidFill>
-                <a:effectLst>
-                  <a:outerShdw blurRad="63500" sx="102000" sy="102000" algn="ctr" rotWithShape="0">
-                    <a:prstClr val="black">
-                      <a:alpha val="30000"/>
-                    </a:prstClr>
-                  </a:outerShdw>
-                </a:effectLst>
-                <a:latin typeface="PT Serif" panose="020A0603040505020204" pitchFamily="18" charset="0"/>
-                <a:cs typeface="Times New Roman" panose="02020603050405020304" pitchFamily="18" charset="0"/>
-              </a:rPr>
-              <a:t>11:30-13:30</a:t>
-            </a:r>
-            <a:endParaRPr lang="en-US" sz="1050" b="1" dirty="0">
-              <a:solidFill>
-                <a:srgbClr val="FFE79B"/>
-              </a:solidFill>
-              <a:effectLst>
-                <a:outerShdw blurRad="63500" sx="102000" sy="102000" algn="ctr" rotWithShape="0">
-                  <a:prstClr val="black">
-                    <a:alpha val="30000"/>
-                  </a:prstClr>
-                </a:outerShdw>
-              </a:effectLst>
-              <a:latin typeface="PT Serif" panose="020A0603040505020204" pitchFamily="18" charset="0"/>
-              <a:cs typeface="Times New Roman" panose="02020603050405020304" pitchFamily="18" charset="0"/>
-            </a:endParaRPr>
-          </a:p>
-        </p:txBody>
-      </p:sp>
-      <p:sp>
-        <p:nvSpPr>
-          <p:cNvPr id="60" name="TextBox 59">
-            <a:extLst>
-              <a:ext uri="{FF2B5EF4-FFF2-40B4-BE49-F238E27FC236}">
-                <a16:creationId xmlns:a16="http://schemas.microsoft.com/office/drawing/2014/main" id="{65D49D53-CC84-76C5-67BE-EF39302F3D22}"/>
-              </a:ext>
-            </a:extLst>
-          </p:cNvPr>
-          <p:cNvSpPr txBox="1"/>
-          <p:nvPr/>
-        </p:nvSpPr>
-        <p:spPr>
-          <a:xfrm>
-            <a:off x="28575" y="3602781"/>
-            <a:ext cx="5481258" cy="400110"/>
-          </a:xfrm>
-          <a:prstGeom prst="rect">
-            <a:avLst/>
-          </a:prstGeom>
-          <a:noFill/>
-        </p:spPr>
-        <p:txBody>
-          <a:bodyPr wrap="square" rtlCol="0">
-            <a:spAutoFit/>
-          </a:bodyPr>
-          <a:lstStyle/>
-          <a:p>
-            <a:r>
-              <a:rPr lang="de-DE" sz="2000" b="1" dirty="0">
-                <a:solidFill>
-                  <a:srgbClr val="FFE79B"/>
-                </a:solidFill>
-                <a:effectLst>
-                  <a:outerShdw blurRad="63500" sx="102000" sy="102000" algn="ctr" rotWithShape="0">
-                    <a:prstClr val="black">
-                      <a:alpha val="30000"/>
-                    </a:prstClr>
-                  </a:outerShdw>
-                </a:effectLst>
-                <a:latin typeface="PT Serif" panose="020A0603040505020204" pitchFamily="18" charset="0"/>
-                <a:cs typeface="Times New Roman" panose="02020603050405020304" pitchFamily="18" charset="0"/>
-              </a:rPr>
-              <a:t>Versteigerung des </a:t>
-            </a:r>
-            <a:r>
-              <a:rPr lang="ro-RO" sz="2000" b="1" dirty="0">
-                <a:solidFill>
-                  <a:srgbClr val="FFE79B"/>
-                </a:solidFill>
-                <a:effectLst>
-                  <a:outerShdw blurRad="63500" sx="102000" sy="102000" algn="ctr" rotWithShape="0">
-                    <a:prstClr val="black">
-                      <a:alpha val="30000"/>
-                    </a:prstClr>
-                  </a:outerShdw>
-                </a:effectLst>
-                <a:latin typeface="PT Serif" panose="020A0603040505020204" pitchFamily="18" charset="0"/>
-                <a:cs typeface="Times New Roman" panose="02020603050405020304" pitchFamily="18" charset="0"/>
-              </a:rPr>
-              <a:t>Kerwei</a:t>
-            </a:r>
-            <a:r>
-              <a:rPr lang="de-DE" sz="2000" b="1" dirty="0">
-                <a:solidFill>
-                  <a:srgbClr val="FFE79B"/>
-                </a:solidFill>
-                <a:effectLst>
-                  <a:outerShdw blurRad="63500" sx="102000" sy="102000" algn="ctr" rotWithShape="0">
-                    <a:prstClr val="black">
-                      <a:alpha val="30000"/>
-                    </a:prstClr>
-                  </a:outerShdw>
-                </a:effectLst>
-                <a:latin typeface="PT Serif" panose="020A0603040505020204" pitchFamily="18" charset="0"/>
-                <a:cs typeface="Times New Roman" panose="02020603050405020304" pitchFamily="18" charset="0"/>
-              </a:rPr>
-              <a:t>straußes / Tänze</a:t>
-            </a:r>
-            <a:endParaRPr lang="ro-RO" sz="2000" b="1" dirty="0">
-              <a:solidFill>
-                <a:srgbClr val="FFE79B"/>
-              </a:solidFill>
-              <a:effectLst>
-                <a:outerShdw blurRad="63500" sx="102000" sy="102000" algn="ctr" rotWithShape="0">
-                  <a:prstClr val="black">
-                    <a:alpha val="30000"/>
-                  </a:prstClr>
-                </a:outerShdw>
-              </a:effectLst>
-              <a:latin typeface="PT Serif" panose="020A0603040505020204" pitchFamily="18" charset="0"/>
-              <a:cs typeface="Times New Roman" panose="02020603050405020304" pitchFamily="18" charset="0"/>
-            </a:endParaRPr>
-          </a:p>
-        </p:txBody>
-      </p:sp>
-      <p:sp>
-        <p:nvSpPr>
-          <p:cNvPr id="61" name="TextBox 60">
-            <a:extLst>
-              <a:ext uri="{FF2B5EF4-FFF2-40B4-BE49-F238E27FC236}">
-                <a16:creationId xmlns:a16="http://schemas.microsoft.com/office/drawing/2014/main" id="{5C0DB5C5-81B9-6546-3B3E-858C616AA19D}"/>
-              </a:ext>
-            </a:extLst>
-          </p:cNvPr>
-          <p:cNvSpPr txBox="1"/>
-          <p:nvPr/>
-        </p:nvSpPr>
-        <p:spPr>
-          <a:xfrm>
-            <a:off x="28575" y="4076619"/>
-            <a:ext cx="2151317" cy="253916"/>
-          </a:xfrm>
-          <a:prstGeom prst="rect">
-            <a:avLst/>
-          </a:prstGeom>
-          <a:noFill/>
-        </p:spPr>
-        <p:txBody>
-          <a:bodyPr wrap="square" rtlCol="0">
-            <a:spAutoFit/>
-          </a:bodyPr>
-          <a:lstStyle/>
-          <a:p>
-            <a:r>
-              <a:rPr lang="ro-RO" sz="1050" b="1" dirty="0">
-                <a:solidFill>
-                  <a:srgbClr val="FFE79B"/>
-                </a:solidFill>
-                <a:effectLst>
-                  <a:outerShdw blurRad="63500" sx="102000" sy="102000" algn="ctr" rotWithShape="0">
-                    <a:prstClr val="black">
-                      <a:alpha val="30000"/>
-                    </a:prstClr>
-                  </a:outerShdw>
-                </a:effectLst>
-                <a:latin typeface="PT Serif" panose="020A0603040505020204" pitchFamily="18" charset="0"/>
-                <a:cs typeface="Times New Roman" panose="02020603050405020304" pitchFamily="18" charset="0"/>
-              </a:rPr>
-              <a:t>13:30-15:00</a:t>
-            </a:r>
-            <a:endParaRPr lang="en-US" sz="1050" b="1" dirty="0">
-              <a:solidFill>
-                <a:srgbClr val="FFE79B"/>
-              </a:solidFill>
-              <a:effectLst>
-                <a:outerShdw blurRad="63500" sx="102000" sy="102000" algn="ctr" rotWithShape="0">
-                  <a:prstClr val="black">
-                    <a:alpha val="30000"/>
-                  </a:prstClr>
-                </a:outerShdw>
-              </a:effectLst>
-              <a:latin typeface="PT Serif" panose="020A0603040505020204" pitchFamily="18" charset="0"/>
-              <a:cs typeface="Times New Roman" panose="02020603050405020304" pitchFamily="18" charset="0"/>
-            </a:endParaRPr>
-          </a:p>
-        </p:txBody>
-      </p:sp>
-      <p:sp>
-        <p:nvSpPr>
-          <p:cNvPr id="62" name="TextBox 61">
-            <a:extLst>
-              <a:ext uri="{FF2B5EF4-FFF2-40B4-BE49-F238E27FC236}">
-                <a16:creationId xmlns:a16="http://schemas.microsoft.com/office/drawing/2014/main" id="{8F778EBA-D678-830F-97CE-035C510D6B85}"/>
-              </a:ext>
-            </a:extLst>
-          </p:cNvPr>
-          <p:cNvSpPr txBox="1"/>
-          <p:nvPr/>
-        </p:nvSpPr>
-        <p:spPr>
-          <a:xfrm>
-            <a:off x="28575" y="4262424"/>
-            <a:ext cx="5481258" cy="400110"/>
-          </a:xfrm>
-          <a:prstGeom prst="rect">
-            <a:avLst/>
-          </a:prstGeom>
-          <a:noFill/>
-        </p:spPr>
-        <p:txBody>
-          <a:bodyPr wrap="square" rtlCol="0">
-            <a:spAutoFit/>
-          </a:bodyPr>
-          <a:lstStyle/>
-          <a:p>
-            <a:pPr>
-              <a:tabLst>
-                <a:tab pos="3543300" algn="l"/>
-              </a:tabLst>
-            </a:pPr>
-            <a:r>
-              <a:rPr lang="ro-RO" sz="2000" b="1" dirty="0">
-                <a:solidFill>
-                  <a:srgbClr val="FFE79B"/>
-                </a:solidFill>
-                <a:effectLst>
-                  <a:outerShdw blurRad="63500" sx="102000" sy="102000" algn="ctr" rotWithShape="0">
-                    <a:prstClr val="black">
-                      <a:alpha val="30000"/>
-                    </a:prstClr>
-                  </a:outerShdw>
-                </a:effectLst>
-                <a:latin typeface="PT Serif" panose="020A0603040505020204" pitchFamily="18" charset="0"/>
-                <a:cs typeface="Times New Roman" panose="02020603050405020304" pitchFamily="18" charset="0"/>
-              </a:rPr>
-              <a:t>Mittagessen</a:t>
-            </a:r>
-            <a:endParaRPr lang="en-US" sz="2000" b="1" dirty="0">
-              <a:solidFill>
-                <a:srgbClr val="FFE79B"/>
-              </a:solidFill>
-              <a:effectLst>
-                <a:outerShdw blurRad="63500" sx="102000" sy="102000" algn="ctr" rotWithShape="0">
-                  <a:prstClr val="black">
-                    <a:alpha val="30000"/>
-                  </a:prstClr>
-                </a:outerShdw>
-              </a:effectLst>
-              <a:latin typeface="PT Serif" panose="020A0603040505020204" pitchFamily="18" charset="0"/>
-              <a:cs typeface="Times New Roman" panose="02020603050405020304" pitchFamily="18" charset="0"/>
-            </a:endParaRPr>
-          </a:p>
-        </p:txBody>
-      </p:sp>
-      <p:sp>
-        <p:nvSpPr>
-          <p:cNvPr id="63" name="TextBox 62">
-            <a:extLst>
-              <a:ext uri="{FF2B5EF4-FFF2-40B4-BE49-F238E27FC236}">
-                <a16:creationId xmlns:a16="http://schemas.microsoft.com/office/drawing/2014/main" id="{964F7224-F6AA-AD58-11E2-C9ACEDB221D6}"/>
-              </a:ext>
-            </a:extLst>
-          </p:cNvPr>
-          <p:cNvSpPr txBox="1"/>
-          <p:nvPr/>
-        </p:nvSpPr>
-        <p:spPr>
-          <a:xfrm>
-            <a:off x="28575" y="4709958"/>
-            <a:ext cx="2151317" cy="253916"/>
-          </a:xfrm>
-          <a:prstGeom prst="rect">
-            <a:avLst/>
-          </a:prstGeom>
-          <a:noFill/>
-        </p:spPr>
-        <p:txBody>
-          <a:bodyPr wrap="square" rtlCol="0">
-            <a:spAutoFit/>
-          </a:bodyPr>
-          <a:lstStyle/>
-          <a:p>
-            <a:r>
-              <a:rPr lang="ro-RO" sz="1050" b="1" dirty="0">
-                <a:solidFill>
-                  <a:srgbClr val="FFE79B"/>
-                </a:solidFill>
-                <a:effectLst>
-                  <a:outerShdw blurRad="63500" sx="102000" sy="102000" algn="ctr" rotWithShape="0">
-                    <a:prstClr val="black">
-                      <a:alpha val="30000"/>
-                    </a:prstClr>
-                  </a:outerShdw>
-                </a:effectLst>
-                <a:latin typeface="PT Serif" panose="020A0603040505020204" pitchFamily="18" charset="0"/>
-                <a:cs typeface="Times New Roman" panose="02020603050405020304" pitchFamily="18" charset="0"/>
-              </a:rPr>
-              <a:t>16:00</a:t>
-            </a:r>
-            <a:endParaRPr lang="en-US" sz="1050" b="1" dirty="0">
-              <a:solidFill>
-                <a:srgbClr val="FFE79B"/>
-              </a:solidFill>
-              <a:effectLst>
-                <a:outerShdw blurRad="63500" sx="102000" sy="102000" algn="ctr" rotWithShape="0">
-                  <a:prstClr val="black">
-                    <a:alpha val="30000"/>
-                  </a:prstClr>
-                </a:outerShdw>
-              </a:effectLst>
-              <a:latin typeface="PT Serif" panose="020A0603040505020204" pitchFamily="18" charset="0"/>
-              <a:cs typeface="Times New Roman" panose="02020603050405020304" pitchFamily="18" charset="0"/>
-            </a:endParaRPr>
-          </a:p>
-        </p:txBody>
-      </p:sp>
-      <p:sp>
-        <p:nvSpPr>
-          <p:cNvPr id="64" name="TextBox 63">
-            <a:extLst>
-              <a:ext uri="{FF2B5EF4-FFF2-40B4-BE49-F238E27FC236}">
-                <a16:creationId xmlns:a16="http://schemas.microsoft.com/office/drawing/2014/main" id="{B1EC99C6-37E3-C40E-1242-A1D00E7329F3}"/>
-              </a:ext>
-            </a:extLst>
-          </p:cNvPr>
-          <p:cNvSpPr txBox="1"/>
-          <p:nvPr/>
-        </p:nvSpPr>
-        <p:spPr>
-          <a:xfrm>
-            <a:off x="28575" y="4895763"/>
-            <a:ext cx="5481258" cy="400110"/>
-          </a:xfrm>
-          <a:prstGeom prst="rect">
-            <a:avLst/>
-          </a:prstGeom>
-          <a:noFill/>
-        </p:spPr>
-        <p:txBody>
-          <a:bodyPr wrap="square" rtlCol="0">
-            <a:spAutoFit/>
-          </a:bodyPr>
-          <a:lstStyle/>
-          <a:p>
-            <a:r>
-              <a:rPr lang="ro-RO" sz="2000" b="1" dirty="0">
-                <a:solidFill>
-                  <a:srgbClr val="FFE79B"/>
-                </a:solidFill>
-                <a:effectLst>
-                  <a:outerShdw blurRad="63500" sx="102000" sy="102000" algn="ctr" rotWithShape="0">
-                    <a:prstClr val="black">
-                      <a:alpha val="30000"/>
-                    </a:prstClr>
-                  </a:outerShdw>
-                </a:effectLst>
-                <a:latin typeface="PT Serif" panose="020A0603040505020204" pitchFamily="18" charset="0"/>
-                <a:cs typeface="Times New Roman" panose="02020603050405020304" pitchFamily="18" charset="0"/>
-              </a:rPr>
-              <a:t>Kranzniederlegung am Friedhof</a:t>
-            </a:r>
-          </a:p>
-        </p:txBody>
-      </p:sp>
-      <p:sp>
-        <p:nvSpPr>
-          <p:cNvPr id="65" name="TextBox 64">
-            <a:extLst>
-              <a:ext uri="{FF2B5EF4-FFF2-40B4-BE49-F238E27FC236}">
-                <a16:creationId xmlns:a16="http://schemas.microsoft.com/office/drawing/2014/main" id="{87978BC0-DEF0-849D-6BBF-F93681B75CE7}"/>
-              </a:ext>
-            </a:extLst>
-          </p:cNvPr>
-          <p:cNvSpPr txBox="1"/>
-          <p:nvPr/>
-        </p:nvSpPr>
-        <p:spPr>
-          <a:xfrm>
-            <a:off x="28575" y="5369601"/>
-            <a:ext cx="2151317" cy="253916"/>
-          </a:xfrm>
-          <a:prstGeom prst="rect">
-            <a:avLst/>
-          </a:prstGeom>
-          <a:noFill/>
-        </p:spPr>
-        <p:txBody>
-          <a:bodyPr wrap="square" rtlCol="0">
-            <a:spAutoFit/>
-          </a:bodyPr>
-          <a:lstStyle/>
-          <a:p>
-            <a:r>
-              <a:rPr lang="ro-RO" sz="1050" b="1" dirty="0">
-                <a:solidFill>
-                  <a:srgbClr val="FFE79B"/>
-                </a:solidFill>
-                <a:effectLst>
-                  <a:outerShdw blurRad="63500" sx="102000" sy="102000" algn="ctr" rotWithShape="0">
-                    <a:prstClr val="black">
-                      <a:alpha val="30000"/>
-                    </a:prstClr>
-                  </a:outerShdw>
-                </a:effectLst>
-                <a:latin typeface="PT Serif" panose="020A0603040505020204" pitchFamily="18" charset="0"/>
-                <a:cs typeface="Times New Roman" panose="02020603050405020304" pitchFamily="18" charset="0"/>
-              </a:rPr>
-              <a:t>19:00</a:t>
-            </a:r>
-            <a:endParaRPr lang="en-US" sz="1050" b="1" dirty="0">
-              <a:solidFill>
-                <a:srgbClr val="FFE79B"/>
-              </a:solidFill>
-              <a:effectLst>
-                <a:outerShdw blurRad="63500" sx="102000" sy="102000" algn="ctr" rotWithShape="0">
-                  <a:prstClr val="black">
-                    <a:alpha val="30000"/>
-                  </a:prstClr>
-                </a:outerShdw>
-              </a:effectLst>
-              <a:latin typeface="PT Serif" panose="020A0603040505020204" pitchFamily="18" charset="0"/>
-              <a:cs typeface="Times New Roman" panose="02020603050405020304" pitchFamily="18" charset="0"/>
-            </a:endParaRPr>
-          </a:p>
-        </p:txBody>
-      </p:sp>
-      <p:sp>
-        <p:nvSpPr>
-          <p:cNvPr id="66" name="TextBox 65">
-            <a:extLst>
-              <a:ext uri="{FF2B5EF4-FFF2-40B4-BE49-F238E27FC236}">
-                <a16:creationId xmlns:a16="http://schemas.microsoft.com/office/drawing/2014/main" id="{6BF49931-837F-27A3-D6AD-960E3AA10CAC}"/>
-              </a:ext>
-            </a:extLst>
-          </p:cNvPr>
-          <p:cNvSpPr txBox="1"/>
-          <p:nvPr/>
-        </p:nvSpPr>
-        <p:spPr>
-          <a:xfrm>
-            <a:off x="28575" y="5555406"/>
-            <a:ext cx="5481258" cy="400110"/>
-          </a:xfrm>
-          <a:prstGeom prst="rect">
-            <a:avLst/>
-          </a:prstGeom>
-          <a:noFill/>
-        </p:spPr>
-        <p:txBody>
-          <a:bodyPr wrap="square" rtlCol="0">
-            <a:spAutoFit/>
-          </a:bodyPr>
-          <a:lstStyle/>
-          <a:p>
-            <a:r>
-              <a:rPr lang="ro-RO" sz="2000" b="1" dirty="0">
-                <a:solidFill>
-                  <a:srgbClr val="FFE79B"/>
-                </a:solidFill>
-                <a:effectLst>
-                  <a:outerShdw blurRad="63500" sx="102000" sy="102000" algn="ctr" rotWithShape="0">
-                    <a:prstClr val="black">
-                      <a:alpha val="30000"/>
-                    </a:prstClr>
-                  </a:outerShdw>
-                </a:effectLst>
-                <a:latin typeface="PT Serif" panose="020A0603040505020204" pitchFamily="18" charset="0"/>
-                <a:cs typeface="Times New Roman" panose="02020603050405020304" pitchFamily="18" charset="0"/>
-              </a:rPr>
-              <a:t>Ball</a:t>
-            </a:r>
-            <a:endParaRPr lang="en-US" sz="2000" b="1" dirty="0">
-              <a:solidFill>
-                <a:srgbClr val="FFE79B"/>
-              </a:solidFill>
-              <a:effectLst>
-                <a:outerShdw blurRad="63500" sx="102000" sy="102000" algn="ctr" rotWithShape="0">
-                  <a:prstClr val="black">
-                    <a:alpha val="30000"/>
-                  </a:prstClr>
-                </a:outerShdw>
-              </a:effectLst>
-              <a:latin typeface="PT Serif" panose="020A0603040505020204" pitchFamily="18" charset="0"/>
-              <a:cs typeface="Times New Roman" panose="02020603050405020304" pitchFamily="18" charset="0"/>
-            </a:endParaRPr>
-          </a:p>
-        </p:txBody>
-      </p:sp>
-      <p:sp>
-        <p:nvSpPr>
-          <p:cNvPr id="70" name="TextBox 69">
-            <a:extLst>
-              <a:ext uri="{FF2B5EF4-FFF2-40B4-BE49-F238E27FC236}">
-                <a16:creationId xmlns:a16="http://schemas.microsoft.com/office/drawing/2014/main" id="{F8DFBE89-A9D0-28A2-8BED-34DB7A55C429}"/>
-              </a:ext>
-            </a:extLst>
-          </p:cNvPr>
-          <p:cNvSpPr txBox="1"/>
-          <p:nvPr/>
-        </p:nvSpPr>
-        <p:spPr>
-          <a:xfrm>
-            <a:off x="2371193" y="6081223"/>
-            <a:ext cx="4954065" cy="707886"/>
-          </a:xfrm>
-          <a:prstGeom prst="rect">
-            <a:avLst/>
-          </a:prstGeom>
-          <a:noFill/>
-          <a:effectLst/>
-        </p:spPr>
-        <p:txBody>
-          <a:bodyPr wrap="square" rtlCol="0">
-            <a:spAutoFit/>
-          </a:bodyPr>
-          <a:lstStyle/>
-          <a:p>
-            <a:pPr algn="ctr"/>
-            <a:r>
-              <a:rPr lang="ro-RO" sz="4000" dirty="0">
-                <a:solidFill>
-                  <a:srgbClr val="FFE79B"/>
-                </a:solidFill>
-                <a:effectLst>
-                  <a:outerShdw blurRad="63500" sx="102000" sy="102000" algn="ctr" rotWithShape="0">
-                    <a:prstClr val="black">
-                      <a:alpha val="30000"/>
-                    </a:prstClr>
-                  </a:outerShdw>
-                </a:effectLst>
-                <a:latin typeface="Deutsch-Gotisch" pitchFamily="50" charset="0"/>
-                <a:cs typeface="Times New Roman" panose="02020603050405020304" pitchFamily="18" charset="0"/>
-              </a:rPr>
-              <a:t>Lowriner Kerweih</a:t>
-            </a:r>
-            <a:endParaRPr lang="en-US" sz="4000" dirty="0">
-              <a:solidFill>
-                <a:srgbClr val="FFE79B"/>
-              </a:solidFill>
-              <a:effectLst>
-                <a:outerShdw blurRad="63500" sx="102000" sy="102000" algn="ctr" rotWithShape="0">
-                  <a:prstClr val="black">
-                    <a:alpha val="30000"/>
-                  </a:prstClr>
-                </a:outerShdw>
-              </a:effectLst>
-              <a:latin typeface="Deutsch-Gotisch" pitchFamily="50" charset="0"/>
-              <a:cs typeface="Times New Roman" panose="02020603050405020304" pitchFamily="18" charset="0"/>
-            </a:endParaRPr>
-          </a:p>
-        </p:txBody>
-      </p:sp>
     </p:spTree>
     <p:extLst>
       <p:ext uri="{BB962C8B-B14F-4D97-AF65-F5344CB8AC3E}">
